--- a/iote2e-common/src/site/markdown/slides/iote2e-dryrun-20170904.pptx
+++ b/iote2e-common/src/site/markdown/slides/iote2e-dryrun-20170904.pptx
@@ -6,7 +6,30 @@
   </p:sldMasterIdLst>
   <p:sldIdLst>
     <p:sldId id="256" r:id="rId2"/>
-    <p:sldId id="257" r:id="rId3"/>
+    <p:sldId id="272" r:id="rId3"/>
+    <p:sldId id="270" r:id="rId4"/>
+    <p:sldId id="278" r:id="rId5"/>
+    <p:sldId id="262" r:id="rId6"/>
+    <p:sldId id="263" r:id="rId7"/>
+    <p:sldId id="269" r:id="rId8"/>
+    <p:sldId id="274" r:id="rId9"/>
+    <p:sldId id="280" r:id="rId10"/>
+    <p:sldId id="257" r:id="rId11"/>
+    <p:sldId id="279" r:id="rId12"/>
+    <p:sldId id="258" r:id="rId13"/>
+    <p:sldId id="281" r:id="rId14"/>
+    <p:sldId id="259" r:id="rId15"/>
+    <p:sldId id="260" r:id="rId16"/>
+    <p:sldId id="265" r:id="rId17"/>
+    <p:sldId id="275" r:id="rId18"/>
+    <p:sldId id="282" r:id="rId19"/>
+    <p:sldId id="271" r:id="rId20"/>
+    <p:sldId id="264" r:id="rId21"/>
+    <p:sldId id="276" r:id="rId22"/>
+    <p:sldId id="266" r:id="rId23"/>
+    <p:sldId id="277" r:id="rId24"/>
+    <p:sldId id="267" r:id="rId25"/>
+    <p:sldId id="268" r:id="rId26"/>
   </p:sldIdLst>
   <p:sldSz cx="12192000" cy="6858000"/>
   <p:notesSz cx="6858000" cy="9144000"/>
@@ -105,6 +128,22 @@
       </a:defRPr>
     </a:lvl9pPr>
   </p:defaultTextStyle>
+  <p:extLst>
+    <p:ext uri="{EFAFB233-063F-42B5-8137-9DF3F51BA10A}">
+      <p15:sldGuideLst xmlns:p15="http://schemas.microsoft.com/office/powerpoint/2012/main">
+        <p15:guide id="1" orient="horz" pos="2160">
+          <p15:clr>
+            <a:srgbClr val="A4A3A4"/>
+          </p15:clr>
+        </p15:guide>
+        <p15:guide id="2" pos="3840">
+          <p15:clr>
+            <a:srgbClr val="A4A3A4"/>
+          </p15:clr>
+        </p15:guide>
+      </p15:sldGuideLst>
+    </p:ext>
+  </p:extLst>
 </p:presentation>
 </file>
 
@@ -259,7 +298,7 @@
           <a:p>
             <a:fld id="{4CCA9920-0E06-4E18-AD55-2E6B451EB982}" type="datetimeFigureOut">
               <a:rPr lang="en-US" smtClean="0"/>
-              <a:t>9/4/2017</a:t>
+              <a:t>9/6/2017</a:t>
             </a:fld>
             <a:endParaRPr lang="en-US"/>
           </a:p>
@@ -457,7 +496,7 @@
           <a:p>
             <a:fld id="{4CCA9920-0E06-4E18-AD55-2E6B451EB982}" type="datetimeFigureOut">
               <a:rPr lang="en-US" smtClean="0"/>
-              <a:t>9/4/2017</a:t>
+              <a:t>9/6/2017</a:t>
             </a:fld>
             <a:endParaRPr lang="en-US"/>
           </a:p>
@@ -665,7 +704,7 @@
           <a:p>
             <a:fld id="{4CCA9920-0E06-4E18-AD55-2E6B451EB982}" type="datetimeFigureOut">
               <a:rPr lang="en-US" smtClean="0"/>
-              <a:t>9/4/2017</a:t>
+              <a:t>9/6/2017</a:t>
             </a:fld>
             <a:endParaRPr lang="en-US"/>
           </a:p>
@@ -863,7 +902,7 @@
           <a:p>
             <a:fld id="{4CCA9920-0E06-4E18-AD55-2E6B451EB982}" type="datetimeFigureOut">
               <a:rPr lang="en-US" smtClean="0"/>
-              <a:t>9/4/2017</a:t>
+              <a:t>9/6/2017</a:t>
             </a:fld>
             <a:endParaRPr lang="en-US"/>
           </a:p>
@@ -1138,7 +1177,7 @@
           <a:p>
             <a:fld id="{4CCA9920-0E06-4E18-AD55-2E6B451EB982}" type="datetimeFigureOut">
               <a:rPr lang="en-US" smtClean="0"/>
-              <a:t>9/4/2017</a:t>
+              <a:t>9/6/2017</a:t>
             </a:fld>
             <a:endParaRPr lang="en-US"/>
           </a:p>
@@ -1403,7 +1442,7 @@
           <a:p>
             <a:fld id="{4CCA9920-0E06-4E18-AD55-2E6B451EB982}" type="datetimeFigureOut">
               <a:rPr lang="en-US" smtClean="0"/>
-              <a:t>9/4/2017</a:t>
+              <a:t>9/6/2017</a:t>
             </a:fld>
             <a:endParaRPr lang="en-US"/>
           </a:p>
@@ -1815,7 +1854,7 @@
           <a:p>
             <a:fld id="{4CCA9920-0E06-4E18-AD55-2E6B451EB982}" type="datetimeFigureOut">
               <a:rPr lang="en-US" smtClean="0"/>
-              <a:t>9/4/2017</a:t>
+              <a:t>9/6/2017</a:t>
             </a:fld>
             <a:endParaRPr lang="en-US"/>
           </a:p>
@@ -1956,7 +1995,7 @@
           <a:p>
             <a:fld id="{4CCA9920-0E06-4E18-AD55-2E6B451EB982}" type="datetimeFigureOut">
               <a:rPr lang="en-US" smtClean="0"/>
-              <a:t>9/4/2017</a:t>
+              <a:t>9/6/2017</a:t>
             </a:fld>
             <a:endParaRPr lang="en-US"/>
           </a:p>
@@ -2069,7 +2108,7 @@
           <a:p>
             <a:fld id="{4CCA9920-0E06-4E18-AD55-2E6B451EB982}" type="datetimeFigureOut">
               <a:rPr lang="en-US" smtClean="0"/>
-              <a:t>9/4/2017</a:t>
+              <a:t>9/6/2017</a:t>
             </a:fld>
             <a:endParaRPr lang="en-US"/>
           </a:p>
@@ -2380,7 +2419,7 @@
           <a:p>
             <a:fld id="{4CCA9920-0E06-4E18-AD55-2E6B451EB982}" type="datetimeFigureOut">
               <a:rPr lang="en-US" smtClean="0"/>
-              <a:t>9/4/2017</a:t>
+              <a:t>9/6/2017</a:t>
             </a:fld>
             <a:endParaRPr lang="en-US"/>
           </a:p>
@@ -2668,7 +2707,7 @@
           <a:p>
             <a:fld id="{4CCA9920-0E06-4E18-AD55-2E6B451EB982}" type="datetimeFigureOut">
               <a:rPr lang="en-US" smtClean="0"/>
-              <a:t>9/4/2017</a:t>
+              <a:t>9/6/2017</a:t>
             </a:fld>
             <a:endParaRPr lang="en-US"/>
           </a:p>
@@ -2909,7 +2948,7 @@
           <a:p>
             <a:fld id="{4CCA9920-0E06-4E18-AD55-2E6B451EB982}" type="datetimeFigureOut">
               <a:rPr lang="en-US" smtClean="0"/>
-              <a:t>9/4/2017</a:t>
+              <a:t>9/6/2017</a:t>
             </a:fld>
             <a:endParaRPr lang="en-US"/>
           </a:p>
@@ -3342,29 +3381,34 @@
             <p:ph type="ctrTitle"/>
           </p:nvPr>
         </p:nvSpPr>
-        <p:spPr/>
+        <p:spPr>
+          <a:xfrm>
+            <a:off x="1524000" y="802076"/>
+            <a:ext cx="9144000" cy="3064367"/>
+          </a:xfrm>
+        </p:spPr>
         <p:txBody>
           <a:bodyPr>
-            <a:normAutofit fontScale="90000"/>
+            <a:noAutofit/>
           </a:bodyPr>
           <a:lstStyle/>
           <a:p>
             <a:r>
-              <a:rPr lang="en-US" dirty="0"/>
+              <a:rPr lang="en-US" sz="7200" b="1" dirty="0"/>
               <a:t>iote2e</a:t>
             </a:r>
             <a:br>
-              <a:rPr lang="en-US" dirty="0"/>
+              <a:rPr lang="en-US" sz="7200" b="1" dirty="0"/>
             </a:br>
             <a:r>
-              <a:rPr lang="en-US" dirty="0"/>
+              <a:rPr lang="en-US" sz="7200" b="1" dirty="0"/>
               <a:t>Internet of Things</a:t>
             </a:r>
             <a:br>
-              <a:rPr lang="en-US" dirty="0"/>
+              <a:rPr lang="en-US" sz="7200" b="1" dirty="0"/>
             </a:br>
             <a:r>
-              <a:rPr lang="en-US" dirty="0"/>
+              <a:rPr lang="en-US" sz="7200" b="1" dirty="0"/>
               <a:t>End to End</a:t>
             </a:r>
           </a:p>
@@ -3386,20 +3430,52 @@
             <p:ph type="subTitle" idx="1"/>
           </p:nvPr>
         </p:nvSpPr>
-        <p:spPr/>
-        <p:txBody>
-          <a:bodyPr/>
-          <a:lstStyle/>
-          <a:p>
-            <a:r>
-              <a:rPr lang="en-US" dirty="0"/>
-              <a:t>Pete </a:t>
-            </a:r>
-            <a:r>
-              <a:rPr lang="en-US" dirty="0" err="1"/>
-              <a:t>Zybrick</a:t>
-            </a:r>
-            <a:endParaRPr lang="en-US" dirty="0"/>
+        <p:spPr>
+          <a:xfrm>
+            <a:off x="1524000" y="4237017"/>
+            <a:ext cx="9144000" cy="1789673"/>
+          </a:xfrm>
+        </p:spPr>
+        <p:txBody>
+          <a:bodyPr>
+            <a:normAutofit fontScale="77500" lnSpcReduction="20000"/>
+          </a:bodyPr>
+          <a:lstStyle/>
+          <a:p>
+            <a:r>
+              <a:rPr lang="en-US" sz="3600" dirty="0"/>
+              <a:t>Pete Zybrick</a:t>
+            </a:r>
+          </a:p>
+          <a:p>
+            <a:r>
+              <a:rPr lang="en-US" sz="3600" dirty="0">
+                <a:hlinkClick r:id="rId2"/>
+              </a:rPr>
+              <a:t>pzybrick@mdsol.com</a:t>
+            </a:r>
+            <a:endParaRPr lang="en-US" sz="3600" dirty="0"/>
+          </a:p>
+          <a:p>
+            <a:r>
+              <a:rPr lang="en-US" sz="3600" dirty="0">
+                <a:hlinkClick r:id="rId3"/>
+              </a:rPr>
+              <a:t>pzybrick@gmail.com</a:t>
+            </a:r>
+            <a:endParaRPr lang="en-US" sz="3600" dirty="0"/>
+          </a:p>
+          <a:p>
+            <a:r>
+              <a:rPr lang="en-US" sz="3600" dirty="0">
+                <a:hlinkClick r:id="rId4"/>
+              </a:rPr>
+              <a:t>https://github.com/petezybrick</a:t>
+            </a:r>
+            <a:r>
+              <a:rPr lang="en-US" sz="3600" dirty="0"/>
+              <a:t>  </a:t>
+            </a:r>
           </a:p>
         </p:txBody>
       </p:sp>
@@ -3407,6 +3483,4434 @@
     <p:extLst>
       <p:ext uri="{BB962C8B-B14F-4D97-AF65-F5344CB8AC3E}">
         <p14:creationId xmlns:p14="http://schemas.microsoft.com/office/powerpoint/2010/main" val="989949313"/>
+      </p:ext>
+    </p:extLst>
+  </p:cSld>
+  <p:clrMapOvr>
+    <a:masterClrMapping/>
+  </p:clrMapOvr>
+</p:sld>
+</file>
+
+<file path=ppt/slides/slide10.xml><?xml version="1.0" encoding="utf-8"?>
+<p:sld xmlns:a="http://schemas.openxmlformats.org/drawingml/2006/main" xmlns:r="http://schemas.openxmlformats.org/officeDocument/2006/relationships" xmlns:p="http://schemas.openxmlformats.org/presentationml/2006/main">
+  <p:cSld>
+    <p:spTree>
+      <p:nvGrpSpPr>
+        <p:cNvPr id="1" name=""/>
+        <p:cNvGrpSpPr/>
+        <p:nvPr/>
+      </p:nvGrpSpPr>
+      <p:grpSpPr>
+        <a:xfrm>
+          <a:off x="0" y="0"/>
+          <a:ext cx="0" cy="0"/>
+          <a:chOff x="0" y="0"/>
+          <a:chExt cx="0" cy="0"/>
+        </a:xfrm>
+      </p:grpSpPr>
+      <p:sp>
+        <p:nvSpPr>
+          <p:cNvPr id="4" name="Title 1"/>
+          <p:cNvSpPr>
+            <a:spLocks noGrp="1"/>
+          </p:cNvSpPr>
+          <p:nvPr>
+            <p:ph type="title"/>
+          </p:nvPr>
+        </p:nvSpPr>
+        <p:spPr>
+          <a:xfrm>
+            <a:off x="838200" y="365125"/>
+            <a:ext cx="10515600" cy="6096016"/>
+          </a:xfrm>
+        </p:spPr>
+        <p:txBody>
+          <a:bodyPr/>
+          <a:lstStyle/>
+          <a:p>
+            <a:pPr algn="ctr"/>
+            <a:r>
+              <a:rPr lang="en-US" i="1" dirty="0"/>
+              <a:t>Architecture Overview</a:t>
+            </a:r>
+          </a:p>
+        </p:txBody>
+      </p:sp>
+    </p:spTree>
+    <p:extLst>
+      <p:ext uri="{BB962C8B-B14F-4D97-AF65-F5344CB8AC3E}">
+        <p14:creationId xmlns:p14="http://schemas.microsoft.com/office/powerpoint/2010/main" val="624303700"/>
+      </p:ext>
+    </p:extLst>
+  </p:cSld>
+  <p:clrMapOvr>
+    <a:masterClrMapping/>
+  </p:clrMapOvr>
+</p:sld>
+</file>
+
+<file path=ppt/slides/slide11.xml><?xml version="1.0" encoding="utf-8"?>
+<p:sld xmlns:a="http://schemas.openxmlformats.org/drawingml/2006/main" xmlns:r="http://schemas.openxmlformats.org/officeDocument/2006/relationships" xmlns:p="http://schemas.openxmlformats.org/presentationml/2006/main">
+  <p:cSld>
+    <p:spTree>
+      <p:nvGrpSpPr>
+        <p:cNvPr id="1" name=""/>
+        <p:cNvGrpSpPr/>
+        <p:nvPr/>
+      </p:nvGrpSpPr>
+      <p:grpSpPr>
+        <a:xfrm>
+          <a:off x="0" y="0"/>
+          <a:ext cx="0" cy="0"/>
+          <a:chOff x="0" y="0"/>
+          <a:chExt cx="0" cy="0"/>
+        </a:xfrm>
+      </p:grpSpPr>
+      <p:sp>
+        <p:nvSpPr>
+          <p:cNvPr id="4" name="Title 1"/>
+          <p:cNvSpPr>
+            <a:spLocks noGrp="1"/>
+          </p:cNvSpPr>
+          <p:nvPr>
+            <p:ph type="title"/>
+          </p:nvPr>
+        </p:nvSpPr>
+        <p:spPr>
+          <a:xfrm>
+            <a:off x="838200" y="365125"/>
+            <a:ext cx="10515600" cy="695049"/>
+          </a:xfrm>
+        </p:spPr>
+        <p:txBody>
+          <a:bodyPr/>
+          <a:lstStyle/>
+          <a:p>
+            <a:r>
+              <a:rPr lang="en-US" dirty="0"/>
+              <a:t>Lambda Architecture</a:t>
+            </a:r>
+          </a:p>
+        </p:txBody>
+      </p:sp>
+      <p:sp>
+        <p:nvSpPr>
+          <p:cNvPr id="12" name="Rectangle 11"/>
+          <p:cNvSpPr/>
+          <p:nvPr/>
+        </p:nvSpPr>
+        <p:spPr>
+          <a:xfrm>
+            <a:off x="6252781" y="2034196"/>
+            <a:ext cx="3299827" cy="1345109"/>
+          </a:xfrm>
+          <a:prstGeom prst="rect">
+            <a:avLst/>
+          </a:prstGeom>
+          <a:solidFill>
+            <a:schemeClr val="bg2"/>
+          </a:solidFill>
+          <a:ln>
+            <a:solidFill>
+              <a:schemeClr val="tx1"/>
+            </a:solidFill>
+          </a:ln>
+        </p:spPr>
+        <p:style>
+          <a:lnRef idx="1">
+            <a:schemeClr val="accent1"/>
+          </a:lnRef>
+          <a:fillRef idx="3">
+            <a:schemeClr val="accent1"/>
+          </a:fillRef>
+          <a:effectRef idx="2">
+            <a:schemeClr val="accent1"/>
+          </a:effectRef>
+          <a:fontRef idx="minor">
+            <a:schemeClr val="lt1"/>
+          </a:fontRef>
+        </p:style>
+        <p:txBody>
+          <a:bodyPr rtlCol="0" anchor="t" anchorCtr="0"/>
+          <a:lstStyle/>
+          <a:p>
+            <a:r>
+              <a:rPr lang="en-US" dirty="0">
+                <a:solidFill>
+                  <a:schemeClr val="tx1"/>
+                </a:solidFill>
+              </a:rPr>
+              <a:t>Speed</a:t>
+            </a:r>
+          </a:p>
+          <a:p>
+            <a:pPr marL="285750" indent="-285750">
+              <a:buFont typeface="Arial"/>
+              <a:buChar char="•"/>
+            </a:pPr>
+            <a:r>
+              <a:rPr lang="en-US" dirty="0">
+                <a:solidFill>
+                  <a:schemeClr val="tx1"/>
+                </a:solidFill>
+              </a:rPr>
+              <a:t>Near Real Time</a:t>
+            </a:r>
+          </a:p>
+          <a:p>
+            <a:pPr marL="285750" indent="-285750">
+              <a:buFont typeface="Arial"/>
+              <a:buChar char="•"/>
+            </a:pPr>
+            <a:r>
+              <a:rPr lang="en-US" dirty="0">
+                <a:solidFill>
+                  <a:schemeClr val="tx1"/>
+                </a:solidFill>
+              </a:rPr>
+              <a:t>Rules Processor</a:t>
+            </a:r>
+          </a:p>
+          <a:p>
+            <a:pPr marL="285750" indent="-285750">
+              <a:buFont typeface="Arial"/>
+              <a:buChar char="•"/>
+            </a:pPr>
+            <a:r>
+              <a:rPr lang="en-US" dirty="0">
+                <a:solidFill>
+                  <a:schemeClr val="tx1"/>
+                </a:solidFill>
+              </a:rPr>
+              <a:t>Immediate Action</a:t>
+            </a:r>
+          </a:p>
+          <a:p>
+            <a:pPr marL="285750" indent="-285750">
+              <a:buFont typeface="Arial"/>
+              <a:buChar char="•"/>
+            </a:pPr>
+            <a:endParaRPr lang="en-US" dirty="0">
+              <a:solidFill>
+                <a:schemeClr val="tx1"/>
+              </a:solidFill>
+            </a:endParaRPr>
+          </a:p>
+        </p:txBody>
+      </p:sp>
+      <p:sp>
+        <p:nvSpPr>
+          <p:cNvPr id="13" name="Rectangle 12"/>
+          <p:cNvSpPr/>
+          <p:nvPr/>
+        </p:nvSpPr>
+        <p:spPr>
+          <a:xfrm>
+            <a:off x="1281008" y="3257816"/>
+            <a:ext cx="2263948" cy="651575"/>
+          </a:xfrm>
+          <a:prstGeom prst="rect">
+            <a:avLst/>
+          </a:prstGeom>
+          <a:solidFill>
+            <a:schemeClr val="bg2"/>
+          </a:solidFill>
+          <a:ln>
+            <a:solidFill>
+              <a:schemeClr val="tx1"/>
+            </a:solidFill>
+          </a:ln>
+        </p:spPr>
+        <p:style>
+          <a:lnRef idx="1">
+            <a:schemeClr val="accent1"/>
+          </a:lnRef>
+          <a:fillRef idx="3">
+            <a:schemeClr val="accent1"/>
+          </a:fillRef>
+          <a:effectRef idx="2">
+            <a:schemeClr val="accent1"/>
+          </a:effectRef>
+          <a:fontRef idx="minor">
+            <a:schemeClr val="lt1"/>
+          </a:fontRef>
+        </p:style>
+        <p:txBody>
+          <a:bodyPr rtlCol="0" anchor="ctr"/>
+          <a:lstStyle/>
+          <a:p>
+            <a:pPr algn="ctr"/>
+            <a:r>
+              <a:rPr lang="en-US" dirty="0">
+                <a:solidFill>
+                  <a:schemeClr val="tx1"/>
+                </a:solidFill>
+              </a:rPr>
+              <a:t>Inbound Messages</a:t>
+            </a:r>
+          </a:p>
+        </p:txBody>
+      </p:sp>
+      <p:sp>
+        <p:nvSpPr>
+          <p:cNvPr id="16" name="Rectangle 15"/>
+          <p:cNvSpPr/>
+          <p:nvPr/>
+        </p:nvSpPr>
+        <p:spPr>
+          <a:xfrm>
+            <a:off x="5930348" y="1402522"/>
+            <a:ext cx="3909376" cy="4174445"/>
+          </a:xfrm>
+          <a:prstGeom prst="rect">
+            <a:avLst/>
+          </a:prstGeom>
+          <a:noFill/>
+          <a:ln>
+            <a:solidFill>
+              <a:schemeClr val="tx1"/>
+            </a:solidFill>
+            <a:prstDash val="dash"/>
+          </a:ln>
+        </p:spPr>
+        <p:style>
+          <a:lnRef idx="1">
+            <a:schemeClr val="accent1"/>
+          </a:lnRef>
+          <a:fillRef idx="3">
+            <a:schemeClr val="accent1"/>
+          </a:fillRef>
+          <a:effectRef idx="2">
+            <a:schemeClr val="accent1"/>
+          </a:effectRef>
+          <a:fontRef idx="minor">
+            <a:schemeClr val="lt1"/>
+          </a:fontRef>
+        </p:style>
+        <p:txBody>
+          <a:bodyPr rtlCol="0" anchor="t" anchorCtr="1"/>
+          <a:lstStyle/>
+          <a:p>
+            <a:pPr algn="ctr"/>
+            <a:r>
+              <a:rPr lang="en-US" dirty="0">
+                <a:solidFill>
+                  <a:schemeClr val="tx1"/>
+                </a:solidFill>
+              </a:rPr>
+              <a:t>Cluster of Containers</a:t>
+            </a:r>
+          </a:p>
+        </p:txBody>
+      </p:sp>
+      <p:sp>
+        <p:nvSpPr>
+          <p:cNvPr id="19" name="Rectangle 18"/>
+          <p:cNvSpPr/>
+          <p:nvPr/>
+        </p:nvSpPr>
+        <p:spPr>
+          <a:xfrm>
+            <a:off x="6228486" y="3754769"/>
+            <a:ext cx="3313079" cy="1345109"/>
+          </a:xfrm>
+          <a:prstGeom prst="rect">
+            <a:avLst/>
+          </a:prstGeom>
+          <a:solidFill>
+            <a:schemeClr val="bg2"/>
+          </a:solidFill>
+          <a:ln>
+            <a:solidFill>
+              <a:schemeClr val="tx1"/>
+            </a:solidFill>
+          </a:ln>
+        </p:spPr>
+        <p:style>
+          <a:lnRef idx="1">
+            <a:schemeClr val="accent1"/>
+          </a:lnRef>
+          <a:fillRef idx="3">
+            <a:schemeClr val="accent1"/>
+          </a:fillRef>
+          <a:effectRef idx="2">
+            <a:schemeClr val="accent1"/>
+          </a:effectRef>
+          <a:fontRef idx="minor">
+            <a:schemeClr val="lt1"/>
+          </a:fontRef>
+        </p:style>
+        <p:txBody>
+          <a:bodyPr rtlCol="0" anchor="t" anchorCtr="0"/>
+          <a:lstStyle/>
+          <a:p>
+            <a:r>
+              <a:rPr lang="en-US" dirty="0">
+                <a:solidFill>
+                  <a:schemeClr val="tx1"/>
+                </a:solidFill>
+              </a:rPr>
+              <a:t>Batch</a:t>
+            </a:r>
+          </a:p>
+          <a:p>
+            <a:pPr marL="285750" indent="-285750">
+              <a:buFont typeface="Arial"/>
+              <a:buChar char="•"/>
+            </a:pPr>
+            <a:r>
+              <a:rPr lang="en-US" dirty="0">
+                <a:solidFill>
+                  <a:schemeClr val="tx1"/>
+                </a:solidFill>
+              </a:rPr>
+              <a:t>Aggregation over Duration</a:t>
+            </a:r>
+          </a:p>
+          <a:p>
+            <a:pPr marL="285750" indent="-285750">
+              <a:buFont typeface="Arial"/>
+              <a:buChar char="•"/>
+            </a:pPr>
+            <a:r>
+              <a:rPr lang="en-US" dirty="0">
+                <a:solidFill>
+                  <a:schemeClr val="tx1"/>
+                </a:solidFill>
+              </a:rPr>
+              <a:t>Windowed Computations</a:t>
+            </a:r>
+          </a:p>
+          <a:p>
+            <a:pPr marL="285750" indent="-285750">
+              <a:buFont typeface="Arial"/>
+              <a:buChar char="•"/>
+            </a:pPr>
+            <a:r>
+              <a:rPr lang="en-US" dirty="0">
+                <a:solidFill>
+                  <a:schemeClr val="tx1"/>
+                </a:solidFill>
+              </a:rPr>
+              <a:t>Write to Database</a:t>
+            </a:r>
+          </a:p>
+          <a:p>
+            <a:pPr marL="285750" indent="-285750">
+              <a:buFont typeface="Arial"/>
+              <a:buChar char="•"/>
+            </a:pPr>
+            <a:endParaRPr lang="en-US" dirty="0">
+              <a:solidFill>
+                <a:schemeClr val="tx1"/>
+              </a:solidFill>
+            </a:endParaRPr>
+          </a:p>
+        </p:txBody>
+      </p:sp>
+      <p:cxnSp>
+        <p:nvCxnSpPr>
+          <p:cNvPr id="21" name="Straight Arrow Connector 20"/>
+          <p:cNvCxnSpPr>
+            <a:stCxn id="13" idx="3"/>
+            <a:endCxn id="12" idx="1"/>
+          </p:cNvCxnSpPr>
+          <p:nvPr/>
+        </p:nvCxnSpPr>
+        <p:spPr>
+          <a:xfrm flipV="1">
+            <a:off x="3544956" y="2706751"/>
+            <a:ext cx="2707825" cy="876853"/>
+          </a:xfrm>
+          <a:prstGeom prst="straightConnector1">
+            <a:avLst/>
+          </a:prstGeom>
+          <a:ln w="25400">
+            <a:solidFill>
+              <a:srgbClr val="FF0000"/>
+            </a:solidFill>
+            <a:tailEnd type="arrow"/>
+          </a:ln>
+        </p:spPr>
+        <p:style>
+          <a:lnRef idx="2">
+            <a:schemeClr val="accent1"/>
+          </a:lnRef>
+          <a:fillRef idx="0">
+            <a:schemeClr val="accent1"/>
+          </a:fillRef>
+          <a:effectRef idx="1">
+            <a:schemeClr val="accent1"/>
+          </a:effectRef>
+          <a:fontRef idx="minor">
+            <a:schemeClr val="tx1"/>
+          </a:fontRef>
+        </p:style>
+      </p:cxnSp>
+      <p:cxnSp>
+        <p:nvCxnSpPr>
+          <p:cNvPr id="22" name="Straight Arrow Connector 21"/>
+          <p:cNvCxnSpPr>
+            <a:stCxn id="13" idx="3"/>
+            <a:endCxn id="19" idx="1"/>
+          </p:cNvCxnSpPr>
+          <p:nvPr/>
+        </p:nvCxnSpPr>
+        <p:spPr>
+          <a:xfrm>
+            <a:off x="3544956" y="3583604"/>
+            <a:ext cx="2683530" cy="843720"/>
+          </a:xfrm>
+          <a:prstGeom prst="straightConnector1">
+            <a:avLst/>
+          </a:prstGeom>
+          <a:ln w="25400">
+            <a:solidFill>
+              <a:srgbClr val="FF0000"/>
+            </a:solidFill>
+            <a:tailEnd type="arrow"/>
+          </a:ln>
+        </p:spPr>
+        <p:style>
+          <a:lnRef idx="2">
+            <a:schemeClr val="accent1"/>
+          </a:lnRef>
+          <a:fillRef idx="0">
+            <a:schemeClr val="accent1"/>
+          </a:fillRef>
+          <a:effectRef idx="1">
+            <a:schemeClr val="accent1"/>
+          </a:effectRef>
+          <a:fontRef idx="minor">
+            <a:schemeClr val="tx1"/>
+          </a:fontRef>
+        </p:style>
+      </p:cxnSp>
+    </p:spTree>
+    <p:extLst>
+      <p:ext uri="{BB962C8B-B14F-4D97-AF65-F5344CB8AC3E}">
+        <p14:creationId xmlns:p14="http://schemas.microsoft.com/office/powerpoint/2010/main" val="1604918647"/>
+      </p:ext>
+    </p:extLst>
+  </p:cSld>
+  <p:clrMapOvr>
+    <a:masterClrMapping/>
+  </p:clrMapOvr>
+</p:sld>
+</file>
+
+<file path=ppt/slides/slide12.xml><?xml version="1.0" encoding="utf-8"?>
+<p:sld xmlns:a="http://schemas.openxmlformats.org/drawingml/2006/main" xmlns:r="http://schemas.openxmlformats.org/officeDocument/2006/relationships" xmlns:p="http://schemas.openxmlformats.org/presentationml/2006/main">
+  <p:cSld>
+    <p:spTree>
+      <p:nvGrpSpPr>
+        <p:cNvPr id="1" name=""/>
+        <p:cNvGrpSpPr/>
+        <p:nvPr/>
+      </p:nvGrpSpPr>
+      <p:grpSpPr>
+        <a:xfrm>
+          <a:off x="0" y="0"/>
+          <a:ext cx="0" cy="0"/>
+          <a:chOff x="0" y="0"/>
+          <a:chExt cx="0" cy="0"/>
+        </a:xfrm>
+      </p:grpSpPr>
+      <p:sp>
+        <p:nvSpPr>
+          <p:cNvPr id="2" name="Title 1"/>
+          <p:cNvSpPr>
+            <a:spLocks noGrp="1"/>
+          </p:cNvSpPr>
+          <p:nvPr>
+            <p:ph type="title"/>
+          </p:nvPr>
+        </p:nvSpPr>
+        <p:spPr>
+          <a:xfrm>
+            <a:off x="838200" y="365125"/>
+            <a:ext cx="10515600" cy="695049"/>
+          </a:xfrm>
+        </p:spPr>
+        <p:txBody>
+          <a:bodyPr/>
+          <a:lstStyle/>
+          <a:p>
+            <a:r>
+              <a:rPr lang="en-US" dirty="0"/>
+              <a:t>High Level Architecture</a:t>
+            </a:r>
+          </a:p>
+        </p:txBody>
+      </p:sp>
+      <p:sp>
+        <p:nvSpPr>
+          <p:cNvPr id="4" name="Rectangle 3"/>
+          <p:cNvSpPr/>
+          <p:nvPr/>
+        </p:nvSpPr>
+        <p:spPr>
+          <a:xfrm>
+            <a:off x="320262" y="3456607"/>
+            <a:ext cx="1281043" cy="728869"/>
+          </a:xfrm>
+          <a:prstGeom prst="rect">
+            <a:avLst/>
+          </a:prstGeom>
+          <a:solidFill>
+            <a:schemeClr val="bg2"/>
+          </a:solidFill>
+          <a:ln>
+            <a:solidFill>
+              <a:schemeClr val="tx1"/>
+            </a:solidFill>
+          </a:ln>
+        </p:spPr>
+        <p:style>
+          <a:lnRef idx="1">
+            <a:schemeClr val="accent1"/>
+          </a:lnRef>
+          <a:fillRef idx="3">
+            <a:schemeClr val="accent1"/>
+          </a:fillRef>
+          <a:effectRef idx="2">
+            <a:schemeClr val="accent1"/>
+          </a:effectRef>
+          <a:fontRef idx="minor">
+            <a:schemeClr val="lt1"/>
+          </a:fontRef>
+        </p:style>
+        <p:txBody>
+          <a:bodyPr rtlCol="0" anchor="ctr"/>
+          <a:lstStyle/>
+          <a:p>
+            <a:pPr algn="ctr"/>
+            <a:r>
+              <a:rPr lang="en-US" dirty="0">
+                <a:solidFill>
+                  <a:schemeClr val="tx1"/>
+                </a:solidFill>
+              </a:rPr>
+              <a:t>rpi-001</a:t>
+            </a:r>
+          </a:p>
+        </p:txBody>
+      </p:sp>
+      <p:sp>
+        <p:nvSpPr>
+          <p:cNvPr id="5" name="Rectangle 4"/>
+          <p:cNvSpPr/>
+          <p:nvPr/>
+        </p:nvSpPr>
+        <p:spPr>
+          <a:xfrm>
+            <a:off x="340140" y="4382050"/>
+            <a:ext cx="1281043" cy="728869"/>
+          </a:xfrm>
+          <a:prstGeom prst="rect">
+            <a:avLst/>
+          </a:prstGeom>
+          <a:solidFill>
+            <a:schemeClr val="bg2"/>
+          </a:solidFill>
+          <a:ln>
+            <a:solidFill>
+              <a:schemeClr val="tx1"/>
+            </a:solidFill>
+          </a:ln>
+        </p:spPr>
+        <p:style>
+          <a:lnRef idx="1">
+            <a:schemeClr val="accent1"/>
+          </a:lnRef>
+          <a:fillRef idx="3">
+            <a:schemeClr val="accent1"/>
+          </a:fillRef>
+          <a:effectRef idx="2">
+            <a:schemeClr val="accent1"/>
+          </a:effectRef>
+          <a:fontRef idx="minor">
+            <a:schemeClr val="lt1"/>
+          </a:fontRef>
+        </p:style>
+        <p:txBody>
+          <a:bodyPr rtlCol="0" anchor="ctr"/>
+          <a:lstStyle/>
+          <a:p>
+            <a:pPr algn="ctr"/>
+            <a:r>
+              <a:rPr lang="en-US" dirty="0">
+                <a:solidFill>
+                  <a:schemeClr val="tx1"/>
+                </a:solidFill>
+              </a:rPr>
+              <a:t>rpi-002</a:t>
+            </a:r>
+          </a:p>
+        </p:txBody>
+      </p:sp>
+      <p:sp>
+        <p:nvSpPr>
+          <p:cNvPr id="6" name="Rectangle 5"/>
+          <p:cNvSpPr/>
+          <p:nvPr/>
+        </p:nvSpPr>
+        <p:spPr>
+          <a:xfrm>
+            <a:off x="304805" y="5362711"/>
+            <a:ext cx="1281043" cy="728869"/>
+          </a:xfrm>
+          <a:prstGeom prst="rect">
+            <a:avLst/>
+          </a:prstGeom>
+          <a:solidFill>
+            <a:schemeClr val="bg2"/>
+          </a:solidFill>
+          <a:ln>
+            <a:solidFill>
+              <a:schemeClr val="tx1"/>
+            </a:solidFill>
+          </a:ln>
+        </p:spPr>
+        <p:style>
+          <a:lnRef idx="1">
+            <a:schemeClr val="accent1"/>
+          </a:lnRef>
+          <a:fillRef idx="3">
+            <a:schemeClr val="accent1"/>
+          </a:fillRef>
+          <a:effectRef idx="2">
+            <a:schemeClr val="accent1"/>
+          </a:effectRef>
+          <a:fontRef idx="minor">
+            <a:schemeClr val="lt1"/>
+          </a:fontRef>
+        </p:style>
+        <p:txBody>
+          <a:bodyPr rtlCol="0" anchor="ctr"/>
+          <a:lstStyle/>
+          <a:p>
+            <a:pPr algn="ctr"/>
+            <a:r>
+              <a:rPr lang="en-US" dirty="0">
+                <a:solidFill>
+                  <a:schemeClr val="tx1"/>
+                </a:solidFill>
+              </a:rPr>
+              <a:t>rpi-003</a:t>
+            </a:r>
+          </a:p>
+        </p:txBody>
+      </p:sp>
+      <p:sp>
+        <p:nvSpPr>
+          <p:cNvPr id="7" name="Rectangle 6"/>
+          <p:cNvSpPr/>
+          <p:nvPr/>
+        </p:nvSpPr>
+        <p:spPr>
+          <a:xfrm>
+            <a:off x="2336802" y="3474287"/>
+            <a:ext cx="1281043" cy="728869"/>
+          </a:xfrm>
+          <a:prstGeom prst="rect">
+            <a:avLst/>
+          </a:prstGeom>
+          <a:solidFill>
+            <a:schemeClr val="bg2"/>
+          </a:solidFill>
+          <a:ln>
+            <a:solidFill>
+              <a:schemeClr val="tx1"/>
+            </a:solidFill>
+          </a:ln>
+        </p:spPr>
+        <p:style>
+          <a:lnRef idx="1">
+            <a:schemeClr val="accent1"/>
+          </a:lnRef>
+          <a:fillRef idx="3">
+            <a:schemeClr val="accent1"/>
+          </a:fillRef>
+          <a:effectRef idx="2">
+            <a:schemeClr val="accent1"/>
+          </a:effectRef>
+          <a:fontRef idx="minor">
+            <a:schemeClr val="lt1"/>
+          </a:fontRef>
+        </p:style>
+        <p:txBody>
+          <a:bodyPr rtlCol="0" anchor="ctr"/>
+          <a:lstStyle/>
+          <a:p>
+            <a:pPr algn="ctr"/>
+            <a:r>
+              <a:rPr lang="en-US" dirty="0">
+                <a:solidFill>
+                  <a:schemeClr val="tx1"/>
+                </a:solidFill>
+              </a:rPr>
+              <a:t>ws1</a:t>
+            </a:r>
+          </a:p>
+        </p:txBody>
+      </p:sp>
+      <p:sp>
+        <p:nvSpPr>
+          <p:cNvPr id="8" name="Rectangle 7"/>
+          <p:cNvSpPr/>
+          <p:nvPr/>
+        </p:nvSpPr>
+        <p:spPr>
+          <a:xfrm>
+            <a:off x="4399708" y="3129700"/>
+            <a:ext cx="647147" cy="293756"/>
+          </a:xfrm>
+          <a:prstGeom prst="rect">
+            <a:avLst/>
+          </a:prstGeom>
+          <a:solidFill>
+            <a:schemeClr val="bg2"/>
+          </a:solidFill>
+          <a:ln>
+            <a:solidFill>
+              <a:schemeClr val="tx1"/>
+            </a:solidFill>
+          </a:ln>
+        </p:spPr>
+        <p:style>
+          <a:lnRef idx="1">
+            <a:schemeClr val="accent1"/>
+          </a:lnRef>
+          <a:fillRef idx="3">
+            <a:schemeClr val="accent1"/>
+          </a:fillRef>
+          <a:effectRef idx="2">
+            <a:schemeClr val="accent1"/>
+          </a:effectRef>
+          <a:fontRef idx="minor">
+            <a:schemeClr val="lt1"/>
+          </a:fontRef>
+        </p:style>
+        <p:txBody>
+          <a:bodyPr rtlCol="0" anchor="ctr"/>
+          <a:lstStyle/>
+          <a:p>
+            <a:pPr algn="ctr"/>
+            <a:r>
+              <a:rPr lang="en-US" dirty="0">
+                <a:solidFill>
+                  <a:schemeClr val="tx1"/>
+                </a:solidFill>
+              </a:rPr>
+              <a:t>zk1</a:t>
+            </a:r>
+          </a:p>
+        </p:txBody>
+      </p:sp>
+      <p:sp>
+        <p:nvSpPr>
+          <p:cNvPr id="9" name="Rectangle 8"/>
+          <p:cNvSpPr/>
+          <p:nvPr/>
+        </p:nvSpPr>
+        <p:spPr>
+          <a:xfrm>
+            <a:off x="4795044" y="1647695"/>
+            <a:ext cx="1281043" cy="293756"/>
+          </a:xfrm>
+          <a:prstGeom prst="rect">
+            <a:avLst/>
+          </a:prstGeom>
+          <a:solidFill>
+            <a:schemeClr val="bg2"/>
+          </a:solidFill>
+          <a:ln>
+            <a:solidFill>
+              <a:schemeClr val="tx1"/>
+            </a:solidFill>
+          </a:ln>
+        </p:spPr>
+        <p:style>
+          <a:lnRef idx="1">
+            <a:schemeClr val="accent1"/>
+          </a:lnRef>
+          <a:fillRef idx="3">
+            <a:schemeClr val="accent1"/>
+          </a:fillRef>
+          <a:effectRef idx="2">
+            <a:schemeClr val="accent1"/>
+          </a:effectRef>
+          <a:fontRef idx="minor">
+            <a:schemeClr val="lt1"/>
+          </a:fontRef>
+        </p:style>
+        <p:txBody>
+          <a:bodyPr rtlCol="0" anchor="ctr"/>
+          <a:lstStyle/>
+          <a:p>
+            <a:pPr algn="ctr"/>
+            <a:r>
+              <a:rPr lang="en-US" dirty="0">
+                <a:solidFill>
+                  <a:schemeClr val="tx1"/>
+                </a:solidFill>
+              </a:rPr>
+              <a:t>ignite0</a:t>
+            </a:r>
+          </a:p>
+        </p:txBody>
+      </p:sp>
+      <p:sp>
+        <p:nvSpPr>
+          <p:cNvPr id="10" name="Rectangle 9"/>
+          <p:cNvSpPr/>
+          <p:nvPr/>
+        </p:nvSpPr>
+        <p:spPr>
+          <a:xfrm>
+            <a:off x="7752488" y="1645487"/>
+            <a:ext cx="1281043" cy="293756"/>
+          </a:xfrm>
+          <a:prstGeom prst="rect">
+            <a:avLst/>
+          </a:prstGeom>
+          <a:solidFill>
+            <a:schemeClr val="bg2"/>
+          </a:solidFill>
+          <a:ln>
+            <a:solidFill>
+              <a:schemeClr val="tx1"/>
+            </a:solidFill>
+          </a:ln>
+        </p:spPr>
+        <p:style>
+          <a:lnRef idx="1">
+            <a:schemeClr val="accent1"/>
+          </a:lnRef>
+          <a:fillRef idx="3">
+            <a:schemeClr val="accent1"/>
+          </a:fillRef>
+          <a:effectRef idx="2">
+            <a:schemeClr val="accent1"/>
+          </a:effectRef>
+          <a:fontRef idx="minor">
+            <a:schemeClr val="lt1"/>
+          </a:fontRef>
+        </p:style>
+        <p:txBody>
+          <a:bodyPr rtlCol="0" anchor="ctr"/>
+          <a:lstStyle/>
+          <a:p>
+            <a:pPr algn="ctr"/>
+            <a:r>
+              <a:rPr lang="en-US" dirty="0">
+                <a:solidFill>
+                  <a:schemeClr val="tx1"/>
+                </a:solidFill>
+              </a:rPr>
+              <a:t>ignite2</a:t>
+            </a:r>
+          </a:p>
+        </p:txBody>
+      </p:sp>
+      <p:sp>
+        <p:nvSpPr>
+          <p:cNvPr id="11" name="Rectangle 10"/>
+          <p:cNvSpPr/>
+          <p:nvPr/>
+        </p:nvSpPr>
+        <p:spPr>
+          <a:xfrm>
+            <a:off x="6248365" y="1643277"/>
+            <a:ext cx="1281043" cy="293756"/>
+          </a:xfrm>
+          <a:prstGeom prst="rect">
+            <a:avLst/>
+          </a:prstGeom>
+          <a:solidFill>
+            <a:schemeClr val="bg2"/>
+          </a:solidFill>
+          <a:ln>
+            <a:solidFill>
+              <a:schemeClr val="tx1"/>
+            </a:solidFill>
+          </a:ln>
+        </p:spPr>
+        <p:style>
+          <a:lnRef idx="1">
+            <a:schemeClr val="accent1"/>
+          </a:lnRef>
+          <a:fillRef idx="3">
+            <a:schemeClr val="accent1"/>
+          </a:fillRef>
+          <a:effectRef idx="2">
+            <a:schemeClr val="accent1"/>
+          </a:effectRef>
+          <a:fontRef idx="minor">
+            <a:schemeClr val="lt1"/>
+          </a:fontRef>
+        </p:style>
+        <p:txBody>
+          <a:bodyPr rtlCol="0" anchor="ctr"/>
+          <a:lstStyle/>
+          <a:p>
+            <a:pPr algn="ctr"/>
+            <a:r>
+              <a:rPr lang="en-US" dirty="0">
+                <a:solidFill>
+                  <a:schemeClr val="tx1"/>
+                </a:solidFill>
+              </a:rPr>
+              <a:t>ignite1</a:t>
+            </a:r>
+          </a:p>
+        </p:txBody>
+      </p:sp>
+      <p:sp>
+        <p:nvSpPr>
+          <p:cNvPr id="14" name="Rectangle 13"/>
+          <p:cNvSpPr/>
+          <p:nvPr/>
+        </p:nvSpPr>
+        <p:spPr>
+          <a:xfrm>
+            <a:off x="4408543" y="3624450"/>
+            <a:ext cx="2195442" cy="293756"/>
+          </a:xfrm>
+          <a:prstGeom prst="rect">
+            <a:avLst/>
+          </a:prstGeom>
+          <a:solidFill>
+            <a:schemeClr val="bg2"/>
+          </a:solidFill>
+          <a:ln>
+            <a:solidFill>
+              <a:schemeClr val="tx1"/>
+            </a:solidFill>
+          </a:ln>
+        </p:spPr>
+        <p:style>
+          <a:lnRef idx="1">
+            <a:schemeClr val="accent1"/>
+          </a:lnRef>
+          <a:fillRef idx="3">
+            <a:schemeClr val="accent1"/>
+          </a:fillRef>
+          <a:effectRef idx="2">
+            <a:schemeClr val="accent1"/>
+          </a:effectRef>
+          <a:fontRef idx="minor">
+            <a:schemeClr val="lt1"/>
+          </a:fontRef>
+        </p:style>
+        <p:txBody>
+          <a:bodyPr rtlCol="0" anchor="ctr"/>
+          <a:lstStyle/>
+          <a:p>
+            <a:pPr algn="ctr"/>
+            <a:r>
+              <a:rPr lang="en-US" dirty="0">
+                <a:solidFill>
+                  <a:schemeClr val="tx1"/>
+                </a:solidFill>
+              </a:rPr>
+              <a:t>kafka1</a:t>
+            </a:r>
+          </a:p>
+        </p:txBody>
+      </p:sp>
+      <p:sp>
+        <p:nvSpPr>
+          <p:cNvPr id="15" name="Rectangle 14"/>
+          <p:cNvSpPr/>
+          <p:nvPr/>
+        </p:nvSpPr>
+        <p:spPr>
+          <a:xfrm>
+            <a:off x="4417378" y="4052937"/>
+            <a:ext cx="2186607" cy="293756"/>
+          </a:xfrm>
+          <a:prstGeom prst="rect">
+            <a:avLst/>
+          </a:prstGeom>
+          <a:solidFill>
+            <a:schemeClr val="bg2"/>
+          </a:solidFill>
+          <a:ln>
+            <a:solidFill>
+              <a:schemeClr val="tx1"/>
+            </a:solidFill>
+          </a:ln>
+        </p:spPr>
+        <p:style>
+          <a:lnRef idx="1">
+            <a:schemeClr val="accent1"/>
+          </a:lnRef>
+          <a:fillRef idx="3">
+            <a:schemeClr val="accent1"/>
+          </a:fillRef>
+          <a:effectRef idx="2">
+            <a:schemeClr val="accent1"/>
+          </a:effectRef>
+          <a:fontRef idx="minor">
+            <a:schemeClr val="lt1"/>
+          </a:fontRef>
+        </p:style>
+        <p:txBody>
+          <a:bodyPr rtlCol="0" anchor="ctr"/>
+          <a:lstStyle/>
+          <a:p>
+            <a:pPr algn="ctr"/>
+            <a:r>
+              <a:rPr lang="en-US" dirty="0">
+                <a:solidFill>
+                  <a:schemeClr val="tx1"/>
+                </a:solidFill>
+              </a:rPr>
+              <a:t>kafka2</a:t>
+            </a:r>
+          </a:p>
+        </p:txBody>
+      </p:sp>
+      <p:sp>
+        <p:nvSpPr>
+          <p:cNvPr id="16" name="Rectangle 15"/>
+          <p:cNvSpPr/>
+          <p:nvPr/>
+        </p:nvSpPr>
+        <p:spPr>
+          <a:xfrm>
+            <a:off x="4404126" y="4514554"/>
+            <a:ext cx="2210903" cy="293756"/>
+          </a:xfrm>
+          <a:prstGeom prst="rect">
+            <a:avLst/>
+          </a:prstGeom>
+          <a:solidFill>
+            <a:schemeClr val="bg2"/>
+          </a:solidFill>
+          <a:ln>
+            <a:solidFill>
+              <a:schemeClr val="tx1"/>
+            </a:solidFill>
+          </a:ln>
+        </p:spPr>
+        <p:style>
+          <a:lnRef idx="1">
+            <a:schemeClr val="accent1"/>
+          </a:lnRef>
+          <a:fillRef idx="3">
+            <a:schemeClr val="accent1"/>
+          </a:fillRef>
+          <a:effectRef idx="2">
+            <a:schemeClr val="accent1"/>
+          </a:effectRef>
+          <a:fontRef idx="minor">
+            <a:schemeClr val="lt1"/>
+          </a:fontRef>
+        </p:style>
+        <p:txBody>
+          <a:bodyPr rtlCol="0" anchor="ctr"/>
+          <a:lstStyle/>
+          <a:p>
+            <a:pPr algn="ctr"/>
+            <a:r>
+              <a:rPr lang="en-US" dirty="0">
+                <a:solidFill>
+                  <a:schemeClr val="tx1"/>
+                </a:solidFill>
+              </a:rPr>
+              <a:t>kafka3</a:t>
+            </a:r>
+          </a:p>
+        </p:txBody>
+      </p:sp>
+      <p:sp>
+        <p:nvSpPr>
+          <p:cNvPr id="17" name="Rectangle 16"/>
+          <p:cNvSpPr/>
+          <p:nvPr/>
+        </p:nvSpPr>
+        <p:spPr>
+          <a:xfrm>
+            <a:off x="5943586" y="3138535"/>
+            <a:ext cx="647147" cy="293756"/>
+          </a:xfrm>
+          <a:prstGeom prst="rect">
+            <a:avLst/>
+          </a:prstGeom>
+          <a:solidFill>
+            <a:schemeClr val="bg2"/>
+          </a:solidFill>
+          <a:ln>
+            <a:solidFill>
+              <a:schemeClr val="tx1"/>
+            </a:solidFill>
+          </a:ln>
+        </p:spPr>
+        <p:style>
+          <a:lnRef idx="1">
+            <a:schemeClr val="accent1"/>
+          </a:lnRef>
+          <a:fillRef idx="3">
+            <a:schemeClr val="accent1"/>
+          </a:fillRef>
+          <a:effectRef idx="2">
+            <a:schemeClr val="accent1"/>
+          </a:effectRef>
+          <a:fontRef idx="minor">
+            <a:schemeClr val="lt1"/>
+          </a:fontRef>
+        </p:style>
+        <p:txBody>
+          <a:bodyPr rtlCol="0" anchor="ctr"/>
+          <a:lstStyle/>
+          <a:p>
+            <a:pPr algn="ctr"/>
+            <a:r>
+              <a:rPr lang="en-US" dirty="0">
+                <a:solidFill>
+                  <a:schemeClr val="tx1"/>
+                </a:solidFill>
+              </a:rPr>
+              <a:t>zk3</a:t>
+            </a:r>
+          </a:p>
+        </p:txBody>
+      </p:sp>
+      <p:sp>
+        <p:nvSpPr>
+          <p:cNvPr id="18" name="Rectangle 17"/>
+          <p:cNvSpPr/>
+          <p:nvPr/>
+        </p:nvSpPr>
+        <p:spPr>
+          <a:xfrm>
+            <a:off x="5179357" y="3136339"/>
+            <a:ext cx="647147" cy="293756"/>
+          </a:xfrm>
+          <a:prstGeom prst="rect">
+            <a:avLst/>
+          </a:prstGeom>
+          <a:solidFill>
+            <a:schemeClr val="bg2"/>
+          </a:solidFill>
+          <a:ln>
+            <a:solidFill>
+              <a:schemeClr val="tx1"/>
+            </a:solidFill>
+          </a:ln>
+        </p:spPr>
+        <p:style>
+          <a:lnRef idx="1">
+            <a:schemeClr val="accent1"/>
+          </a:lnRef>
+          <a:fillRef idx="3">
+            <a:schemeClr val="accent1"/>
+          </a:fillRef>
+          <a:effectRef idx="2">
+            <a:schemeClr val="accent1"/>
+          </a:effectRef>
+          <a:fontRef idx="minor">
+            <a:schemeClr val="lt1"/>
+          </a:fontRef>
+        </p:style>
+        <p:txBody>
+          <a:bodyPr rtlCol="0" anchor="ctr"/>
+          <a:lstStyle/>
+          <a:p>
+            <a:pPr algn="ctr"/>
+            <a:r>
+              <a:rPr lang="en-US" dirty="0">
+                <a:solidFill>
+                  <a:schemeClr val="tx1"/>
+                </a:solidFill>
+              </a:rPr>
+              <a:t>zk2</a:t>
+            </a:r>
+          </a:p>
+        </p:txBody>
+      </p:sp>
+      <p:sp>
+        <p:nvSpPr>
+          <p:cNvPr id="19" name="Rectangle 18"/>
+          <p:cNvSpPr/>
+          <p:nvPr/>
+        </p:nvSpPr>
+        <p:spPr>
+          <a:xfrm>
+            <a:off x="4203135" y="2705632"/>
+            <a:ext cx="2555460" cy="2341217"/>
+          </a:xfrm>
+          <a:prstGeom prst="rect">
+            <a:avLst/>
+          </a:prstGeom>
+          <a:noFill/>
+          <a:ln>
+            <a:solidFill>
+              <a:schemeClr val="tx1"/>
+            </a:solidFill>
+            <a:prstDash val="dash"/>
+          </a:ln>
+        </p:spPr>
+        <p:style>
+          <a:lnRef idx="1">
+            <a:schemeClr val="accent1"/>
+          </a:lnRef>
+          <a:fillRef idx="3">
+            <a:schemeClr val="accent1"/>
+          </a:fillRef>
+          <a:effectRef idx="2">
+            <a:schemeClr val="accent1"/>
+          </a:effectRef>
+          <a:fontRef idx="minor">
+            <a:schemeClr val="lt1"/>
+          </a:fontRef>
+        </p:style>
+        <p:txBody>
+          <a:bodyPr rtlCol="0" anchor="t" anchorCtr="1"/>
+          <a:lstStyle/>
+          <a:p>
+            <a:pPr algn="ctr"/>
+            <a:r>
+              <a:rPr lang="en-US" dirty="0">
+                <a:solidFill>
+                  <a:schemeClr val="tx1"/>
+                </a:solidFill>
+              </a:rPr>
+              <a:t>Apache Kafka</a:t>
+            </a:r>
+          </a:p>
+        </p:txBody>
+      </p:sp>
+      <p:sp>
+        <p:nvSpPr>
+          <p:cNvPr id="22" name="Rectangle 21"/>
+          <p:cNvSpPr/>
+          <p:nvPr/>
+        </p:nvSpPr>
+        <p:spPr>
+          <a:xfrm>
+            <a:off x="4605098" y="1247913"/>
+            <a:ext cx="4649305" cy="861392"/>
+          </a:xfrm>
+          <a:prstGeom prst="rect">
+            <a:avLst/>
+          </a:prstGeom>
+          <a:noFill/>
+          <a:ln>
+            <a:solidFill>
+              <a:schemeClr val="tx1"/>
+            </a:solidFill>
+            <a:prstDash val="dash"/>
+          </a:ln>
+        </p:spPr>
+        <p:style>
+          <a:lnRef idx="1">
+            <a:schemeClr val="accent1"/>
+          </a:lnRef>
+          <a:fillRef idx="3">
+            <a:schemeClr val="accent1"/>
+          </a:fillRef>
+          <a:effectRef idx="2">
+            <a:schemeClr val="accent1"/>
+          </a:effectRef>
+          <a:fontRef idx="minor">
+            <a:schemeClr val="lt1"/>
+          </a:fontRef>
+        </p:style>
+        <p:txBody>
+          <a:bodyPr rtlCol="0" anchor="t" anchorCtr="1"/>
+          <a:lstStyle/>
+          <a:p>
+            <a:pPr algn="ctr"/>
+            <a:r>
+              <a:rPr lang="en-US" dirty="0">
+                <a:solidFill>
+                  <a:schemeClr val="tx1"/>
+                </a:solidFill>
+              </a:rPr>
+              <a:t>Apache Ignite</a:t>
+            </a:r>
+          </a:p>
+        </p:txBody>
+      </p:sp>
+      <p:sp>
+        <p:nvSpPr>
+          <p:cNvPr id="23" name="Rectangle 22"/>
+          <p:cNvSpPr/>
+          <p:nvPr/>
+        </p:nvSpPr>
+        <p:spPr>
+          <a:xfrm>
+            <a:off x="7997652" y="2884545"/>
+            <a:ext cx="1038776" cy="293756"/>
+          </a:xfrm>
+          <a:prstGeom prst="rect">
+            <a:avLst/>
+          </a:prstGeom>
+          <a:solidFill>
+            <a:schemeClr val="bg2"/>
+          </a:solidFill>
+          <a:ln>
+            <a:solidFill>
+              <a:schemeClr val="tx1"/>
+            </a:solidFill>
+          </a:ln>
+        </p:spPr>
+        <p:style>
+          <a:lnRef idx="1">
+            <a:schemeClr val="accent1"/>
+          </a:lnRef>
+          <a:fillRef idx="3">
+            <a:schemeClr val="accent1"/>
+          </a:fillRef>
+          <a:effectRef idx="2">
+            <a:schemeClr val="accent1"/>
+          </a:effectRef>
+          <a:fontRef idx="minor">
+            <a:schemeClr val="lt1"/>
+          </a:fontRef>
+        </p:style>
+        <p:txBody>
+          <a:bodyPr rtlCol="0" anchor="ctr"/>
+          <a:lstStyle/>
+          <a:p>
+            <a:pPr algn="ctr"/>
+            <a:r>
+              <a:rPr lang="en-US" dirty="0">
+                <a:solidFill>
+                  <a:schemeClr val="tx1"/>
+                </a:solidFill>
+              </a:rPr>
+              <a:t>master</a:t>
+            </a:r>
+          </a:p>
+        </p:txBody>
+      </p:sp>
+      <p:sp>
+        <p:nvSpPr>
+          <p:cNvPr id="24" name="Rectangle 23"/>
+          <p:cNvSpPr/>
+          <p:nvPr/>
+        </p:nvSpPr>
+        <p:spPr>
+          <a:xfrm>
+            <a:off x="8006487" y="3379295"/>
+            <a:ext cx="1030009" cy="293756"/>
+          </a:xfrm>
+          <a:prstGeom prst="rect">
+            <a:avLst/>
+          </a:prstGeom>
+          <a:solidFill>
+            <a:schemeClr val="bg2"/>
+          </a:solidFill>
+          <a:ln>
+            <a:solidFill>
+              <a:schemeClr val="tx1"/>
+            </a:solidFill>
+          </a:ln>
+        </p:spPr>
+        <p:style>
+          <a:lnRef idx="1">
+            <a:schemeClr val="accent1"/>
+          </a:lnRef>
+          <a:fillRef idx="3">
+            <a:schemeClr val="accent1"/>
+          </a:fillRef>
+          <a:effectRef idx="2">
+            <a:schemeClr val="accent1"/>
+          </a:effectRef>
+          <a:fontRef idx="minor">
+            <a:schemeClr val="lt1"/>
+          </a:fontRef>
+        </p:style>
+        <p:txBody>
+          <a:bodyPr rtlCol="0" anchor="ctr"/>
+          <a:lstStyle/>
+          <a:p>
+            <a:pPr algn="ctr"/>
+            <a:r>
+              <a:rPr lang="en-US" dirty="0">
+                <a:solidFill>
+                  <a:schemeClr val="tx1"/>
+                </a:solidFill>
+              </a:rPr>
+              <a:t>worker1</a:t>
+            </a:r>
+          </a:p>
+        </p:txBody>
+      </p:sp>
+      <p:sp>
+        <p:nvSpPr>
+          <p:cNvPr id="25" name="Rectangle 24"/>
+          <p:cNvSpPr/>
+          <p:nvPr/>
+        </p:nvSpPr>
+        <p:spPr>
+          <a:xfrm>
+            <a:off x="8015323" y="3807782"/>
+            <a:ext cx="1021243" cy="293756"/>
+          </a:xfrm>
+          <a:prstGeom prst="rect">
+            <a:avLst/>
+          </a:prstGeom>
+          <a:solidFill>
+            <a:schemeClr val="bg2"/>
+          </a:solidFill>
+          <a:ln>
+            <a:solidFill>
+              <a:schemeClr val="tx1"/>
+            </a:solidFill>
+          </a:ln>
+        </p:spPr>
+        <p:style>
+          <a:lnRef idx="1">
+            <a:schemeClr val="accent1"/>
+          </a:lnRef>
+          <a:fillRef idx="3">
+            <a:schemeClr val="accent1"/>
+          </a:fillRef>
+          <a:effectRef idx="2">
+            <a:schemeClr val="accent1"/>
+          </a:effectRef>
+          <a:fontRef idx="minor">
+            <a:schemeClr val="lt1"/>
+          </a:fontRef>
+        </p:style>
+        <p:txBody>
+          <a:bodyPr rtlCol="0" anchor="ctr"/>
+          <a:lstStyle/>
+          <a:p>
+            <a:pPr algn="ctr"/>
+            <a:r>
+              <a:rPr lang="en-US" dirty="0">
+                <a:solidFill>
+                  <a:schemeClr val="tx1"/>
+                </a:solidFill>
+              </a:rPr>
+              <a:t>worker2</a:t>
+            </a:r>
+          </a:p>
+        </p:txBody>
+      </p:sp>
+      <p:sp>
+        <p:nvSpPr>
+          <p:cNvPr id="26" name="Rectangle 25"/>
+          <p:cNvSpPr/>
+          <p:nvPr/>
+        </p:nvSpPr>
+        <p:spPr>
+          <a:xfrm>
+            <a:off x="8006485" y="4269399"/>
+            <a:ext cx="1040968" cy="293756"/>
+          </a:xfrm>
+          <a:prstGeom prst="rect">
+            <a:avLst/>
+          </a:prstGeom>
+          <a:solidFill>
+            <a:schemeClr val="bg2"/>
+          </a:solidFill>
+          <a:ln>
+            <a:solidFill>
+              <a:schemeClr val="tx1"/>
+            </a:solidFill>
+          </a:ln>
+        </p:spPr>
+        <p:style>
+          <a:lnRef idx="1">
+            <a:schemeClr val="accent1"/>
+          </a:lnRef>
+          <a:fillRef idx="3">
+            <a:schemeClr val="accent1"/>
+          </a:fillRef>
+          <a:effectRef idx="2">
+            <a:schemeClr val="accent1"/>
+          </a:effectRef>
+          <a:fontRef idx="minor">
+            <a:schemeClr val="lt1"/>
+          </a:fontRef>
+        </p:style>
+        <p:txBody>
+          <a:bodyPr rtlCol="0" anchor="ctr"/>
+          <a:lstStyle/>
+          <a:p>
+            <a:pPr algn="ctr"/>
+            <a:r>
+              <a:rPr lang="en-US" dirty="0">
+                <a:solidFill>
+                  <a:schemeClr val="tx1"/>
+                </a:solidFill>
+              </a:rPr>
+              <a:t>worker3</a:t>
+            </a:r>
+          </a:p>
+        </p:txBody>
+      </p:sp>
+      <p:sp>
+        <p:nvSpPr>
+          <p:cNvPr id="29" name="Rectangle 28"/>
+          <p:cNvSpPr/>
+          <p:nvPr/>
+        </p:nvSpPr>
+        <p:spPr>
+          <a:xfrm>
+            <a:off x="7304144" y="2460477"/>
+            <a:ext cx="2535580" cy="3116490"/>
+          </a:xfrm>
+          <a:prstGeom prst="rect">
+            <a:avLst/>
+          </a:prstGeom>
+          <a:noFill/>
+          <a:ln>
+            <a:solidFill>
+              <a:schemeClr val="tx1"/>
+            </a:solidFill>
+            <a:prstDash val="dash"/>
+          </a:ln>
+        </p:spPr>
+        <p:style>
+          <a:lnRef idx="1">
+            <a:schemeClr val="accent1"/>
+          </a:lnRef>
+          <a:fillRef idx="3">
+            <a:schemeClr val="accent1"/>
+          </a:fillRef>
+          <a:effectRef idx="2">
+            <a:schemeClr val="accent1"/>
+          </a:effectRef>
+          <a:fontRef idx="minor">
+            <a:schemeClr val="lt1"/>
+          </a:fontRef>
+        </p:style>
+        <p:txBody>
+          <a:bodyPr rtlCol="0" anchor="t" anchorCtr="1"/>
+          <a:lstStyle/>
+          <a:p>
+            <a:pPr algn="ctr"/>
+            <a:r>
+              <a:rPr lang="en-US" dirty="0">
+                <a:solidFill>
+                  <a:schemeClr val="tx1"/>
+                </a:solidFill>
+              </a:rPr>
+              <a:t>Apache Spark Streaming</a:t>
+            </a:r>
+          </a:p>
+        </p:txBody>
+      </p:sp>
+      <p:sp>
+        <p:nvSpPr>
+          <p:cNvPr id="30" name="Rectangle 29"/>
+          <p:cNvSpPr/>
+          <p:nvPr/>
+        </p:nvSpPr>
+        <p:spPr>
+          <a:xfrm>
+            <a:off x="8015326" y="4664745"/>
+            <a:ext cx="1040968" cy="293756"/>
+          </a:xfrm>
+          <a:prstGeom prst="rect">
+            <a:avLst/>
+          </a:prstGeom>
+          <a:solidFill>
+            <a:schemeClr val="bg2"/>
+          </a:solidFill>
+          <a:ln>
+            <a:solidFill>
+              <a:schemeClr val="tx1"/>
+            </a:solidFill>
+          </a:ln>
+        </p:spPr>
+        <p:style>
+          <a:lnRef idx="1">
+            <a:schemeClr val="accent1"/>
+          </a:lnRef>
+          <a:fillRef idx="3">
+            <a:schemeClr val="accent1"/>
+          </a:fillRef>
+          <a:effectRef idx="2">
+            <a:schemeClr val="accent1"/>
+          </a:effectRef>
+          <a:fontRef idx="minor">
+            <a:schemeClr val="lt1"/>
+          </a:fontRef>
+        </p:style>
+        <p:txBody>
+          <a:bodyPr rtlCol="0" anchor="ctr"/>
+          <a:lstStyle/>
+          <a:p>
+            <a:pPr algn="ctr"/>
+            <a:r>
+              <a:rPr lang="en-US" dirty="0">
+                <a:solidFill>
+                  <a:schemeClr val="tx1"/>
+                </a:solidFill>
+              </a:rPr>
+              <a:t>worker4</a:t>
+            </a:r>
+          </a:p>
+        </p:txBody>
+      </p:sp>
+      <p:sp>
+        <p:nvSpPr>
+          <p:cNvPr id="31" name="Rectangle 30"/>
+          <p:cNvSpPr/>
+          <p:nvPr/>
+        </p:nvSpPr>
+        <p:spPr>
+          <a:xfrm>
+            <a:off x="8002074" y="5060102"/>
+            <a:ext cx="1040968" cy="293756"/>
+          </a:xfrm>
+          <a:prstGeom prst="rect">
+            <a:avLst/>
+          </a:prstGeom>
+          <a:solidFill>
+            <a:schemeClr val="bg2"/>
+          </a:solidFill>
+          <a:ln>
+            <a:solidFill>
+              <a:schemeClr val="tx1"/>
+            </a:solidFill>
+          </a:ln>
+        </p:spPr>
+        <p:style>
+          <a:lnRef idx="1">
+            <a:schemeClr val="accent1"/>
+          </a:lnRef>
+          <a:fillRef idx="3">
+            <a:schemeClr val="accent1"/>
+          </a:fillRef>
+          <a:effectRef idx="2">
+            <a:schemeClr val="accent1"/>
+          </a:effectRef>
+          <a:fontRef idx="minor">
+            <a:schemeClr val="lt1"/>
+          </a:fontRef>
+        </p:style>
+        <p:txBody>
+          <a:bodyPr rtlCol="0" anchor="ctr"/>
+          <a:lstStyle/>
+          <a:p>
+            <a:pPr algn="ctr"/>
+            <a:r>
+              <a:rPr lang="en-US" dirty="0">
+                <a:solidFill>
+                  <a:schemeClr val="tx1"/>
+                </a:solidFill>
+              </a:rPr>
+              <a:t>worker5</a:t>
+            </a:r>
+          </a:p>
+        </p:txBody>
+      </p:sp>
+      <p:sp>
+        <p:nvSpPr>
+          <p:cNvPr id="32" name="Rectangle 31"/>
+          <p:cNvSpPr/>
+          <p:nvPr/>
+        </p:nvSpPr>
+        <p:spPr>
+          <a:xfrm>
+            <a:off x="4859093" y="6327920"/>
+            <a:ext cx="1281043" cy="293756"/>
+          </a:xfrm>
+          <a:prstGeom prst="rect">
+            <a:avLst/>
+          </a:prstGeom>
+          <a:solidFill>
+            <a:schemeClr val="bg2"/>
+          </a:solidFill>
+          <a:ln>
+            <a:solidFill>
+              <a:schemeClr val="tx1"/>
+            </a:solidFill>
+          </a:ln>
+        </p:spPr>
+        <p:style>
+          <a:lnRef idx="1">
+            <a:schemeClr val="accent1"/>
+          </a:lnRef>
+          <a:fillRef idx="3">
+            <a:schemeClr val="accent1"/>
+          </a:fillRef>
+          <a:effectRef idx="2">
+            <a:schemeClr val="accent1"/>
+          </a:effectRef>
+          <a:fontRef idx="minor">
+            <a:schemeClr val="lt1"/>
+          </a:fontRef>
+        </p:style>
+        <p:txBody>
+          <a:bodyPr rtlCol="0" anchor="ctr"/>
+          <a:lstStyle/>
+          <a:p>
+            <a:pPr algn="ctr"/>
+            <a:r>
+              <a:rPr lang="en-US" dirty="0">
+                <a:solidFill>
+                  <a:schemeClr val="tx1"/>
+                </a:solidFill>
+              </a:rPr>
+              <a:t>cassandra1</a:t>
+            </a:r>
+          </a:p>
+        </p:txBody>
+      </p:sp>
+      <p:sp>
+        <p:nvSpPr>
+          <p:cNvPr id="33" name="Rectangle 32"/>
+          <p:cNvSpPr/>
+          <p:nvPr/>
+        </p:nvSpPr>
+        <p:spPr>
+          <a:xfrm>
+            <a:off x="7816537" y="6325712"/>
+            <a:ext cx="1281043" cy="293756"/>
+          </a:xfrm>
+          <a:prstGeom prst="rect">
+            <a:avLst/>
+          </a:prstGeom>
+          <a:solidFill>
+            <a:schemeClr val="bg2"/>
+          </a:solidFill>
+          <a:ln>
+            <a:solidFill>
+              <a:schemeClr val="tx1"/>
+            </a:solidFill>
+          </a:ln>
+        </p:spPr>
+        <p:style>
+          <a:lnRef idx="1">
+            <a:schemeClr val="accent1"/>
+          </a:lnRef>
+          <a:fillRef idx="3">
+            <a:schemeClr val="accent1"/>
+          </a:fillRef>
+          <a:effectRef idx="2">
+            <a:schemeClr val="accent1"/>
+          </a:effectRef>
+          <a:fontRef idx="minor">
+            <a:schemeClr val="lt1"/>
+          </a:fontRef>
+        </p:style>
+        <p:txBody>
+          <a:bodyPr rtlCol="0" anchor="ctr"/>
+          <a:lstStyle/>
+          <a:p>
+            <a:pPr algn="ctr"/>
+            <a:r>
+              <a:rPr lang="en-US" dirty="0">
+                <a:solidFill>
+                  <a:schemeClr val="tx1"/>
+                </a:solidFill>
+              </a:rPr>
+              <a:t>cassandra3</a:t>
+            </a:r>
+          </a:p>
+        </p:txBody>
+      </p:sp>
+      <p:sp>
+        <p:nvSpPr>
+          <p:cNvPr id="34" name="Rectangle 33"/>
+          <p:cNvSpPr/>
+          <p:nvPr/>
+        </p:nvSpPr>
+        <p:spPr>
+          <a:xfrm>
+            <a:off x="6312414" y="6323502"/>
+            <a:ext cx="1281043" cy="293756"/>
+          </a:xfrm>
+          <a:prstGeom prst="rect">
+            <a:avLst/>
+          </a:prstGeom>
+          <a:solidFill>
+            <a:schemeClr val="bg2"/>
+          </a:solidFill>
+          <a:ln>
+            <a:solidFill>
+              <a:schemeClr val="tx1"/>
+            </a:solidFill>
+          </a:ln>
+        </p:spPr>
+        <p:style>
+          <a:lnRef idx="1">
+            <a:schemeClr val="accent1"/>
+          </a:lnRef>
+          <a:fillRef idx="3">
+            <a:schemeClr val="accent1"/>
+          </a:fillRef>
+          <a:effectRef idx="2">
+            <a:schemeClr val="accent1"/>
+          </a:effectRef>
+          <a:fontRef idx="minor">
+            <a:schemeClr val="lt1"/>
+          </a:fontRef>
+        </p:style>
+        <p:txBody>
+          <a:bodyPr rtlCol="0" anchor="ctr"/>
+          <a:lstStyle/>
+          <a:p>
+            <a:pPr algn="ctr"/>
+            <a:r>
+              <a:rPr lang="en-US" dirty="0">
+                <a:solidFill>
+                  <a:schemeClr val="tx1"/>
+                </a:solidFill>
+              </a:rPr>
+              <a:t>cassandra2</a:t>
+            </a:r>
+          </a:p>
+        </p:txBody>
+      </p:sp>
+      <p:sp>
+        <p:nvSpPr>
+          <p:cNvPr id="35" name="Rectangle 34"/>
+          <p:cNvSpPr/>
+          <p:nvPr/>
+        </p:nvSpPr>
+        <p:spPr>
+          <a:xfrm>
+            <a:off x="4669147" y="5928138"/>
+            <a:ext cx="4649305" cy="861392"/>
+          </a:xfrm>
+          <a:prstGeom prst="rect">
+            <a:avLst/>
+          </a:prstGeom>
+          <a:noFill/>
+          <a:ln>
+            <a:solidFill>
+              <a:schemeClr val="tx1"/>
+            </a:solidFill>
+            <a:prstDash val="dash"/>
+          </a:ln>
+        </p:spPr>
+        <p:style>
+          <a:lnRef idx="1">
+            <a:schemeClr val="accent1"/>
+          </a:lnRef>
+          <a:fillRef idx="3">
+            <a:schemeClr val="accent1"/>
+          </a:fillRef>
+          <a:effectRef idx="2">
+            <a:schemeClr val="accent1"/>
+          </a:effectRef>
+          <a:fontRef idx="minor">
+            <a:schemeClr val="lt1"/>
+          </a:fontRef>
+        </p:style>
+        <p:txBody>
+          <a:bodyPr rtlCol="0" anchor="t" anchorCtr="1"/>
+          <a:lstStyle/>
+          <a:p>
+            <a:pPr algn="ctr"/>
+            <a:r>
+              <a:rPr lang="en-US" dirty="0">
+                <a:solidFill>
+                  <a:schemeClr val="tx1"/>
+                </a:solidFill>
+              </a:rPr>
+              <a:t>Apache Cassandra</a:t>
+            </a:r>
+          </a:p>
+        </p:txBody>
+      </p:sp>
+      <p:sp>
+        <p:nvSpPr>
+          <p:cNvPr id="36" name="Rectangle 35"/>
+          <p:cNvSpPr/>
+          <p:nvPr/>
+        </p:nvSpPr>
+        <p:spPr>
+          <a:xfrm>
+            <a:off x="10506766" y="3505201"/>
+            <a:ext cx="1281043" cy="728869"/>
+          </a:xfrm>
+          <a:prstGeom prst="rect">
+            <a:avLst/>
+          </a:prstGeom>
+          <a:solidFill>
+            <a:schemeClr val="bg2"/>
+          </a:solidFill>
+          <a:ln>
+            <a:solidFill>
+              <a:schemeClr val="tx1"/>
+            </a:solidFill>
+          </a:ln>
+        </p:spPr>
+        <p:style>
+          <a:lnRef idx="1">
+            <a:schemeClr val="accent1"/>
+          </a:lnRef>
+          <a:fillRef idx="3">
+            <a:schemeClr val="accent1"/>
+          </a:fillRef>
+          <a:effectRef idx="2">
+            <a:schemeClr val="accent1"/>
+          </a:effectRef>
+          <a:fontRef idx="minor">
+            <a:schemeClr val="lt1"/>
+          </a:fontRef>
+        </p:style>
+        <p:txBody>
+          <a:bodyPr rtlCol="0" anchor="ctr"/>
+          <a:lstStyle/>
+          <a:p>
+            <a:pPr algn="ctr"/>
+            <a:r>
+              <a:rPr lang="en-US" dirty="0">
+                <a:solidFill>
+                  <a:schemeClr val="tx1"/>
+                </a:solidFill>
+              </a:rPr>
+              <a:t>MySQL</a:t>
+            </a:r>
+          </a:p>
+        </p:txBody>
+      </p:sp>
+      <p:sp>
+        <p:nvSpPr>
+          <p:cNvPr id="37" name="Rectangle 36"/>
+          <p:cNvSpPr/>
+          <p:nvPr/>
+        </p:nvSpPr>
+        <p:spPr>
+          <a:xfrm>
+            <a:off x="340140" y="1974562"/>
+            <a:ext cx="1281043" cy="355601"/>
+          </a:xfrm>
+          <a:prstGeom prst="rect">
+            <a:avLst/>
+          </a:prstGeom>
+          <a:solidFill>
+            <a:schemeClr val="bg2"/>
+          </a:solidFill>
+          <a:ln>
+            <a:solidFill>
+              <a:schemeClr val="tx1"/>
+            </a:solidFill>
+          </a:ln>
+          <a:effectLst>
+            <a:outerShdw blurRad="50800" dist="38100" dir="2700000" algn="tl" rotWithShape="0">
+              <a:srgbClr val="000000">
+                <a:alpha val="43000"/>
+              </a:srgbClr>
+            </a:outerShdw>
+          </a:effectLst>
+        </p:spPr>
+        <p:style>
+          <a:lnRef idx="1">
+            <a:schemeClr val="accent1"/>
+          </a:lnRef>
+          <a:fillRef idx="3">
+            <a:schemeClr val="accent1"/>
+          </a:fillRef>
+          <a:effectRef idx="2">
+            <a:schemeClr val="accent1"/>
+          </a:effectRef>
+          <a:fontRef idx="minor">
+            <a:schemeClr val="lt1"/>
+          </a:fontRef>
+        </p:style>
+        <p:txBody>
+          <a:bodyPr rtlCol="0" anchor="ctr"/>
+          <a:lstStyle/>
+          <a:p>
+            <a:pPr algn="ctr"/>
+            <a:r>
+              <a:rPr lang="en-US" dirty="0">
+                <a:solidFill>
+                  <a:schemeClr val="tx1"/>
+                </a:solidFill>
+              </a:rPr>
+              <a:t>Chrome</a:t>
+            </a:r>
+          </a:p>
+        </p:txBody>
+      </p:sp>
+      <p:sp>
+        <p:nvSpPr>
+          <p:cNvPr id="38" name="Rectangle 37"/>
+          <p:cNvSpPr/>
+          <p:nvPr/>
+        </p:nvSpPr>
+        <p:spPr>
+          <a:xfrm>
+            <a:off x="141356" y="1334050"/>
+            <a:ext cx="1802297" cy="1205949"/>
+          </a:xfrm>
+          <a:prstGeom prst="rect">
+            <a:avLst/>
+          </a:prstGeom>
+          <a:noFill/>
+          <a:ln>
+            <a:solidFill>
+              <a:schemeClr val="tx1"/>
+            </a:solidFill>
+            <a:prstDash val="dash"/>
+          </a:ln>
+        </p:spPr>
+        <p:style>
+          <a:lnRef idx="1">
+            <a:schemeClr val="accent1"/>
+          </a:lnRef>
+          <a:fillRef idx="3">
+            <a:schemeClr val="accent1"/>
+          </a:fillRef>
+          <a:effectRef idx="2">
+            <a:schemeClr val="accent1"/>
+          </a:effectRef>
+          <a:fontRef idx="minor">
+            <a:schemeClr val="lt1"/>
+          </a:fontRef>
+        </p:style>
+        <p:txBody>
+          <a:bodyPr rtlCol="0" anchor="t" anchorCtr="1"/>
+          <a:lstStyle/>
+          <a:p>
+            <a:pPr algn="ctr"/>
+            <a:r>
+              <a:rPr lang="en-US" dirty="0" err="1">
+                <a:solidFill>
+                  <a:schemeClr val="tx1"/>
+                </a:solidFill>
+              </a:rPr>
+              <a:t>WebSockets</a:t>
+            </a:r>
+            <a:r>
+              <a:rPr lang="en-US" dirty="0">
+                <a:solidFill>
+                  <a:schemeClr val="tx1"/>
+                </a:solidFill>
+              </a:rPr>
+              <a:t> via Browser</a:t>
+            </a:r>
+          </a:p>
+        </p:txBody>
+      </p:sp>
+      <p:sp>
+        <p:nvSpPr>
+          <p:cNvPr id="39" name="Rectangle 38"/>
+          <p:cNvSpPr/>
+          <p:nvPr/>
+        </p:nvSpPr>
+        <p:spPr>
+          <a:xfrm>
+            <a:off x="161236" y="2970697"/>
+            <a:ext cx="1594678" cy="3366050"/>
+          </a:xfrm>
+          <a:prstGeom prst="rect">
+            <a:avLst/>
+          </a:prstGeom>
+          <a:noFill/>
+          <a:ln>
+            <a:solidFill>
+              <a:schemeClr val="tx1"/>
+            </a:solidFill>
+            <a:prstDash val="dash"/>
+          </a:ln>
+        </p:spPr>
+        <p:style>
+          <a:lnRef idx="1">
+            <a:schemeClr val="accent1"/>
+          </a:lnRef>
+          <a:fillRef idx="3">
+            <a:schemeClr val="accent1"/>
+          </a:fillRef>
+          <a:effectRef idx="2">
+            <a:schemeClr val="accent1"/>
+          </a:effectRef>
+          <a:fontRef idx="minor">
+            <a:schemeClr val="lt1"/>
+          </a:fontRef>
+        </p:style>
+        <p:txBody>
+          <a:bodyPr rtlCol="0" anchor="t" anchorCtr="1"/>
+          <a:lstStyle/>
+          <a:p>
+            <a:pPr algn="ctr"/>
+            <a:r>
+              <a:rPr lang="en-US" dirty="0">
+                <a:solidFill>
+                  <a:schemeClr val="tx1"/>
+                </a:solidFill>
+              </a:rPr>
+              <a:t>Raspberry Pi’s</a:t>
+            </a:r>
+          </a:p>
+        </p:txBody>
+      </p:sp>
+      <p:cxnSp>
+        <p:nvCxnSpPr>
+          <p:cNvPr id="41" name="Straight Arrow Connector 40"/>
+          <p:cNvCxnSpPr>
+            <a:stCxn id="38" idx="3"/>
+            <a:endCxn id="7" idx="1"/>
+          </p:cNvCxnSpPr>
+          <p:nvPr/>
+        </p:nvCxnSpPr>
+        <p:spPr>
+          <a:xfrm>
+            <a:off x="1943653" y="1937025"/>
+            <a:ext cx="393149" cy="1901697"/>
+          </a:xfrm>
+          <a:prstGeom prst="straightConnector1">
+            <a:avLst/>
+          </a:prstGeom>
+          <a:ln w="25400">
+            <a:solidFill>
+              <a:srgbClr val="FF0000"/>
+            </a:solidFill>
+            <a:headEnd type="arrow"/>
+            <a:tailEnd type="arrow"/>
+          </a:ln>
+        </p:spPr>
+        <p:style>
+          <a:lnRef idx="2">
+            <a:schemeClr val="accent1"/>
+          </a:lnRef>
+          <a:fillRef idx="0">
+            <a:schemeClr val="accent1"/>
+          </a:fillRef>
+          <a:effectRef idx="1">
+            <a:schemeClr val="accent1"/>
+          </a:effectRef>
+          <a:fontRef idx="minor">
+            <a:schemeClr val="tx1"/>
+          </a:fontRef>
+        </p:style>
+      </p:cxnSp>
+      <p:cxnSp>
+        <p:nvCxnSpPr>
+          <p:cNvPr id="46" name="Straight Arrow Connector 45"/>
+          <p:cNvCxnSpPr>
+            <a:stCxn id="7" idx="3"/>
+            <a:endCxn id="19" idx="1"/>
+          </p:cNvCxnSpPr>
+          <p:nvPr/>
+        </p:nvCxnSpPr>
+        <p:spPr>
+          <a:xfrm>
+            <a:off x="3617845" y="3838722"/>
+            <a:ext cx="585290" cy="37519"/>
+          </a:xfrm>
+          <a:prstGeom prst="straightConnector1">
+            <a:avLst/>
+          </a:prstGeom>
+          <a:ln w="25400">
+            <a:solidFill>
+              <a:srgbClr val="FF0000"/>
+            </a:solidFill>
+            <a:tailEnd type="arrow"/>
+          </a:ln>
+        </p:spPr>
+        <p:style>
+          <a:lnRef idx="2">
+            <a:schemeClr val="accent1"/>
+          </a:lnRef>
+          <a:fillRef idx="0">
+            <a:schemeClr val="accent1"/>
+          </a:fillRef>
+          <a:effectRef idx="1">
+            <a:schemeClr val="accent1"/>
+          </a:effectRef>
+          <a:fontRef idx="minor">
+            <a:schemeClr val="tx1"/>
+          </a:fontRef>
+        </p:style>
+      </p:cxnSp>
+      <p:cxnSp>
+        <p:nvCxnSpPr>
+          <p:cNvPr id="49" name="Straight Arrow Connector 48"/>
+          <p:cNvCxnSpPr>
+            <a:stCxn id="19" idx="3"/>
+            <a:endCxn id="29" idx="1"/>
+          </p:cNvCxnSpPr>
+          <p:nvPr/>
+        </p:nvCxnSpPr>
+        <p:spPr>
+          <a:xfrm>
+            <a:off x="6758595" y="3876241"/>
+            <a:ext cx="545549" cy="142481"/>
+          </a:xfrm>
+          <a:prstGeom prst="straightConnector1">
+            <a:avLst/>
+          </a:prstGeom>
+          <a:ln w="25400">
+            <a:solidFill>
+              <a:srgbClr val="FF0000"/>
+            </a:solidFill>
+            <a:tailEnd type="arrow"/>
+          </a:ln>
+        </p:spPr>
+        <p:style>
+          <a:lnRef idx="2">
+            <a:schemeClr val="accent1"/>
+          </a:lnRef>
+          <a:fillRef idx="0">
+            <a:schemeClr val="accent1"/>
+          </a:fillRef>
+          <a:effectRef idx="1">
+            <a:schemeClr val="accent1"/>
+          </a:effectRef>
+          <a:fontRef idx="minor">
+            <a:schemeClr val="tx1"/>
+          </a:fontRef>
+        </p:style>
+      </p:cxnSp>
+      <p:cxnSp>
+        <p:nvCxnSpPr>
+          <p:cNvPr id="52" name="Straight Arrow Connector 51"/>
+          <p:cNvCxnSpPr>
+            <a:stCxn id="29" idx="3"/>
+            <a:endCxn id="36" idx="1"/>
+          </p:cNvCxnSpPr>
+          <p:nvPr/>
+        </p:nvCxnSpPr>
+        <p:spPr>
+          <a:xfrm flipV="1">
+            <a:off x="9839724" y="3869636"/>
+            <a:ext cx="667042" cy="149086"/>
+          </a:xfrm>
+          <a:prstGeom prst="straightConnector1">
+            <a:avLst/>
+          </a:prstGeom>
+          <a:ln w="25400">
+            <a:solidFill>
+              <a:srgbClr val="FF0000"/>
+            </a:solidFill>
+            <a:tailEnd type="arrow"/>
+          </a:ln>
+        </p:spPr>
+        <p:style>
+          <a:lnRef idx="2">
+            <a:schemeClr val="accent1"/>
+          </a:lnRef>
+          <a:fillRef idx="0">
+            <a:schemeClr val="accent1"/>
+          </a:fillRef>
+          <a:effectRef idx="1">
+            <a:schemeClr val="accent1"/>
+          </a:effectRef>
+          <a:fontRef idx="minor">
+            <a:schemeClr val="tx1"/>
+          </a:fontRef>
+        </p:style>
+      </p:cxnSp>
+      <p:cxnSp>
+        <p:nvCxnSpPr>
+          <p:cNvPr id="57" name="Straight Arrow Connector 56"/>
+          <p:cNvCxnSpPr>
+            <a:stCxn id="29" idx="0"/>
+            <a:endCxn id="22" idx="2"/>
+          </p:cNvCxnSpPr>
+          <p:nvPr/>
+        </p:nvCxnSpPr>
+        <p:spPr>
+          <a:xfrm flipH="1" flipV="1">
+            <a:off x="6929751" y="2109305"/>
+            <a:ext cx="1642183" cy="351172"/>
+          </a:xfrm>
+          <a:prstGeom prst="straightConnector1">
+            <a:avLst/>
+          </a:prstGeom>
+          <a:ln w="25400">
+            <a:solidFill>
+              <a:srgbClr val="FF0000"/>
+            </a:solidFill>
+            <a:tailEnd type="arrow"/>
+          </a:ln>
+        </p:spPr>
+        <p:style>
+          <a:lnRef idx="2">
+            <a:schemeClr val="accent1"/>
+          </a:lnRef>
+          <a:fillRef idx="0">
+            <a:schemeClr val="accent1"/>
+          </a:fillRef>
+          <a:effectRef idx="1">
+            <a:schemeClr val="accent1"/>
+          </a:effectRef>
+          <a:fontRef idx="minor">
+            <a:schemeClr val="tx1"/>
+          </a:fontRef>
+        </p:style>
+      </p:cxnSp>
+      <p:cxnSp>
+        <p:nvCxnSpPr>
+          <p:cNvPr id="61" name="Straight Arrow Connector 60"/>
+          <p:cNvCxnSpPr>
+            <a:stCxn id="22" idx="1"/>
+            <a:endCxn id="7" idx="0"/>
+          </p:cNvCxnSpPr>
+          <p:nvPr/>
+        </p:nvCxnSpPr>
+        <p:spPr>
+          <a:xfrm flipH="1">
+            <a:off x="2977324" y="1678609"/>
+            <a:ext cx="1627774" cy="1795678"/>
+          </a:xfrm>
+          <a:prstGeom prst="straightConnector1">
+            <a:avLst/>
+          </a:prstGeom>
+          <a:ln w="25400">
+            <a:solidFill>
+              <a:srgbClr val="FF0000"/>
+            </a:solidFill>
+            <a:tailEnd type="arrow"/>
+          </a:ln>
+        </p:spPr>
+        <p:style>
+          <a:lnRef idx="2">
+            <a:schemeClr val="accent1"/>
+          </a:lnRef>
+          <a:fillRef idx="0">
+            <a:schemeClr val="accent1"/>
+          </a:fillRef>
+          <a:effectRef idx="1">
+            <a:schemeClr val="accent1"/>
+          </a:effectRef>
+          <a:fontRef idx="minor">
+            <a:schemeClr val="tx1"/>
+          </a:fontRef>
+        </p:style>
+      </p:cxnSp>
+      <p:cxnSp>
+        <p:nvCxnSpPr>
+          <p:cNvPr id="64" name="Straight Arrow Connector 63"/>
+          <p:cNvCxnSpPr>
+            <a:stCxn id="29" idx="2"/>
+            <a:endCxn id="35" idx="0"/>
+          </p:cNvCxnSpPr>
+          <p:nvPr/>
+        </p:nvCxnSpPr>
+        <p:spPr>
+          <a:xfrm flipH="1">
+            <a:off x="6993800" y="5576967"/>
+            <a:ext cx="1578134" cy="351171"/>
+          </a:xfrm>
+          <a:prstGeom prst="straightConnector1">
+            <a:avLst/>
+          </a:prstGeom>
+          <a:ln w="25400">
+            <a:solidFill>
+              <a:srgbClr val="FF0000"/>
+            </a:solidFill>
+            <a:headEnd type="arrow"/>
+            <a:tailEnd type="arrow"/>
+          </a:ln>
+        </p:spPr>
+        <p:style>
+          <a:lnRef idx="2">
+            <a:schemeClr val="accent1"/>
+          </a:lnRef>
+          <a:fillRef idx="0">
+            <a:schemeClr val="accent1"/>
+          </a:fillRef>
+          <a:effectRef idx="1">
+            <a:schemeClr val="accent1"/>
+          </a:effectRef>
+          <a:fontRef idx="minor">
+            <a:schemeClr val="tx1"/>
+          </a:fontRef>
+        </p:style>
+      </p:cxnSp>
+      <p:cxnSp>
+        <p:nvCxnSpPr>
+          <p:cNvPr id="67" name="Straight Arrow Connector 66"/>
+          <p:cNvCxnSpPr>
+            <a:stCxn id="39" idx="3"/>
+            <a:endCxn id="7" idx="1"/>
+          </p:cNvCxnSpPr>
+          <p:nvPr/>
+        </p:nvCxnSpPr>
+        <p:spPr>
+          <a:xfrm flipV="1">
+            <a:off x="1755914" y="3838722"/>
+            <a:ext cx="580888" cy="815000"/>
+          </a:xfrm>
+          <a:prstGeom prst="straightConnector1">
+            <a:avLst/>
+          </a:prstGeom>
+          <a:ln w="25400">
+            <a:solidFill>
+              <a:srgbClr val="FF0000"/>
+            </a:solidFill>
+            <a:headEnd type="arrow"/>
+            <a:tailEnd type="arrow"/>
+          </a:ln>
+        </p:spPr>
+        <p:style>
+          <a:lnRef idx="2">
+            <a:schemeClr val="accent1"/>
+          </a:lnRef>
+          <a:fillRef idx="0">
+            <a:schemeClr val="accent1"/>
+          </a:fillRef>
+          <a:effectRef idx="1">
+            <a:schemeClr val="accent1"/>
+          </a:effectRef>
+          <a:fontRef idx="minor">
+            <a:schemeClr val="tx1"/>
+          </a:fontRef>
+        </p:style>
+      </p:cxnSp>
+    </p:spTree>
+    <p:extLst>
+      <p:ext uri="{BB962C8B-B14F-4D97-AF65-F5344CB8AC3E}">
+        <p14:creationId xmlns:p14="http://schemas.microsoft.com/office/powerpoint/2010/main" val="2278167361"/>
+      </p:ext>
+    </p:extLst>
+  </p:cSld>
+  <p:clrMapOvr>
+    <a:masterClrMapping/>
+  </p:clrMapOvr>
+</p:sld>
+</file>
+
+<file path=ppt/slides/slide13.xml><?xml version="1.0" encoding="utf-8"?>
+<p:sld xmlns:a="http://schemas.openxmlformats.org/drawingml/2006/main" xmlns:r="http://schemas.openxmlformats.org/officeDocument/2006/relationships" xmlns:p="http://schemas.openxmlformats.org/presentationml/2006/main">
+  <p:cSld>
+    <p:spTree>
+      <p:nvGrpSpPr>
+        <p:cNvPr id="1" name=""/>
+        <p:cNvGrpSpPr/>
+        <p:nvPr/>
+      </p:nvGrpSpPr>
+      <p:grpSpPr>
+        <a:xfrm>
+          <a:off x="0" y="0"/>
+          <a:ext cx="0" cy="0"/>
+          <a:chOff x="0" y="0"/>
+          <a:chExt cx="0" cy="0"/>
+        </a:xfrm>
+      </p:grpSpPr>
+      <p:sp>
+        <p:nvSpPr>
+          <p:cNvPr id="2" name="Title 1"/>
+          <p:cNvSpPr>
+            <a:spLocks noGrp="1"/>
+          </p:cNvSpPr>
+          <p:nvPr>
+            <p:ph type="title"/>
+          </p:nvPr>
+        </p:nvSpPr>
+        <p:spPr>
+          <a:xfrm>
+            <a:off x="838200" y="365125"/>
+            <a:ext cx="10515600" cy="695049"/>
+          </a:xfrm>
+        </p:spPr>
+        <p:txBody>
+          <a:bodyPr/>
+          <a:lstStyle/>
+          <a:p>
+            <a:r>
+              <a:rPr lang="en-US" dirty="0"/>
+              <a:t>Whiteboard in Home Office</a:t>
+            </a:r>
+          </a:p>
+        </p:txBody>
+      </p:sp>
+      <p:pic>
+        <p:nvPicPr>
+          <p:cNvPr id="20" name="Picture 19">
+            <a:extLst>
+              <a:ext uri="{FF2B5EF4-FFF2-40B4-BE49-F238E27FC236}">
+                <a16:creationId xmlns:a16="http://schemas.microsoft.com/office/drawing/2014/main" id="{ED9AB04E-7586-40F4-891F-17CDB3EBB156}"/>
+              </a:ext>
+            </a:extLst>
+          </p:cNvPr>
+          <p:cNvPicPr>
+            <a:picLocks noChangeAspect="1"/>
+          </p:cNvPicPr>
+          <p:nvPr/>
+        </p:nvPicPr>
+        <p:blipFill>
+          <a:blip r:embed="rId2">
+            <a:extLst>
+              <a:ext uri="{28A0092B-C50C-407E-A947-70E740481C1C}">
+                <a14:useLocalDpi xmlns:a14="http://schemas.microsoft.com/office/drawing/2010/main" val="0"/>
+              </a:ext>
+            </a:extLst>
+          </a:blip>
+          <a:stretch>
+            <a:fillRect/>
+          </a:stretch>
+        </p:blipFill>
+        <p:spPr>
+          <a:xfrm>
+            <a:off x="1934548" y="982046"/>
+            <a:ext cx="7834604" cy="5875953"/>
+          </a:xfrm>
+          <a:prstGeom prst="rect">
+            <a:avLst/>
+          </a:prstGeom>
+        </p:spPr>
+      </p:pic>
+    </p:spTree>
+    <p:extLst>
+      <p:ext uri="{BB962C8B-B14F-4D97-AF65-F5344CB8AC3E}">
+        <p14:creationId xmlns:p14="http://schemas.microsoft.com/office/powerpoint/2010/main" val="446257314"/>
+      </p:ext>
+    </p:extLst>
+  </p:cSld>
+  <p:clrMapOvr>
+    <a:masterClrMapping/>
+  </p:clrMapOvr>
+</p:sld>
+</file>
+
+<file path=ppt/slides/slide14.xml><?xml version="1.0" encoding="utf-8"?>
+<p:sld xmlns:a="http://schemas.openxmlformats.org/drawingml/2006/main" xmlns:r="http://schemas.openxmlformats.org/officeDocument/2006/relationships" xmlns:p="http://schemas.openxmlformats.org/presentationml/2006/main">
+  <p:cSld>
+    <p:spTree>
+      <p:nvGrpSpPr>
+        <p:cNvPr id="1" name=""/>
+        <p:cNvGrpSpPr/>
+        <p:nvPr/>
+      </p:nvGrpSpPr>
+      <p:grpSpPr>
+        <a:xfrm>
+          <a:off x="0" y="0"/>
+          <a:ext cx="0" cy="0"/>
+          <a:chOff x="0" y="0"/>
+          <a:chExt cx="0" cy="0"/>
+        </a:xfrm>
+      </p:grpSpPr>
+      <p:sp>
+        <p:nvSpPr>
+          <p:cNvPr id="2" name="Title 1"/>
+          <p:cNvSpPr>
+            <a:spLocks noGrp="1"/>
+          </p:cNvSpPr>
+          <p:nvPr>
+            <p:ph type="title"/>
+          </p:nvPr>
+        </p:nvSpPr>
+        <p:spPr>
+          <a:xfrm>
+            <a:off x="838200" y="365125"/>
+            <a:ext cx="10515600" cy="695049"/>
+          </a:xfrm>
+        </p:spPr>
+        <p:txBody>
+          <a:bodyPr/>
+          <a:lstStyle/>
+          <a:p>
+            <a:r>
+              <a:rPr lang="en-US" dirty="0"/>
+              <a:t>Development/Demo Environment</a:t>
+            </a:r>
+          </a:p>
+        </p:txBody>
+      </p:sp>
+      <p:sp>
+        <p:nvSpPr>
+          <p:cNvPr id="4" name="Rectangle 3"/>
+          <p:cNvSpPr/>
+          <p:nvPr/>
+        </p:nvSpPr>
+        <p:spPr>
+          <a:xfrm>
+            <a:off x="320262" y="3456607"/>
+            <a:ext cx="1281043" cy="728869"/>
+          </a:xfrm>
+          <a:prstGeom prst="rect">
+            <a:avLst/>
+          </a:prstGeom>
+          <a:solidFill>
+            <a:schemeClr val="bg2"/>
+          </a:solidFill>
+          <a:ln>
+            <a:solidFill>
+              <a:schemeClr val="tx1"/>
+            </a:solidFill>
+          </a:ln>
+        </p:spPr>
+        <p:style>
+          <a:lnRef idx="1">
+            <a:schemeClr val="accent1"/>
+          </a:lnRef>
+          <a:fillRef idx="3">
+            <a:schemeClr val="accent1"/>
+          </a:fillRef>
+          <a:effectRef idx="2">
+            <a:schemeClr val="accent1"/>
+          </a:effectRef>
+          <a:fontRef idx="minor">
+            <a:schemeClr val="lt1"/>
+          </a:fontRef>
+        </p:style>
+        <p:txBody>
+          <a:bodyPr rtlCol="0" anchor="ctr"/>
+          <a:lstStyle/>
+          <a:p>
+            <a:pPr algn="ctr"/>
+            <a:r>
+              <a:rPr lang="en-US" dirty="0">
+                <a:solidFill>
+                  <a:schemeClr val="tx1"/>
+                </a:solidFill>
+              </a:rPr>
+              <a:t>rpi-001</a:t>
+            </a:r>
+          </a:p>
+        </p:txBody>
+      </p:sp>
+      <p:sp>
+        <p:nvSpPr>
+          <p:cNvPr id="5" name="Rectangle 4"/>
+          <p:cNvSpPr/>
+          <p:nvPr/>
+        </p:nvSpPr>
+        <p:spPr>
+          <a:xfrm>
+            <a:off x="340140" y="4382050"/>
+            <a:ext cx="1281043" cy="728869"/>
+          </a:xfrm>
+          <a:prstGeom prst="rect">
+            <a:avLst/>
+          </a:prstGeom>
+          <a:solidFill>
+            <a:schemeClr val="bg2"/>
+          </a:solidFill>
+          <a:ln>
+            <a:solidFill>
+              <a:schemeClr val="tx1"/>
+            </a:solidFill>
+          </a:ln>
+        </p:spPr>
+        <p:style>
+          <a:lnRef idx="1">
+            <a:schemeClr val="accent1"/>
+          </a:lnRef>
+          <a:fillRef idx="3">
+            <a:schemeClr val="accent1"/>
+          </a:fillRef>
+          <a:effectRef idx="2">
+            <a:schemeClr val="accent1"/>
+          </a:effectRef>
+          <a:fontRef idx="minor">
+            <a:schemeClr val="lt1"/>
+          </a:fontRef>
+        </p:style>
+        <p:txBody>
+          <a:bodyPr rtlCol="0" anchor="ctr"/>
+          <a:lstStyle/>
+          <a:p>
+            <a:pPr algn="ctr"/>
+            <a:r>
+              <a:rPr lang="en-US" dirty="0">
+                <a:solidFill>
+                  <a:schemeClr val="tx1"/>
+                </a:solidFill>
+              </a:rPr>
+              <a:t>rpi-002</a:t>
+            </a:r>
+          </a:p>
+        </p:txBody>
+      </p:sp>
+      <p:sp>
+        <p:nvSpPr>
+          <p:cNvPr id="6" name="Rectangle 5"/>
+          <p:cNvSpPr/>
+          <p:nvPr/>
+        </p:nvSpPr>
+        <p:spPr>
+          <a:xfrm>
+            <a:off x="304805" y="5362711"/>
+            <a:ext cx="1281043" cy="728869"/>
+          </a:xfrm>
+          <a:prstGeom prst="rect">
+            <a:avLst/>
+          </a:prstGeom>
+          <a:solidFill>
+            <a:schemeClr val="bg2"/>
+          </a:solidFill>
+          <a:ln>
+            <a:solidFill>
+              <a:schemeClr val="tx1"/>
+            </a:solidFill>
+          </a:ln>
+        </p:spPr>
+        <p:style>
+          <a:lnRef idx="1">
+            <a:schemeClr val="accent1"/>
+          </a:lnRef>
+          <a:fillRef idx="3">
+            <a:schemeClr val="accent1"/>
+          </a:fillRef>
+          <a:effectRef idx="2">
+            <a:schemeClr val="accent1"/>
+          </a:effectRef>
+          <a:fontRef idx="minor">
+            <a:schemeClr val="lt1"/>
+          </a:fontRef>
+        </p:style>
+        <p:txBody>
+          <a:bodyPr rtlCol="0" anchor="ctr"/>
+          <a:lstStyle/>
+          <a:p>
+            <a:pPr algn="ctr"/>
+            <a:r>
+              <a:rPr lang="en-US" dirty="0">
+                <a:solidFill>
+                  <a:schemeClr val="tx1"/>
+                </a:solidFill>
+              </a:rPr>
+              <a:t>rpi-003</a:t>
+            </a:r>
+          </a:p>
+        </p:txBody>
+      </p:sp>
+      <p:sp>
+        <p:nvSpPr>
+          <p:cNvPr id="39" name="Rectangle 38"/>
+          <p:cNvSpPr/>
+          <p:nvPr/>
+        </p:nvSpPr>
+        <p:spPr>
+          <a:xfrm>
+            <a:off x="161236" y="2695855"/>
+            <a:ext cx="1594678" cy="3640892"/>
+          </a:xfrm>
+          <a:prstGeom prst="rect">
+            <a:avLst/>
+          </a:prstGeom>
+          <a:noFill/>
+          <a:ln>
+            <a:solidFill>
+              <a:schemeClr val="tx1"/>
+            </a:solidFill>
+            <a:prstDash val="dash"/>
+          </a:ln>
+        </p:spPr>
+        <p:style>
+          <a:lnRef idx="1">
+            <a:schemeClr val="accent1"/>
+          </a:lnRef>
+          <a:fillRef idx="3">
+            <a:schemeClr val="accent1"/>
+          </a:fillRef>
+          <a:effectRef idx="2">
+            <a:schemeClr val="accent1"/>
+          </a:effectRef>
+          <a:fontRef idx="minor">
+            <a:schemeClr val="lt1"/>
+          </a:fontRef>
+        </p:style>
+        <p:txBody>
+          <a:bodyPr rtlCol="0" anchor="t" anchorCtr="1"/>
+          <a:lstStyle/>
+          <a:p>
+            <a:pPr algn="ctr"/>
+            <a:r>
+              <a:rPr lang="en-US" dirty="0">
+                <a:solidFill>
+                  <a:schemeClr val="tx1"/>
+                </a:solidFill>
+              </a:rPr>
+              <a:t>Raspberry Pi’s</a:t>
+            </a:r>
+          </a:p>
+          <a:p>
+            <a:pPr algn="ctr"/>
+            <a:r>
+              <a:rPr lang="en-US" dirty="0" err="1">
+                <a:solidFill>
+                  <a:schemeClr val="tx1"/>
+                </a:solidFill>
+              </a:rPr>
+              <a:t>ubuntu</a:t>
+            </a:r>
+            <a:r>
+              <a:rPr lang="en-US" dirty="0">
+                <a:solidFill>
+                  <a:schemeClr val="tx1"/>
+                </a:solidFill>
+              </a:rPr>
+              <a:t> 16.06</a:t>
+            </a:r>
+          </a:p>
+        </p:txBody>
+      </p:sp>
+      <p:sp>
+        <p:nvSpPr>
+          <p:cNvPr id="42" name="Rectangle 41"/>
+          <p:cNvSpPr/>
+          <p:nvPr/>
+        </p:nvSpPr>
+        <p:spPr>
+          <a:xfrm>
+            <a:off x="4313094" y="1392487"/>
+            <a:ext cx="4387700" cy="3754146"/>
+          </a:xfrm>
+          <a:prstGeom prst="rect">
+            <a:avLst/>
+          </a:prstGeom>
+          <a:solidFill>
+            <a:schemeClr val="bg1">
+              <a:lumMod val="85000"/>
+            </a:schemeClr>
+          </a:solidFill>
+          <a:ln w="19050">
+            <a:solidFill>
+              <a:schemeClr val="tx1"/>
+            </a:solidFill>
+            <a:prstDash val="solid"/>
+          </a:ln>
+        </p:spPr>
+        <p:style>
+          <a:lnRef idx="1">
+            <a:schemeClr val="accent1"/>
+          </a:lnRef>
+          <a:fillRef idx="3">
+            <a:schemeClr val="accent1"/>
+          </a:fillRef>
+          <a:effectRef idx="2">
+            <a:schemeClr val="accent1"/>
+          </a:effectRef>
+          <a:fontRef idx="minor">
+            <a:schemeClr val="lt1"/>
+          </a:fontRef>
+        </p:style>
+        <p:txBody>
+          <a:bodyPr rtlCol="0" anchor="t" anchorCtr="0"/>
+          <a:lstStyle/>
+          <a:p>
+            <a:r>
+              <a:rPr lang="en-US" dirty="0" err="1">
+                <a:solidFill>
+                  <a:schemeClr val="tx1"/>
+                </a:solidFill>
+              </a:rPr>
+              <a:t>ubuntu</a:t>
+            </a:r>
+            <a:r>
+              <a:rPr lang="en-US" dirty="0">
+                <a:solidFill>
+                  <a:schemeClr val="tx1"/>
+                </a:solidFill>
+              </a:rPr>
+              <a:t> 14.04</a:t>
+            </a:r>
+          </a:p>
+          <a:p>
+            <a:pPr marL="285750" indent="-285750">
+              <a:buFont typeface="Arial"/>
+              <a:buChar char="•"/>
+            </a:pPr>
+            <a:r>
+              <a:rPr lang="en-US" dirty="0" err="1">
+                <a:solidFill>
+                  <a:schemeClr val="tx1"/>
+                </a:solidFill>
+              </a:rPr>
+              <a:t>Docker</a:t>
+            </a:r>
+            <a:endParaRPr lang="en-US" dirty="0">
+              <a:solidFill>
+                <a:schemeClr val="tx1"/>
+              </a:solidFill>
+            </a:endParaRPr>
+          </a:p>
+          <a:p>
+            <a:pPr marL="742950" lvl="1" indent="-285750">
+              <a:buFont typeface="Arial"/>
+              <a:buChar char="•"/>
+            </a:pPr>
+            <a:r>
+              <a:rPr lang="en-US" dirty="0">
+                <a:solidFill>
+                  <a:schemeClr val="tx1"/>
+                </a:solidFill>
+              </a:rPr>
+              <a:t>Network: iote2enet</a:t>
+            </a:r>
+          </a:p>
+          <a:p>
+            <a:pPr marL="742950" lvl="1" indent="-285750">
+              <a:buFont typeface="Arial"/>
+              <a:buChar char="•"/>
+            </a:pPr>
+            <a:r>
+              <a:rPr lang="en-US" b="1" dirty="0">
+                <a:solidFill>
+                  <a:schemeClr val="tx1"/>
+                </a:solidFill>
+              </a:rPr>
+              <a:t>25</a:t>
+            </a:r>
+            <a:r>
+              <a:rPr lang="en-US" dirty="0">
+                <a:solidFill>
+                  <a:schemeClr val="tx1"/>
+                </a:solidFill>
+              </a:rPr>
+              <a:t> Virtual Servers</a:t>
+            </a:r>
+          </a:p>
+          <a:p>
+            <a:pPr marL="1200150" lvl="2" indent="-285750">
+              <a:buFont typeface="Arial"/>
+              <a:buChar char="•"/>
+            </a:pPr>
+            <a:r>
+              <a:rPr lang="en-US" dirty="0">
+                <a:solidFill>
+                  <a:schemeClr val="tx1"/>
+                </a:solidFill>
+              </a:rPr>
+              <a:t>3x Cassandra</a:t>
+            </a:r>
+          </a:p>
+          <a:p>
+            <a:pPr marL="1200150" lvl="2" indent="-285750">
+              <a:buFont typeface="Arial"/>
+              <a:buChar char="•"/>
+            </a:pPr>
+            <a:r>
+              <a:rPr lang="en-US" dirty="0">
+                <a:solidFill>
+                  <a:schemeClr val="tx1"/>
+                </a:solidFill>
+              </a:rPr>
+              <a:t>3x Ignite</a:t>
+            </a:r>
+          </a:p>
+          <a:p>
+            <a:pPr marL="1200150" lvl="2" indent="-285750">
+              <a:buFont typeface="Arial"/>
+              <a:buChar char="•"/>
+            </a:pPr>
+            <a:r>
+              <a:rPr lang="en-US" dirty="0">
+                <a:solidFill>
+                  <a:schemeClr val="tx1"/>
+                </a:solidFill>
+              </a:rPr>
+              <a:t>6x Kafka (3x </a:t>
+            </a:r>
+            <a:r>
+              <a:rPr lang="en-US" dirty="0" err="1">
+                <a:solidFill>
+                  <a:schemeClr val="tx1"/>
+                </a:solidFill>
+              </a:rPr>
+              <a:t>zk</a:t>
+            </a:r>
+            <a:r>
+              <a:rPr lang="en-US" dirty="0">
+                <a:solidFill>
+                  <a:schemeClr val="tx1"/>
+                </a:solidFill>
+              </a:rPr>
+              <a:t>, 3x </a:t>
+            </a:r>
+            <a:r>
+              <a:rPr lang="en-US" dirty="0" err="1">
+                <a:solidFill>
+                  <a:schemeClr val="tx1"/>
+                </a:solidFill>
+              </a:rPr>
+              <a:t>kafka</a:t>
+            </a:r>
+            <a:r>
+              <a:rPr lang="en-US" dirty="0">
+                <a:solidFill>
+                  <a:schemeClr val="tx1"/>
+                </a:solidFill>
+              </a:rPr>
+              <a:t>)</a:t>
+            </a:r>
+          </a:p>
+          <a:p>
+            <a:pPr marL="1200150" lvl="2" indent="-285750">
+              <a:buFont typeface="Arial"/>
+              <a:buChar char="•"/>
+            </a:pPr>
+            <a:r>
+              <a:rPr lang="en-US" dirty="0">
+                <a:solidFill>
+                  <a:schemeClr val="tx1"/>
+                </a:solidFill>
+              </a:rPr>
+              <a:t>1x </a:t>
+            </a:r>
+            <a:r>
+              <a:rPr lang="en-US" dirty="0" err="1">
+                <a:solidFill>
+                  <a:schemeClr val="tx1"/>
+                </a:solidFill>
+              </a:rPr>
+              <a:t>KafkaManager</a:t>
+            </a:r>
+            <a:endParaRPr lang="en-US" dirty="0">
+              <a:solidFill>
+                <a:schemeClr val="tx1"/>
+              </a:solidFill>
+            </a:endParaRPr>
+          </a:p>
+          <a:p>
+            <a:pPr marL="1200150" lvl="2" indent="-285750">
+              <a:buFont typeface="Arial"/>
+              <a:buChar char="•"/>
+            </a:pPr>
+            <a:r>
+              <a:rPr lang="en-US" dirty="0">
+                <a:solidFill>
+                  <a:schemeClr val="tx1"/>
+                </a:solidFill>
+              </a:rPr>
+              <a:t>7x </a:t>
+            </a:r>
+            <a:r>
+              <a:rPr lang="en-US" dirty="0" err="1">
+                <a:solidFill>
+                  <a:schemeClr val="tx1"/>
+                </a:solidFill>
+              </a:rPr>
+              <a:t>SparkStreaming</a:t>
+            </a:r>
+            <a:endParaRPr lang="en-US" dirty="0">
+              <a:solidFill>
+                <a:schemeClr val="tx1"/>
+              </a:solidFill>
+            </a:endParaRPr>
+          </a:p>
+          <a:p>
+            <a:pPr marL="1200150" lvl="2" indent="-285750">
+              <a:buFont typeface="Arial"/>
+              <a:buChar char="•"/>
+            </a:pPr>
+            <a:r>
+              <a:rPr lang="en-US" dirty="0">
+                <a:solidFill>
+                  <a:schemeClr val="tx1"/>
+                </a:solidFill>
+              </a:rPr>
+              <a:t>1x Zeppelin</a:t>
+            </a:r>
+          </a:p>
+          <a:p>
+            <a:pPr marL="1200150" lvl="2" indent="-285750">
+              <a:buFont typeface="Arial"/>
+              <a:buChar char="•"/>
+            </a:pPr>
+            <a:r>
+              <a:rPr lang="en-US" dirty="0">
+                <a:solidFill>
+                  <a:schemeClr val="tx1"/>
+                </a:solidFill>
+              </a:rPr>
+              <a:t>1x </a:t>
+            </a:r>
+            <a:r>
+              <a:rPr lang="en-US" dirty="0" err="1">
+                <a:solidFill>
+                  <a:schemeClr val="tx1"/>
+                </a:solidFill>
+              </a:rPr>
+              <a:t>WebSockets</a:t>
+            </a:r>
+            <a:r>
+              <a:rPr lang="en-US" dirty="0">
+                <a:solidFill>
+                  <a:schemeClr val="tx1"/>
+                </a:solidFill>
+              </a:rPr>
+              <a:t> Server (jetty)</a:t>
+            </a:r>
+          </a:p>
+          <a:p>
+            <a:pPr marL="1200150" lvl="2" indent="-285750">
+              <a:buFont typeface="Arial"/>
+              <a:buChar char="•"/>
+            </a:pPr>
+            <a:r>
+              <a:rPr lang="en-US" dirty="0">
+                <a:solidFill>
+                  <a:schemeClr val="tx1"/>
+                </a:solidFill>
+              </a:rPr>
+              <a:t>1x MySQL</a:t>
+            </a:r>
+          </a:p>
+          <a:p>
+            <a:pPr marL="1200150" lvl="2" indent="-285750">
+              <a:buFont typeface="Arial"/>
+              <a:buChar char="•"/>
+            </a:pPr>
+            <a:r>
+              <a:rPr lang="en-US" dirty="0">
+                <a:solidFill>
+                  <a:schemeClr val="tx1"/>
+                </a:solidFill>
+              </a:rPr>
+              <a:t>2x </a:t>
+            </a:r>
+            <a:r>
+              <a:rPr lang="en-US" dirty="0" err="1">
+                <a:solidFill>
+                  <a:schemeClr val="tx1"/>
+                </a:solidFill>
+              </a:rPr>
+              <a:t>DemoMgr</a:t>
+            </a:r>
+            <a:r>
+              <a:rPr lang="en-US" dirty="0">
+                <a:solidFill>
+                  <a:schemeClr val="tx1"/>
+                </a:solidFill>
+              </a:rPr>
+              <a:t> (just </a:t>
+            </a:r>
+            <a:r>
+              <a:rPr lang="en-US" dirty="0" err="1">
+                <a:solidFill>
+                  <a:schemeClr val="tx1"/>
+                </a:solidFill>
+              </a:rPr>
+              <a:t>ubuntu</a:t>
+            </a:r>
+            <a:r>
+              <a:rPr lang="en-US" dirty="0">
+                <a:solidFill>
+                  <a:schemeClr val="tx1"/>
+                </a:solidFill>
+              </a:rPr>
+              <a:t>)</a:t>
+            </a:r>
+          </a:p>
+          <a:p>
+            <a:pPr marL="742950" lvl="1" indent="-285750">
+              <a:buFont typeface="Arial"/>
+              <a:buChar char="•"/>
+            </a:pPr>
+            <a:endParaRPr lang="en-US" dirty="0">
+              <a:solidFill>
+                <a:schemeClr val="tx1"/>
+              </a:solidFill>
+            </a:endParaRPr>
+          </a:p>
+          <a:p>
+            <a:endParaRPr lang="en-US" dirty="0">
+              <a:solidFill>
+                <a:schemeClr val="tx1"/>
+              </a:solidFill>
+            </a:endParaRPr>
+          </a:p>
+          <a:p>
+            <a:pPr marL="285750" indent="-285750">
+              <a:buFont typeface="Arial"/>
+              <a:buChar char="•"/>
+            </a:pPr>
+            <a:endParaRPr lang="en-US" dirty="0">
+              <a:solidFill>
+                <a:schemeClr val="tx1"/>
+              </a:solidFill>
+            </a:endParaRPr>
+          </a:p>
+        </p:txBody>
+      </p:sp>
+      <p:cxnSp>
+        <p:nvCxnSpPr>
+          <p:cNvPr id="12" name="Straight Connector 11"/>
+          <p:cNvCxnSpPr/>
+          <p:nvPr/>
+        </p:nvCxnSpPr>
+        <p:spPr>
+          <a:xfrm>
+            <a:off x="3141651" y="1292228"/>
+            <a:ext cx="44562" cy="5057514"/>
+          </a:xfrm>
+          <a:prstGeom prst="line">
+            <a:avLst/>
+          </a:prstGeom>
+          <a:ln w="38100">
+            <a:solidFill>
+              <a:schemeClr val="tx1"/>
+            </a:solidFill>
+          </a:ln>
+        </p:spPr>
+        <p:style>
+          <a:lnRef idx="2">
+            <a:schemeClr val="accent1"/>
+          </a:lnRef>
+          <a:fillRef idx="0">
+            <a:schemeClr val="accent1"/>
+          </a:fillRef>
+          <a:effectRef idx="1">
+            <a:schemeClr val="accent1"/>
+          </a:effectRef>
+          <a:fontRef idx="minor">
+            <a:schemeClr val="tx1"/>
+          </a:fontRef>
+        </p:style>
+      </p:cxnSp>
+      <p:cxnSp>
+        <p:nvCxnSpPr>
+          <p:cNvPr id="44" name="Straight Connector 43"/>
+          <p:cNvCxnSpPr>
+            <a:stCxn id="42" idx="1"/>
+          </p:cNvCxnSpPr>
+          <p:nvPr/>
+        </p:nvCxnSpPr>
+        <p:spPr>
+          <a:xfrm flipH="1">
+            <a:off x="3186213" y="3269560"/>
+            <a:ext cx="1126881" cy="16710"/>
+          </a:xfrm>
+          <a:prstGeom prst="line">
+            <a:avLst/>
+          </a:prstGeom>
+          <a:ln w="38100">
+            <a:solidFill>
+              <a:schemeClr val="tx1"/>
+            </a:solidFill>
+          </a:ln>
+        </p:spPr>
+        <p:style>
+          <a:lnRef idx="2">
+            <a:schemeClr val="accent1"/>
+          </a:lnRef>
+          <a:fillRef idx="0">
+            <a:schemeClr val="accent1"/>
+          </a:fillRef>
+          <a:effectRef idx="1">
+            <a:schemeClr val="accent1"/>
+          </a:effectRef>
+          <a:fontRef idx="minor">
+            <a:schemeClr val="tx1"/>
+          </a:fontRef>
+        </p:style>
+      </p:cxnSp>
+      <p:cxnSp>
+        <p:nvCxnSpPr>
+          <p:cNvPr id="47" name="Straight Connector 46"/>
+          <p:cNvCxnSpPr>
+            <a:stCxn id="69" idx="3"/>
+          </p:cNvCxnSpPr>
+          <p:nvPr/>
+        </p:nvCxnSpPr>
+        <p:spPr>
+          <a:xfrm>
+            <a:off x="1620018" y="1810237"/>
+            <a:ext cx="1532773" cy="5566"/>
+          </a:xfrm>
+          <a:prstGeom prst="line">
+            <a:avLst/>
+          </a:prstGeom>
+          <a:ln w="38100">
+            <a:solidFill>
+              <a:schemeClr val="tx1"/>
+            </a:solidFill>
+          </a:ln>
+        </p:spPr>
+        <p:style>
+          <a:lnRef idx="2">
+            <a:schemeClr val="accent1"/>
+          </a:lnRef>
+          <a:fillRef idx="0">
+            <a:schemeClr val="accent1"/>
+          </a:fillRef>
+          <a:effectRef idx="1">
+            <a:schemeClr val="accent1"/>
+          </a:effectRef>
+          <a:fontRef idx="minor">
+            <a:schemeClr val="tx1"/>
+          </a:fontRef>
+        </p:style>
+      </p:cxnSp>
+      <p:cxnSp>
+        <p:nvCxnSpPr>
+          <p:cNvPr id="51" name="Straight Connector 50"/>
+          <p:cNvCxnSpPr>
+            <a:stCxn id="4" idx="3"/>
+          </p:cNvCxnSpPr>
+          <p:nvPr/>
+        </p:nvCxnSpPr>
+        <p:spPr>
+          <a:xfrm>
+            <a:off x="1601305" y="3821042"/>
+            <a:ext cx="1584908" cy="11083"/>
+          </a:xfrm>
+          <a:prstGeom prst="line">
+            <a:avLst/>
+          </a:prstGeom>
+          <a:ln w="38100">
+            <a:solidFill>
+              <a:schemeClr val="tx1"/>
+            </a:solidFill>
+          </a:ln>
+        </p:spPr>
+        <p:style>
+          <a:lnRef idx="2">
+            <a:schemeClr val="accent1"/>
+          </a:lnRef>
+          <a:fillRef idx="0">
+            <a:schemeClr val="accent1"/>
+          </a:fillRef>
+          <a:effectRef idx="1">
+            <a:schemeClr val="accent1"/>
+          </a:effectRef>
+          <a:fontRef idx="minor">
+            <a:schemeClr val="tx1"/>
+          </a:fontRef>
+        </p:style>
+      </p:cxnSp>
+      <p:cxnSp>
+        <p:nvCxnSpPr>
+          <p:cNvPr id="54" name="Straight Connector 53"/>
+          <p:cNvCxnSpPr>
+            <a:stCxn id="5" idx="3"/>
+          </p:cNvCxnSpPr>
+          <p:nvPr/>
+        </p:nvCxnSpPr>
+        <p:spPr>
+          <a:xfrm flipV="1">
+            <a:off x="1621183" y="4745597"/>
+            <a:ext cx="1576171" cy="888"/>
+          </a:xfrm>
+          <a:prstGeom prst="line">
+            <a:avLst/>
+          </a:prstGeom>
+          <a:ln w="38100">
+            <a:solidFill>
+              <a:schemeClr val="tx1"/>
+            </a:solidFill>
+          </a:ln>
+        </p:spPr>
+        <p:style>
+          <a:lnRef idx="2">
+            <a:schemeClr val="accent1"/>
+          </a:lnRef>
+          <a:fillRef idx="0">
+            <a:schemeClr val="accent1"/>
+          </a:fillRef>
+          <a:effectRef idx="1">
+            <a:schemeClr val="accent1"/>
+          </a:effectRef>
+          <a:fontRef idx="minor">
+            <a:schemeClr val="tx1"/>
+          </a:fontRef>
+        </p:style>
+      </p:cxnSp>
+      <p:cxnSp>
+        <p:nvCxnSpPr>
+          <p:cNvPr id="58" name="Straight Connector 57"/>
+          <p:cNvCxnSpPr>
+            <a:stCxn id="6" idx="3"/>
+          </p:cNvCxnSpPr>
+          <p:nvPr/>
+        </p:nvCxnSpPr>
+        <p:spPr>
+          <a:xfrm flipV="1">
+            <a:off x="1585848" y="5725908"/>
+            <a:ext cx="1611506" cy="1238"/>
+          </a:xfrm>
+          <a:prstGeom prst="line">
+            <a:avLst/>
+          </a:prstGeom>
+          <a:ln w="38100">
+            <a:solidFill>
+              <a:schemeClr val="tx1"/>
+            </a:solidFill>
+          </a:ln>
+        </p:spPr>
+        <p:style>
+          <a:lnRef idx="2">
+            <a:schemeClr val="accent1"/>
+          </a:lnRef>
+          <a:fillRef idx="0">
+            <a:schemeClr val="accent1"/>
+          </a:fillRef>
+          <a:effectRef idx="1">
+            <a:schemeClr val="accent1"/>
+          </a:effectRef>
+          <a:fontRef idx="minor">
+            <a:schemeClr val="tx1"/>
+          </a:fontRef>
+        </p:style>
+      </p:cxnSp>
+      <p:sp>
+        <p:nvSpPr>
+          <p:cNvPr id="62" name="Rectangle 61"/>
+          <p:cNvSpPr/>
+          <p:nvPr/>
+        </p:nvSpPr>
+        <p:spPr>
+          <a:xfrm>
+            <a:off x="9023890" y="1400068"/>
+            <a:ext cx="2703598" cy="4216608"/>
+          </a:xfrm>
+          <a:prstGeom prst="rect">
+            <a:avLst/>
+          </a:prstGeom>
+          <a:noFill/>
+          <a:ln>
+            <a:noFill/>
+            <a:prstDash val="dash"/>
+          </a:ln>
+        </p:spPr>
+        <p:style>
+          <a:lnRef idx="1">
+            <a:schemeClr val="accent1"/>
+          </a:lnRef>
+          <a:fillRef idx="3">
+            <a:schemeClr val="accent1"/>
+          </a:fillRef>
+          <a:effectRef idx="2">
+            <a:schemeClr val="accent1"/>
+          </a:effectRef>
+          <a:fontRef idx="minor">
+            <a:schemeClr val="lt1"/>
+          </a:fontRef>
+        </p:style>
+        <p:txBody>
+          <a:bodyPr rtlCol="0" anchor="t" anchorCtr="0"/>
+          <a:lstStyle/>
+          <a:p>
+            <a:r>
+              <a:rPr lang="en-US" i="1" dirty="0">
+                <a:solidFill>
+                  <a:schemeClr val="tx1"/>
+                </a:solidFill>
+              </a:rPr>
+              <a:t>Other Notes</a:t>
+            </a:r>
+          </a:p>
+          <a:p>
+            <a:pPr marL="285750" indent="-285750">
+              <a:buFont typeface="Arial"/>
+              <a:buChar char="•"/>
+            </a:pPr>
+            <a:r>
+              <a:rPr lang="en-US" i="1" dirty="0">
+                <a:solidFill>
+                  <a:schemeClr val="tx1"/>
+                </a:solidFill>
+              </a:rPr>
+              <a:t>Fixed IP’s</a:t>
+            </a:r>
+          </a:p>
+          <a:p>
+            <a:pPr marL="285750" indent="-285750">
+              <a:buFont typeface="Arial"/>
+              <a:buChar char="•"/>
+            </a:pPr>
+            <a:r>
+              <a:rPr lang="en-US" i="1" dirty="0">
+                <a:solidFill>
+                  <a:schemeClr val="tx1"/>
+                </a:solidFill>
+              </a:rPr>
+              <a:t>Ports opened in </a:t>
+            </a:r>
+            <a:r>
+              <a:rPr lang="en-US" i="1" dirty="0" err="1">
+                <a:solidFill>
+                  <a:schemeClr val="tx1"/>
+                </a:solidFill>
+              </a:rPr>
+              <a:t>Docker</a:t>
+            </a:r>
+            <a:endParaRPr lang="en-US" i="1" dirty="0">
+              <a:solidFill>
+                <a:schemeClr val="tx1"/>
+              </a:solidFill>
+            </a:endParaRPr>
+          </a:p>
+          <a:p>
+            <a:pPr marL="285750" indent="-285750">
+              <a:buFont typeface="Arial"/>
+              <a:buChar char="•"/>
+            </a:pPr>
+            <a:r>
+              <a:rPr lang="en-US" i="1" dirty="0">
+                <a:solidFill>
+                  <a:schemeClr val="tx1"/>
+                </a:solidFill>
+              </a:rPr>
+              <a:t>docker-compose Files</a:t>
+            </a:r>
+          </a:p>
+          <a:p>
+            <a:pPr marL="285750" indent="-285750">
+              <a:buFont typeface="Arial"/>
+              <a:buChar char="•"/>
+            </a:pPr>
+            <a:r>
+              <a:rPr lang="en-US" i="1" dirty="0">
+                <a:solidFill>
+                  <a:schemeClr val="tx1"/>
+                </a:solidFill>
+              </a:rPr>
+              <a:t>All share /iote2e-shared</a:t>
+            </a:r>
+          </a:p>
+          <a:p>
+            <a:pPr marL="742950" lvl="1" indent="-285750">
+              <a:buFont typeface="Arial"/>
+              <a:buChar char="•"/>
+            </a:pPr>
+            <a:endParaRPr lang="en-US" i="1" dirty="0">
+              <a:solidFill>
+                <a:schemeClr val="tx1"/>
+              </a:solidFill>
+            </a:endParaRPr>
+          </a:p>
+          <a:p>
+            <a:endParaRPr lang="en-US" i="1" dirty="0">
+              <a:solidFill>
+                <a:schemeClr val="tx1"/>
+              </a:solidFill>
+            </a:endParaRPr>
+          </a:p>
+          <a:p>
+            <a:pPr marL="285750" indent="-285750">
+              <a:buFont typeface="Arial"/>
+              <a:buChar char="•"/>
+            </a:pPr>
+            <a:endParaRPr lang="en-US" i="1" dirty="0">
+              <a:solidFill>
+                <a:schemeClr val="tx1"/>
+              </a:solidFill>
+            </a:endParaRPr>
+          </a:p>
+        </p:txBody>
+      </p:sp>
+      <p:sp>
+        <p:nvSpPr>
+          <p:cNvPr id="69" name="Rectangle 68"/>
+          <p:cNvSpPr/>
+          <p:nvPr/>
+        </p:nvSpPr>
+        <p:spPr>
+          <a:xfrm>
+            <a:off x="338975" y="1325652"/>
+            <a:ext cx="1281043" cy="969170"/>
+          </a:xfrm>
+          <a:prstGeom prst="rect">
+            <a:avLst/>
+          </a:prstGeom>
+          <a:solidFill>
+            <a:schemeClr val="bg2"/>
+          </a:solidFill>
+          <a:ln>
+            <a:solidFill>
+              <a:schemeClr val="tx1"/>
+            </a:solidFill>
+          </a:ln>
+        </p:spPr>
+        <p:style>
+          <a:lnRef idx="1">
+            <a:schemeClr val="accent1"/>
+          </a:lnRef>
+          <a:fillRef idx="3">
+            <a:schemeClr val="accent1"/>
+          </a:fillRef>
+          <a:effectRef idx="2">
+            <a:schemeClr val="accent1"/>
+          </a:effectRef>
+          <a:fontRef idx="minor">
+            <a:schemeClr val="lt1"/>
+          </a:fontRef>
+        </p:style>
+        <p:txBody>
+          <a:bodyPr rtlCol="0" anchor="t" anchorCtr="0"/>
+          <a:lstStyle/>
+          <a:p>
+            <a:r>
+              <a:rPr lang="en-US" dirty="0">
+                <a:solidFill>
+                  <a:schemeClr val="tx1"/>
+                </a:solidFill>
+              </a:rPr>
+              <a:t>Win7</a:t>
+            </a:r>
+          </a:p>
+          <a:p>
+            <a:pPr marL="285750" indent="-285750">
+              <a:buFont typeface="Arial"/>
+              <a:buChar char="•"/>
+            </a:pPr>
+            <a:r>
+              <a:rPr lang="en-US" dirty="0">
+                <a:solidFill>
+                  <a:schemeClr val="tx1"/>
+                </a:solidFill>
+              </a:rPr>
+              <a:t>Chrome</a:t>
+            </a:r>
+          </a:p>
+          <a:p>
+            <a:pPr marL="285750" indent="-285750">
+              <a:buFont typeface="Arial"/>
+              <a:buChar char="•"/>
+            </a:pPr>
+            <a:r>
+              <a:rPr lang="en-US" dirty="0">
+                <a:solidFill>
+                  <a:schemeClr val="tx1"/>
+                </a:solidFill>
+              </a:rPr>
+              <a:t>Tableau</a:t>
+            </a:r>
+          </a:p>
+        </p:txBody>
+      </p:sp>
+    </p:spTree>
+    <p:extLst>
+      <p:ext uri="{BB962C8B-B14F-4D97-AF65-F5344CB8AC3E}">
+        <p14:creationId xmlns:p14="http://schemas.microsoft.com/office/powerpoint/2010/main" val="1072758568"/>
+      </p:ext>
+    </p:extLst>
+  </p:cSld>
+  <p:clrMapOvr>
+    <a:masterClrMapping/>
+  </p:clrMapOvr>
+</p:sld>
+</file>
+
+<file path=ppt/slides/slide15.xml><?xml version="1.0" encoding="utf-8"?>
+<p:sld xmlns:a="http://schemas.openxmlformats.org/drawingml/2006/main" xmlns:r="http://schemas.openxmlformats.org/officeDocument/2006/relationships" xmlns:p="http://schemas.openxmlformats.org/presentationml/2006/main">
+  <p:cSld>
+    <p:spTree>
+      <p:nvGrpSpPr>
+        <p:cNvPr id="1" name=""/>
+        <p:cNvGrpSpPr/>
+        <p:nvPr/>
+      </p:nvGrpSpPr>
+      <p:grpSpPr>
+        <a:xfrm>
+          <a:off x="0" y="0"/>
+          <a:ext cx="0" cy="0"/>
+          <a:chOff x="0" y="0"/>
+          <a:chExt cx="0" cy="0"/>
+        </a:xfrm>
+      </p:grpSpPr>
+      <p:sp>
+        <p:nvSpPr>
+          <p:cNvPr id="3" name="Content Placeholder 2"/>
+          <p:cNvSpPr>
+            <a:spLocks noGrp="1"/>
+          </p:cNvSpPr>
+          <p:nvPr>
+            <p:ph idx="1"/>
+          </p:nvPr>
+        </p:nvSpPr>
+        <p:spPr>
+          <a:xfrm>
+            <a:off x="838200" y="1269948"/>
+            <a:ext cx="10515600" cy="5402851"/>
+          </a:xfrm>
+        </p:spPr>
+        <p:txBody>
+          <a:bodyPr>
+            <a:normAutofit/>
+          </a:bodyPr>
+          <a:lstStyle/>
+          <a:p>
+            <a:r>
+              <a:rPr lang="en-US" dirty="0"/>
+              <a:t>Client connects to </a:t>
+            </a:r>
+            <a:r>
+              <a:rPr lang="en-US" dirty="0" err="1"/>
+              <a:t>WebSocket</a:t>
+            </a:r>
+            <a:r>
+              <a:rPr lang="en-US" dirty="0"/>
+              <a:t> server</a:t>
+            </a:r>
+          </a:p>
+          <a:p>
+            <a:pPr lvl="1"/>
+            <a:r>
+              <a:rPr lang="en-US" dirty="0"/>
+              <a:t>Register remote key filter with Ignite cluster, i.e. “rpi-001|temperature”</a:t>
+            </a:r>
+          </a:p>
+          <a:p>
+            <a:r>
+              <a:rPr lang="en-US" dirty="0"/>
+              <a:t>Source creates an Iote2eRequest in Avro, i.e. contains “temp=35.0”</a:t>
+            </a:r>
+          </a:p>
+          <a:p>
+            <a:r>
+              <a:rPr lang="en-US" dirty="0"/>
+              <a:t>Iote2eRequest sent to </a:t>
+            </a:r>
+            <a:r>
+              <a:rPr lang="en-US" dirty="0" err="1"/>
+              <a:t>WebSocket</a:t>
+            </a:r>
+            <a:r>
+              <a:rPr lang="en-US" dirty="0"/>
+              <a:t> server, sends to Kafka cluster</a:t>
+            </a:r>
+          </a:p>
+          <a:p>
+            <a:r>
+              <a:rPr lang="en-US" dirty="0" err="1"/>
+              <a:t>SparkStreaming</a:t>
+            </a:r>
+            <a:r>
+              <a:rPr lang="en-US" dirty="0"/>
+              <a:t> </a:t>
+            </a:r>
+          </a:p>
+          <a:p>
+            <a:pPr lvl="1"/>
+            <a:r>
+              <a:rPr lang="en-US" dirty="0"/>
+              <a:t>Speed Driver (window=200ms)</a:t>
+            </a:r>
+          </a:p>
+          <a:p>
+            <a:pPr lvl="2"/>
+            <a:r>
+              <a:rPr lang="en-US" dirty="0"/>
+              <a:t>Process Rule(s) against the inbound Iote2eRequest</a:t>
+            </a:r>
+          </a:p>
+          <a:p>
+            <a:pPr lvl="2"/>
+            <a:r>
+              <a:rPr lang="en-US" dirty="0"/>
+              <a:t>If Rule Hit</a:t>
+            </a:r>
+          </a:p>
+          <a:p>
+            <a:pPr lvl="3"/>
+            <a:r>
+              <a:rPr lang="en-US" dirty="0"/>
+              <a:t>Create Iote2eResult, push to Ignite with Key, i.e. “rpi-001|temperature” to turn on the fan</a:t>
+            </a:r>
+          </a:p>
+          <a:p>
+            <a:pPr lvl="3"/>
+            <a:r>
+              <a:rPr lang="en-US" dirty="0" err="1"/>
+              <a:t>WebSocket</a:t>
+            </a:r>
+            <a:r>
+              <a:rPr lang="en-US" dirty="0"/>
+              <a:t> server gets the Iote2eResult from Ignite remote filter, writes back to source </a:t>
+            </a:r>
+            <a:r>
+              <a:rPr lang="en-US" dirty="0" err="1"/>
+              <a:t>RPi</a:t>
+            </a:r>
+            <a:endParaRPr lang="en-US" dirty="0"/>
+          </a:p>
+          <a:p>
+            <a:pPr lvl="3"/>
+            <a:r>
+              <a:rPr lang="en-US" dirty="0"/>
+              <a:t>Python on </a:t>
+            </a:r>
+            <a:r>
+              <a:rPr lang="en-US" dirty="0" err="1"/>
+              <a:t>Rpi</a:t>
+            </a:r>
+            <a:r>
+              <a:rPr lang="en-US" dirty="0"/>
+              <a:t> processes the Iote2eResult, i.e. to turn the fan on for rpi-001</a:t>
+            </a:r>
+          </a:p>
+          <a:p>
+            <a:pPr lvl="1"/>
+            <a:r>
+              <a:rPr lang="en-US" dirty="0"/>
+              <a:t>Batch Driver (window=10s)</a:t>
+            </a:r>
+          </a:p>
+          <a:p>
+            <a:pPr lvl="2"/>
+            <a:r>
+              <a:rPr lang="en-US" dirty="0"/>
+              <a:t>Write accumulated data to database</a:t>
+            </a:r>
+          </a:p>
+          <a:p>
+            <a:pPr lvl="3"/>
+            <a:endParaRPr lang="en-US" dirty="0"/>
+          </a:p>
+          <a:p>
+            <a:pPr lvl="2"/>
+            <a:endParaRPr lang="en-US" dirty="0"/>
+          </a:p>
+          <a:p>
+            <a:endParaRPr lang="en-US" dirty="0"/>
+          </a:p>
+          <a:p>
+            <a:endParaRPr lang="en-US" dirty="0"/>
+          </a:p>
+        </p:txBody>
+      </p:sp>
+      <p:sp>
+        <p:nvSpPr>
+          <p:cNvPr id="4" name="Title 1"/>
+          <p:cNvSpPr>
+            <a:spLocks noGrp="1"/>
+          </p:cNvSpPr>
+          <p:nvPr>
+            <p:ph type="title"/>
+          </p:nvPr>
+        </p:nvSpPr>
+        <p:spPr>
+          <a:xfrm>
+            <a:off x="838200" y="365125"/>
+            <a:ext cx="10515600" cy="695049"/>
+          </a:xfrm>
+        </p:spPr>
+        <p:txBody>
+          <a:bodyPr/>
+          <a:lstStyle/>
+          <a:p>
+            <a:r>
+              <a:rPr lang="en-US" dirty="0"/>
+              <a:t>High Level Process Flow (too technical?)</a:t>
+            </a:r>
+          </a:p>
+        </p:txBody>
+      </p:sp>
+    </p:spTree>
+    <p:extLst>
+      <p:ext uri="{BB962C8B-B14F-4D97-AF65-F5344CB8AC3E}">
+        <p14:creationId xmlns:p14="http://schemas.microsoft.com/office/powerpoint/2010/main" val="1185137763"/>
+      </p:ext>
+    </p:extLst>
+  </p:cSld>
+  <p:clrMapOvr>
+    <a:masterClrMapping/>
+  </p:clrMapOvr>
+</p:sld>
+</file>
+
+<file path=ppt/slides/slide16.xml><?xml version="1.0" encoding="utf-8"?>
+<p:sld xmlns:a="http://schemas.openxmlformats.org/drawingml/2006/main" xmlns:r="http://schemas.openxmlformats.org/officeDocument/2006/relationships" xmlns:p="http://schemas.openxmlformats.org/presentationml/2006/main">
+  <p:cSld>
+    <p:spTree>
+      <p:nvGrpSpPr>
+        <p:cNvPr id="1" name=""/>
+        <p:cNvGrpSpPr/>
+        <p:nvPr/>
+      </p:nvGrpSpPr>
+      <p:grpSpPr>
+        <a:xfrm>
+          <a:off x="0" y="0"/>
+          <a:ext cx="0" cy="0"/>
+          <a:chOff x="0" y="0"/>
+          <a:chExt cx="0" cy="0"/>
+        </a:xfrm>
+      </p:grpSpPr>
+      <p:sp>
+        <p:nvSpPr>
+          <p:cNvPr id="3" name="Content Placeholder 2"/>
+          <p:cNvSpPr>
+            <a:spLocks noGrp="1"/>
+          </p:cNvSpPr>
+          <p:nvPr>
+            <p:ph idx="1"/>
+          </p:nvPr>
+        </p:nvSpPr>
+        <p:spPr>
+          <a:xfrm>
+            <a:off x="838200" y="1269948"/>
+            <a:ext cx="10515600" cy="5402851"/>
+          </a:xfrm>
+        </p:spPr>
+        <p:txBody>
+          <a:bodyPr>
+            <a:normAutofit/>
+          </a:bodyPr>
+          <a:lstStyle/>
+          <a:p>
+            <a:pPr lvl="1"/>
+            <a:r>
+              <a:rPr lang="en-US" sz="2800" dirty="0"/>
+              <a:t>A clinical trial for a blood pressure medication</a:t>
+            </a:r>
+          </a:p>
+          <a:p>
+            <a:pPr lvl="1"/>
+            <a:r>
+              <a:rPr lang="en-US" sz="2800" dirty="0"/>
+              <a:t>A Pill Dispenser is installed in the home of each Subject</a:t>
+            </a:r>
+          </a:p>
+          <a:p>
+            <a:pPr lvl="1"/>
+            <a:r>
+              <a:rPr lang="en-US" sz="2800" dirty="0"/>
+              <a:t>Each pill is 40mg, and the number of pills dispensed is based on criteria determined by the team managing the trial</a:t>
+            </a:r>
+          </a:p>
+          <a:p>
+            <a:pPr lvl="1"/>
+            <a:r>
+              <a:rPr lang="en-US" sz="2800" dirty="0"/>
+              <a:t>This criteria can change change the number of pills dispensed/subject over the course of the study and must be tracked</a:t>
+            </a:r>
+          </a:p>
+          <a:p>
+            <a:pPr lvl="1"/>
+            <a:r>
+              <a:rPr lang="en-US" sz="2800" dirty="0"/>
+              <a:t>When pills are dispensed, the number of pills dispensed must be verified programmatically and receipt confirmed by the subject</a:t>
+            </a:r>
+          </a:p>
+        </p:txBody>
+      </p:sp>
+      <p:sp>
+        <p:nvSpPr>
+          <p:cNvPr id="4" name="Title 1"/>
+          <p:cNvSpPr>
+            <a:spLocks noGrp="1"/>
+          </p:cNvSpPr>
+          <p:nvPr>
+            <p:ph type="title"/>
+          </p:nvPr>
+        </p:nvSpPr>
+        <p:spPr>
+          <a:xfrm>
+            <a:off x="838200" y="365125"/>
+            <a:ext cx="10515600" cy="695049"/>
+          </a:xfrm>
+        </p:spPr>
+        <p:txBody>
+          <a:bodyPr/>
+          <a:lstStyle/>
+          <a:p>
+            <a:r>
+              <a:rPr lang="en-US" dirty="0"/>
+              <a:t>Background: Dynamic Clinical Trial</a:t>
+            </a:r>
+          </a:p>
+        </p:txBody>
+      </p:sp>
+    </p:spTree>
+    <p:extLst>
+      <p:ext uri="{BB962C8B-B14F-4D97-AF65-F5344CB8AC3E}">
+        <p14:creationId xmlns:p14="http://schemas.microsoft.com/office/powerpoint/2010/main" val="1785328428"/>
+      </p:ext>
+    </p:extLst>
+  </p:cSld>
+  <p:clrMapOvr>
+    <a:masterClrMapping/>
+  </p:clrMapOvr>
+</p:sld>
+</file>
+
+<file path=ppt/slides/slide17.xml><?xml version="1.0" encoding="utf-8"?>
+<p:sld xmlns:a="http://schemas.openxmlformats.org/drawingml/2006/main" xmlns:r="http://schemas.openxmlformats.org/officeDocument/2006/relationships" xmlns:p="http://schemas.openxmlformats.org/presentationml/2006/main">
+  <p:cSld>
+    <p:spTree>
+      <p:nvGrpSpPr>
+        <p:cNvPr id="1" name=""/>
+        <p:cNvGrpSpPr/>
+        <p:nvPr/>
+      </p:nvGrpSpPr>
+      <p:grpSpPr>
+        <a:xfrm>
+          <a:off x="0" y="0"/>
+          <a:ext cx="0" cy="0"/>
+          <a:chOff x="0" y="0"/>
+          <a:chExt cx="0" cy="0"/>
+        </a:xfrm>
+      </p:grpSpPr>
+      <p:sp>
+        <p:nvSpPr>
+          <p:cNvPr id="4" name="Title 1"/>
+          <p:cNvSpPr>
+            <a:spLocks noGrp="1"/>
+          </p:cNvSpPr>
+          <p:nvPr>
+            <p:ph type="title"/>
+          </p:nvPr>
+        </p:nvSpPr>
+        <p:spPr>
+          <a:xfrm>
+            <a:off x="838200" y="365125"/>
+            <a:ext cx="10515600" cy="695049"/>
+          </a:xfrm>
+        </p:spPr>
+        <p:txBody>
+          <a:bodyPr/>
+          <a:lstStyle/>
+          <a:p>
+            <a:r>
+              <a:rPr lang="en-US" dirty="0"/>
+              <a:t>Evolution of a Pill Dispenser Design</a:t>
+            </a:r>
+          </a:p>
+        </p:txBody>
+      </p:sp>
+      <p:pic>
+        <p:nvPicPr>
+          <p:cNvPr id="7" name="Picture 6">
+            <a:extLst>
+              <a:ext uri="{FF2B5EF4-FFF2-40B4-BE49-F238E27FC236}">
+                <a16:creationId xmlns:a16="http://schemas.microsoft.com/office/drawing/2014/main" id="{1C173F7F-386D-4E46-B55C-4D1594CAD677}"/>
+              </a:ext>
+            </a:extLst>
+          </p:cNvPr>
+          <p:cNvPicPr>
+            <a:picLocks noChangeAspect="1"/>
+          </p:cNvPicPr>
+          <p:nvPr/>
+        </p:nvPicPr>
+        <p:blipFill>
+          <a:blip r:embed="rId2">
+            <a:extLst>
+              <a:ext uri="{28A0092B-C50C-407E-A947-70E740481C1C}">
+                <a14:useLocalDpi xmlns:a14="http://schemas.microsoft.com/office/drawing/2010/main" val="0"/>
+              </a:ext>
+            </a:extLst>
+          </a:blip>
+          <a:stretch>
+            <a:fillRect/>
+          </a:stretch>
+        </p:blipFill>
+        <p:spPr>
+          <a:xfrm>
+            <a:off x="1524000" y="1149998"/>
+            <a:ext cx="7610669" cy="5708002"/>
+          </a:xfrm>
+          <a:prstGeom prst="rect">
+            <a:avLst/>
+          </a:prstGeom>
+        </p:spPr>
+      </p:pic>
+    </p:spTree>
+    <p:extLst>
+      <p:ext uri="{BB962C8B-B14F-4D97-AF65-F5344CB8AC3E}">
+        <p14:creationId xmlns:p14="http://schemas.microsoft.com/office/powerpoint/2010/main" val="1562639692"/>
+      </p:ext>
+    </p:extLst>
+  </p:cSld>
+  <p:clrMapOvr>
+    <a:masterClrMapping/>
+  </p:clrMapOvr>
+</p:sld>
+</file>
+
+<file path=ppt/slides/slide18.xml><?xml version="1.0" encoding="utf-8"?>
+<p:sld xmlns:a="http://schemas.openxmlformats.org/drawingml/2006/main" xmlns:r="http://schemas.openxmlformats.org/officeDocument/2006/relationships" xmlns:p="http://schemas.openxmlformats.org/presentationml/2006/main">
+  <p:cSld>
+    <p:spTree>
+      <p:nvGrpSpPr>
+        <p:cNvPr id="1" name=""/>
+        <p:cNvGrpSpPr/>
+        <p:nvPr/>
+      </p:nvGrpSpPr>
+      <p:grpSpPr>
+        <a:xfrm>
+          <a:off x="0" y="0"/>
+          <a:ext cx="0" cy="0"/>
+          <a:chOff x="0" y="0"/>
+          <a:chExt cx="0" cy="0"/>
+        </a:xfrm>
+      </p:grpSpPr>
+      <p:sp>
+        <p:nvSpPr>
+          <p:cNvPr id="4" name="Title 1"/>
+          <p:cNvSpPr>
+            <a:spLocks noGrp="1"/>
+          </p:cNvSpPr>
+          <p:nvPr>
+            <p:ph type="title"/>
+          </p:nvPr>
+        </p:nvSpPr>
+        <p:spPr>
+          <a:xfrm>
+            <a:off x="838200" y="365125"/>
+            <a:ext cx="10515600" cy="695049"/>
+          </a:xfrm>
+        </p:spPr>
+        <p:txBody>
+          <a:bodyPr/>
+          <a:lstStyle/>
+          <a:p>
+            <a:r>
+              <a:rPr lang="en-US" dirty="0"/>
+              <a:t>Evolution of a Pill Dispenser Design</a:t>
+            </a:r>
+          </a:p>
+        </p:txBody>
+      </p:sp>
+      <p:pic>
+        <p:nvPicPr>
+          <p:cNvPr id="3" name="Picture 2">
+            <a:extLst>
+              <a:ext uri="{FF2B5EF4-FFF2-40B4-BE49-F238E27FC236}">
+                <a16:creationId xmlns:a16="http://schemas.microsoft.com/office/drawing/2014/main" id="{715BF5C1-508E-4FD8-B581-590E656A0F50}"/>
+              </a:ext>
+            </a:extLst>
+          </p:cNvPr>
+          <p:cNvPicPr>
+            <a:picLocks noChangeAspect="1"/>
+          </p:cNvPicPr>
+          <p:nvPr/>
+        </p:nvPicPr>
+        <p:blipFill>
+          <a:blip r:embed="rId2">
+            <a:extLst>
+              <a:ext uri="{28A0092B-C50C-407E-A947-70E740481C1C}">
+                <a14:useLocalDpi xmlns:a14="http://schemas.microsoft.com/office/drawing/2010/main" val="0"/>
+              </a:ext>
+            </a:extLst>
+          </a:blip>
+          <a:stretch>
+            <a:fillRect/>
+          </a:stretch>
+        </p:blipFill>
+        <p:spPr>
+          <a:xfrm rot="5400000">
+            <a:off x="7612412" y="1785159"/>
+            <a:ext cx="5052705" cy="3789529"/>
+          </a:xfrm>
+          <a:prstGeom prst="rect">
+            <a:avLst/>
+          </a:prstGeom>
+        </p:spPr>
+      </p:pic>
+      <p:pic>
+        <p:nvPicPr>
+          <p:cNvPr id="6" name="Picture 5">
+            <a:extLst>
+              <a:ext uri="{FF2B5EF4-FFF2-40B4-BE49-F238E27FC236}">
+                <a16:creationId xmlns:a16="http://schemas.microsoft.com/office/drawing/2014/main" id="{521C07E9-609A-4D5B-A36F-60F4EA781C09}"/>
+              </a:ext>
+            </a:extLst>
+          </p:cNvPr>
+          <p:cNvPicPr>
+            <a:picLocks noChangeAspect="1"/>
+          </p:cNvPicPr>
+          <p:nvPr/>
+        </p:nvPicPr>
+        <p:blipFill>
+          <a:blip r:embed="rId3">
+            <a:extLst>
+              <a:ext uri="{28A0092B-C50C-407E-A947-70E740481C1C}">
+                <a14:useLocalDpi xmlns:a14="http://schemas.microsoft.com/office/drawing/2010/main" val="0"/>
+              </a:ext>
+            </a:extLst>
+          </a:blip>
+          <a:stretch>
+            <a:fillRect/>
+          </a:stretch>
+        </p:blipFill>
+        <p:spPr>
+          <a:xfrm rot="5400000">
+            <a:off x="3569071" y="1785160"/>
+            <a:ext cx="5052706" cy="3789530"/>
+          </a:xfrm>
+          <a:prstGeom prst="rect">
+            <a:avLst/>
+          </a:prstGeom>
+        </p:spPr>
+      </p:pic>
+      <p:pic>
+        <p:nvPicPr>
+          <p:cNvPr id="9" name="Picture 8">
+            <a:extLst>
+              <a:ext uri="{FF2B5EF4-FFF2-40B4-BE49-F238E27FC236}">
+                <a16:creationId xmlns:a16="http://schemas.microsoft.com/office/drawing/2014/main" id="{F87DBFB0-483E-40B4-A528-3B0470767B59}"/>
+              </a:ext>
+            </a:extLst>
+          </p:cNvPr>
+          <p:cNvPicPr>
+            <a:picLocks noChangeAspect="1"/>
+          </p:cNvPicPr>
+          <p:nvPr/>
+        </p:nvPicPr>
+        <p:blipFill>
+          <a:blip r:embed="rId4">
+            <a:extLst>
+              <a:ext uri="{28A0092B-C50C-407E-A947-70E740481C1C}">
+                <a14:useLocalDpi xmlns:a14="http://schemas.microsoft.com/office/drawing/2010/main" val="0"/>
+              </a:ext>
+            </a:extLst>
+          </a:blip>
+          <a:stretch>
+            <a:fillRect/>
+          </a:stretch>
+        </p:blipFill>
+        <p:spPr>
+          <a:xfrm rot="5400000">
+            <a:off x="-474269" y="1785160"/>
+            <a:ext cx="5052705" cy="3789529"/>
+          </a:xfrm>
+          <a:prstGeom prst="rect">
+            <a:avLst/>
+          </a:prstGeom>
+        </p:spPr>
+      </p:pic>
+    </p:spTree>
+    <p:extLst>
+      <p:ext uri="{BB962C8B-B14F-4D97-AF65-F5344CB8AC3E}">
+        <p14:creationId xmlns:p14="http://schemas.microsoft.com/office/powerpoint/2010/main" val="1128223499"/>
+      </p:ext>
+    </p:extLst>
+  </p:cSld>
+  <p:clrMapOvr>
+    <a:masterClrMapping/>
+  </p:clrMapOvr>
+</p:sld>
+</file>
+
+<file path=ppt/slides/slide19.xml><?xml version="1.0" encoding="utf-8"?>
+<p:sld xmlns:a="http://schemas.openxmlformats.org/drawingml/2006/main" xmlns:r="http://schemas.openxmlformats.org/officeDocument/2006/relationships" xmlns:p="http://schemas.openxmlformats.org/presentationml/2006/main">
+  <p:cSld>
+    <p:spTree>
+      <p:nvGrpSpPr>
+        <p:cNvPr id="1" name=""/>
+        <p:cNvGrpSpPr/>
+        <p:nvPr/>
+      </p:nvGrpSpPr>
+      <p:grpSpPr>
+        <a:xfrm>
+          <a:off x="0" y="0"/>
+          <a:ext cx="0" cy="0"/>
+          <a:chOff x="0" y="0"/>
+          <a:chExt cx="0" cy="0"/>
+        </a:xfrm>
+      </p:grpSpPr>
+      <p:sp>
+        <p:nvSpPr>
+          <p:cNvPr id="3" name="Content Placeholder 2"/>
+          <p:cNvSpPr>
+            <a:spLocks noGrp="1"/>
+          </p:cNvSpPr>
+          <p:nvPr>
+            <p:ph idx="1"/>
+          </p:nvPr>
+        </p:nvSpPr>
+        <p:spPr>
+          <a:xfrm>
+            <a:off x="838200" y="1269948"/>
+            <a:ext cx="10515600" cy="5402851"/>
+          </a:xfrm>
+        </p:spPr>
+        <p:txBody>
+          <a:bodyPr>
+            <a:normAutofit lnSpcReduction="10000"/>
+          </a:bodyPr>
+          <a:lstStyle/>
+          <a:p>
+            <a:r>
+              <a:rPr lang="en-US" dirty="0"/>
+              <a:t>Designed a basic pill dispenser, my son Rob then enhanced it, he put the design in </a:t>
+            </a:r>
+            <a:r>
+              <a:rPr lang="en-US" dirty="0" err="1"/>
+              <a:t>SolidWorks</a:t>
+            </a:r>
+            <a:r>
+              <a:rPr lang="en-US" dirty="0"/>
+              <a:t> and machined the parts</a:t>
+            </a:r>
+          </a:p>
+          <a:p>
+            <a:r>
+              <a:rPr lang="en-US" dirty="0"/>
+              <a:t>3x Raspberry Pi's (each mapped to a specific Subject)</a:t>
+            </a:r>
+          </a:p>
+          <a:p>
+            <a:r>
+              <a:rPr lang="en-US" dirty="0"/>
+              <a:t>Python code on the Pi drives the pill dispenser</a:t>
+            </a:r>
+          </a:p>
+          <a:p>
+            <a:r>
+              <a:rPr lang="en-US" dirty="0"/>
+              <a:t>After dispensed, </a:t>
+            </a:r>
+          </a:p>
+          <a:p>
+            <a:pPr lvl="1"/>
+            <a:r>
+              <a:rPr lang="en-US" dirty="0"/>
+              <a:t>LED lights the dispensed pills and camera takes picture</a:t>
+            </a:r>
+          </a:p>
+          <a:p>
+            <a:pPr lvl="1"/>
+            <a:r>
+              <a:rPr lang="en-US" dirty="0"/>
+              <a:t>Sends back to </a:t>
+            </a:r>
+            <a:r>
+              <a:rPr lang="en-US" dirty="0" err="1"/>
+              <a:t>SparkStreaming</a:t>
+            </a:r>
+            <a:r>
+              <a:rPr lang="en-US" dirty="0"/>
+              <a:t> cluster for image processing to count the number of pills</a:t>
+            </a:r>
+          </a:p>
+          <a:p>
+            <a:r>
+              <a:rPr lang="en-US" dirty="0"/>
+              <a:t>If the count matches, then blink Green LED on the Pi, else blink Red on the Pi.  </a:t>
+            </a:r>
+          </a:p>
+          <a:p>
+            <a:r>
+              <a:rPr lang="en-US" dirty="0"/>
+              <a:t>Subject then presses button to confirm</a:t>
+            </a:r>
+          </a:p>
+          <a:p>
+            <a:r>
+              <a:rPr lang="en-US" dirty="0"/>
+              <a:t>All of these actions are tracked in a database table</a:t>
+            </a:r>
+          </a:p>
+        </p:txBody>
+      </p:sp>
+      <p:sp>
+        <p:nvSpPr>
+          <p:cNvPr id="4" name="Title 1"/>
+          <p:cNvSpPr>
+            <a:spLocks noGrp="1"/>
+          </p:cNvSpPr>
+          <p:nvPr>
+            <p:ph type="title"/>
+          </p:nvPr>
+        </p:nvSpPr>
+        <p:spPr>
+          <a:xfrm>
+            <a:off x="838200" y="365125"/>
+            <a:ext cx="10515600" cy="695049"/>
+          </a:xfrm>
+        </p:spPr>
+        <p:txBody>
+          <a:bodyPr/>
+          <a:lstStyle/>
+          <a:p>
+            <a:r>
+              <a:rPr lang="en-US" dirty="0"/>
+              <a:t>Demo: Dynamic Clinical Trial</a:t>
+            </a:r>
+          </a:p>
+        </p:txBody>
+      </p:sp>
+    </p:spTree>
+    <p:extLst>
+      <p:ext uri="{BB962C8B-B14F-4D97-AF65-F5344CB8AC3E}">
+        <p14:creationId xmlns:p14="http://schemas.microsoft.com/office/powerpoint/2010/main" val="1502559206"/>
       </p:ext>
     </p:extLst>
   </p:cSld>
@@ -3435,10 +7939,2103 @@
       </p:grpSpPr>
       <p:sp>
         <p:nvSpPr>
-          <p:cNvPr id="2" name="Title 1">
+          <p:cNvPr id="6" name="Content Placeholder 2">
             <a:extLst>
               <a:ext uri="{FF2B5EF4-FFF2-40B4-BE49-F238E27FC236}">
-                <a16:creationId xmlns:a16="http://schemas.microsoft.com/office/drawing/2014/main" id="{02E4A3F0-C3F9-45CD-AB25-22A6FB6811E6}"/>
+                <a16:creationId xmlns:a16="http://schemas.microsoft.com/office/drawing/2014/main" id="{F78034EC-B329-4781-A1BA-A34ABD0D4747}"/>
+              </a:ext>
+            </a:extLst>
+          </p:cNvPr>
+          <p:cNvSpPr>
+            <a:spLocks noGrp="1"/>
+          </p:cNvSpPr>
+          <p:nvPr>
+            <p:ph idx="1"/>
+          </p:nvPr>
+        </p:nvSpPr>
+        <p:spPr>
+          <a:xfrm>
+            <a:off x="838200" y="1241571"/>
+            <a:ext cx="10515600" cy="4935392"/>
+          </a:xfrm>
+        </p:spPr>
+        <p:txBody>
+          <a:bodyPr/>
+          <a:lstStyle/>
+          <a:p>
+            <a:pPr marL="0" indent="0">
+              <a:buNone/>
+            </a:pPr>
+            <a:r>
+              <a:rPr lang="en-US" sz="4000" dirty="0"/>
+              <a:t>"As soon as you get to that space where you actually have something to play with and something tangible, that's when the real learning happens. Get out of Keynote, get out of PowerPoint, and just start building and start showing it off to people.“</a:t>
+            </a:r>
+          </a:p>
+          <a:p>
+            <a:pPr marL="0" indent="0">
+              <a:buNone/>
+            </a:pPr>
+            <a:r>
+              <a:rPr lang="en-US" dirty="0"/>
+              <a:t>Jack Dorsey, Twitter</a:t>
+            </a:r>
+          </a:p>
+        </p:txBody>
+      </p:sp>
+    </p:spTree>
+    <p:extLst>
+      <p:ext uri="{BB962C8B-B14F-4D97-AF65-F5344CB8AC3E}">
+        <p14:creationId xmlns:p14="http://schemas.microsoft.com/office/powerpoint/2010/main" val="3296555180"/>
+      </p:ext>
+    </p:extLst>
+  </p:cSld>
+  <p:clrMapOvr>
+    <a:masterClrMapping/>
+  </p:clrMapOvr>
+</p:sld>
+</file>
+
+<file path=ppt/slides/slide20.xml><?xml version="1.0" encoding="utf-8"?>
+<p:sld xmlns:a="http://schemas.openxmlformats.org/drawingml/2006/main" xmlns:r="http://schemas.openxmlformats.org/officeDocument/2006/relationships" xmlns:p="http://schemas.openxmlformats.org/presentationml/2006/main">
+  <p:cSld>
+    <p:spTree>
+      <p:nvGrpSpPr>
+        <p:cNvPr id="1" name=""/>
+        <p:cNvGrpSpPr/>
+        <p:nvPr/>
+      </p:nvGrpSpPr>
+      <p:grpSpPr>
+        <a:xfrm>
+          <a:off x="0" y="0"/>
+          <a:ext cx="0" cy="0"/>
+          <a:chOff x="0" y="0"/>
+          <a:chExt cx="0" cy="0"/>
+        </a:xfrm>
+      </p:grpSpPr>
+      <p:sp>
+        <p:nvSpPr>
+          <p:cNvPr id="3" name="Content Placeholder 2"/>
+          <p:cNvSpPr>
+            <a:spLocks noGrp="1"/>
+          </p:cNvSpPr>
+          <p:nvPr>
+            <p:ph idx="1"/>
+          </p:nvPr>
+        </p:nvSpPr>
+        <p:spPr>
+          <a:xfrm>
+            <a:off x="838200" y="1269948"/>
+            <a:ext cx="10515600" cy="5402851"/>
+          </a:xfrm>
+        </p:spPr>
+        <p:txBody>
+          <a:bodyPr/>
+          <a:lstStyle/>
+          <a:p>
+            <a:r>
+              <a:rPr lang="en-US" dirty="0"/>
+              <a:t>Patient Device submits various measures (blood pressure, blood glucose, etc.) </a:t>
+            </a:r>
+          </a:p>
+          <a:p>
+            <a:r>
+              <a:rPr lang="en-US" dirty="0" err="1"/>
+              <a:t>Scalably</a:t>
+            </a:r>
+            <a:r>
+              <a:rPr lang="en-US" dirty="0"/>
+              <a:t> support ever increasing number of patients</a:t>
+            </a:r>
+          </a:p>
+          <a:p>
+            <a:r>
+              <a:rPr lang="en-US" dirty="0"/>
+              <a:t>Dashboard for your doctor and you, can view history and real time values</a:t>
+            </a:r>
+          </a:p>
+          <a:p>
+            <a:r>
+              <a:rPr lang="en-US" dirty="0"/>
+              <a:t>If a criteria is exceeded (i.e. diastolic &gt; 100) then send an email to your doctor, with dashboard link embedded in the email.</a:t>
+            </a:r>
+          </a:p>
+          <a:p>
+            <a:endParaRPr lang="en-US" dirty="0"/>
+          </a:p>
+        </p:txBody>
+      </p:sp>
+      <p:sp>
+        <p:nvSpPr>
+          <p:cNvPr id="4" name="Title 1"/>
+          <p:cNvSpPr>
+            <a:spLocks noGrp="1"/>
+          </p:cNvSpPr>
+          <p:nvPr>
+            <p:ph type="title"/>
+          </p:nvPr>
+        </p:nvSpPr>
+        <p:spPr>
+          <a:xfrm>
+            <a:off x="838200" y="365125"/>
+            <a:ext cx="10515600" cy="695049"/>
+          </a:xfrm>
+        </p:spPr>
+        <p:txBody>
+          <a:bodyPr/>
+          <a:lstStyle/>
+          <a:p>
+            <a:r>
+              <a:rPr lang="en-US" dirty="0"/>
+              <a:t>Background: </a:t>
+            </a:r>
+            <a:r>
+              <a:rPr lang="en-US" dirty="0" err="1"/>
+              <a:t>YourPersonalizedMedicine.com</a:t>
+            </a:r>
+            <a:endParaRPr lang="en-US" dirty="0"/>
+          </a:p>
+        </p:txBody>
+      </p:sp>
+    </p:spTree>
+    <p:extLst>
+      <p:ext uri="{BB962C8B-B14F-4D97-AF65-F5344CB8AC3E}">
+        <p14:creationId xmlns:p14="http://schemas.microsoft.com/office/powerpoint/2010/main" val="1785328428"/>
+      </p:ext>
+    </p:extLst>
+  </p:cSld>
+  <p:clrMapOvr>
+    <a:masterClrMapping/>
+  </p:clrMapOvr>
+</p:sld>
+</file>
+
+<file path=ppt/slides/slide21.xml><?xml version="1.0" encoding="utf-8"?>
+<p:sld xmlns:a="http://schemas.openxmlformats.org/drawingml/2006/main" xmlns:r="http://schemas.openxmlformats.org/officeDocument/2006/relationships" xmlns:p="http://schemas.openxmlformats.org/presentationml/2006/main">
+  <p:cSld>
+    <p:spTree>
+      <p:nvGrpSpPr>
+        <p:cNvPr id="1" name=""/>
+        <p:cNvGrpSpPr/>
+        <p:nvPr/>
+      </p:nvGrpSpPr>
+      <p:grpSpPr>
+        <a:xfrm>
+          <a:off x="0" y="0"/>
+          <a:ext cx="0" cy="0"/>
+          <a:chOff x="0" y="0"/>
+          <a:chExt cx="0" cy="0"/>
+        </a:xfrm>
+      </p:grpSpPr>
+      <p:sp>
+        <p:nvSpPr>
+          <p:cNvPr id="3" name="Content Placeholder 2"/>
+          <p:cNvSpPr>
+            <a:spLocks noGrp="1"/>
+          </p:cNvSpPr>
+          <p:nvPr>
+            <p:ph idx="1"/>
+          </p:nvPr>
+        </p:nvSpPr>
+        <p:spPr>
+          <a:xfrm>
+            <a:off x="838200" y="1269948"/>
+            <a:ext cx="10515600" cy="5402851"/>
+          </a:xfrm>
+        </p:spPr>
+        <p:txBody>
+          <a:bodyPr/>
+          <a:lstStyle/>
+          <a:p>
+            <a:r>
+              <a:rPr lang="en-US" dirty="0"/>
+              <a:t>Simulator for patients sends Open </a:t>
+            </a:r>
+            <a:r>
+              <a:rPr lang="en-US" dirty="0" err="1"/>
+              <a:t>mHealth</a:t>
+            </a:r>
+            <a:r>
+              <a:rPr lang="en-US" dirty="0"/>
+              <a:t>/HK schema compliant JSON once per second for each of the following Open </a:t>
+            </a:r>
+            <a:r>
+              <a:rPr lang="en-US" dirty="0" err="1"/>
+              <a:t>mHealth</a:t>
+            </a:r>
+            <a:r>
+              <a:rPr lang="en-US" dirty="0"/>
+              <a:t>/HK Schemas: </a:t>
+            </a:r>
+          </a:p>
+          <a:p>
+            <a:pPr lvl="1"/>
+            <a:r>
+              <a:rPr lang="en-US" dirty="0" err="1"/>
+              <a:t>BloodGlucose</a:t>
+            </a:r>
+            <a:r>
+              <a:rPr lang="en-US" dirty="0"/>
+              <a:t>, </a:t>
+            </a:r>
+            <a:r>
+              <a:rPr lang="en-US" dirty="0" err="1"/>
+              <a:t>BloodPressure</a:t>
+            </a:r>
+            <a:r>
+              <a:rPr lang="en-US" dirty="0"/>
+              <a:t>, </a:t>
+            </a:r>
+            <a:r>
+              <a:rPr lang="en-US" dirty="0" err="1"/>
+              <a:t>BodyTemperature</a:t>
+            </a:r>
+            <a:r>
+              <a:rPr lang="en-US" dirty="0"/>
+              <a:t>, </a:t>
+            </a:r>
+            <a:r>
+              <a:rPr lang="en-US" dirty="0" err="1"/>
+              <a:t>HeartRate</a:t>
+            </a:r>
+            <a:r>
+              <a:rPr lang="en-US" dirty="0"/>
+              <a:t>, </a:t>
+            </a:r>
+            <a:r>
+              <a:rPr lang="en-US" dirty="0" err="1"/>
+              <a:t>HKWorkout</a:t>
+            </a:r>
+            <a:r>
+              <a:rPr lang="en-US" dirty="0"/>
+              <a:t>, </a:t>
+            </a:r>
+            <a:r>
+              <a:rPr lang="en-US" dirty="0" err="1"/>
+              <a:t>RespiratoryRate</a:t>
+            </a:r>
+            <a:r>
+              <a:rPr lang="en-US" dirty="0"/>
+              <a:t> </a:t>
+            </a:r>
+          </a:p>
+          <a:p>
+            <a:r>
+              <a:rPr lang="en-US" dirty="0"/>
+              <a:t>Speed Layer checks if Diastolic BP exceeds 100 and sends email</a:t>
+            </a:r>
+          </a:p>
+          <a:p>
+            <a:r>
+              <a:rPr lang="en-US" dirty="0"/>
+              <a:t>Batch Layer writes blocks of rows to database</a:t>
+            </a:r>
+          </a:p>
+          <a:p>
+            <a:r>
+              <a:rPr lang="en-US" dirty="0"/>
+              <a:t>Tableau dashboard with 2 sheets: embedded near </a:t>
+            </a:r>
+            <a:r>
+              <a:rPr lang="en-US" dirty="0" err="1"/>
+              <a:t>realtime</a:t>
+            </a:r>
+            <a:r>
+              <a:rPr lang="en-US" dirty="0"/>
+              <a:t> display and filterable historical data </a:t>
+            </a:r>
+          </a:p>
+          <a:p>
+            <a:endParaRPr lang="en-US" dirty="0"/>
+          </a:p>
+        </p:txBody>
+      </p:sp>
+      <p:sp>
+        <p:nvSpPr>
+          <p:cNvPr id="4" name="Title 1"/>
+          <p:cNvSpPr>
+            <a:spLocks noGrp="1"/>
+          </p:cNvSpPr>
+          <p:nvPr>
+            <p:ph type="title"/>
+          </p:nvPr>
+        </p:nvSpPr>
+        <p:spPr>
+          <a:xfrm>
+            <a:off x="838200" y="365125"/>
+            <a:ext cx="10515600" cy="695049"/>
+          </a:xfrm>
+        </p:spPr>
+        <p:txBody>
+          <a:bodyPr/>
+          <a:lstStyle/>
+          <a:p>
+            <a:r>
+              <a:rPr lang="en-US" dirty="0"/>
+              <a:t>Demo: </a:t>
+            </a:r>
+            <a:r>
+              <a:rPr lang="en-US" dirty="0" err="1"/>
+              <a:t>YourPersonalizedMedicine.com</a:t>
+            </a:r>
+            <a:endParaRPr lang="en-US" dirty="0"/>
+          </a:p>
+        </p:txBody>
+      </p:sp>
+    </p:spTree>
+    <p:extLst>
+      <p:ext uri="{BB962C8B-B14F-4D97-AF65-F5344CB8AC3E}">
+        <p14:creationId xmlns:p14="http://schemas.microsoft.com/office/powerpoint/2010/main" val="3244925180"/>
+      </p:ext>
+    </p:extLst>
+  </p:cSld>
+  <p:clrMapOvr>
+    <a:masterClrMapping/>
+  </p:clrMapOvr>
+</p:sld>
+</file>
+
+<file path=ppt/slides/slide22.xml><?xml version="1.0" encoding="utf-8"?>
+<p:sld xmlns:a="http://schemas.openxmlformats.org/drawingml/2006/main" xmlns:r="http://schemas.openxmlformats.org/officeDocument/2006/relationships" xmlns:p="http://schemas.openxmlformats.org/presentationml/2006/main">
+  <p:cSld>
+    <p:spTree>
+      <p:nvGrpSpPr>
+        <p:cNvPr id="1" name=""/>
+        <p:cNvGrpSpPr/>
+        <p:nvPr/>
+      </p:nvGrpSpPr>
+      <p:grpSpPr>
+        <a:xfrm>
+          <a:off x="0" y="0"/>
+          <a:ext cx="0" cy="0"/>
+          <a:chOff x="0" y="0"/>
+          <a:chExt cx="0" cy="0"/>
+        </a:xfrm>
+      </p:grpSpPr>
+      <p:sp>
+        <p:nvSpPr>
+          <p:cNvPr id="3" name="Content Placeholder 2"/>
+          <p:cNvSpPr>
+            <a:spLocks noGrp="1"/>
+          </p:cNvSpPr>
+          <p:nvPr>
+            <p:ph idx="1"/>
+          </p:nvPr>
+        </p:nvSpPr>
+        <p:spPr>
+          <a:xfrm>
+            <a:off x="838200" y="1269948"/>
+            <a:ext cx="10515600" cy="5402851"/>
+          </a:xfrm>
+        </p:spPr>
+        <p:txBody>
+          <a:bodyPr/>
+          <a:lstStyle/>
+          <a:p>
+            <a:r>
+              <a:rPr lang="en-US" dirty="0"/>
+              <a:t>Stream Flight Status data for Airframe and Engines</a:t>
+            </a:r>
+          </a:p>
+          <a:p>
+            <a:r>
+              <a:rPr lang="en-US" dirty="0" err="1"/>
+              <a:t>Scalably</a:t>
+            </a:r>
+            <a:r>
+              <a:rPr lang="en-US" dirty="0"/>
+              <a:t> support ever increasing number of flights</a:t>
+            </a:r>
+          </a:p>
+          <a:p>
+            <a:r>
+              <a:rPr lang="en-US" dirty="0"/>
+              <a:t>Dashboard for airline chief mechanic, view your history and real time values</a:t>
+            </a:r>
+          </a:p>
+          <a:p>
+            <a:r>
+              <a:rPr lang="en-US" dirty="0"/>
+              <a:t>If a criteria is exceeded (i.e. oil pressure &gt; 90) then send an email to that airlines chief mechanic, with dashboard link embedded in the email.</a:t>
+            </a:r>
+          </a:p>
+        </p:txBody>
+      </p:sp>
+      <p:sp>
+        <p:nvSpPr>
+          <p:cNvPr id="4" name="Title 1"/>
+          <p:cNvSpPr>
+            <a:spLocks noGrp="1"/>
+          </p:cNvSpPr>
+          <p:nvPr>
+            <p:ph type="title"/>
+          </p:nvPr>
+        </p:nvSpPr>
+        <p:spPr>
+          <a:xfrm>
+            <a:off x="838200" y="365125"/>
+            <a:ext cx="10515600" cy="695049"/>
+          </a:xfrm>
+        </p:spPr>
+        <p:txBody>
+          <a:bodyPr/>
+          <a:lstStyle/>
+          <a:p>
+            <a:r>
+              <a:rPr lang="en-US" dirty="0"/>
+              <a:t>Background: Big Data Black Box</a:t>
+            </a:r>
+          </a:p>
+        </p:txBody>
+      </p:sp>
+    </p:spTree>
+    <p:extLst>
+      <p:ext uri="{BB962C8B-B14F-4D97-AF65-F5344CB8AC3E}">
+        <p14:creationId xmlns:p14="http://schemas.microsoft.com/office/powerpoint/2010/main" val="4107597356"/>
+      </p:ext>
+    </p:extLst>
+  </p:cSld>
+  <p:clrMapOvr>
+    <a:masterClrMapping/>
+  </p:clrMapOvr>
+</p:sld>
+</file>
+
+<file path=ppt/slides/slide23.xml><?xml version="1.0" encoding="utf-8"?>
+<p:sld xmlns:a="http://schemas.openxmlformats.org/drawingml/2006/main" xmlns:r="http://schemas.openxmlformats.org/officeDocument/2006/relationships" xmlns:p="http://schemas.openxmlformats.org/presentationml/2006/main">
+  <p:cSld>
+    <p:spTree>
+      <p:nvGrpSpPr>
+        <p:cNvPr id="1" name=""/>
+        <p:cNvGrpSpPr/>
+        <p:nvPr/>
+      </p:nvGrpSpPr>
+      <p:grpSpPr>
+        <a:xfrm>
+          <a:off x="0" y="0"/>
+          <a:ext cx="0" cy="0"/>
+          <a:chOff x="0" y="0"/>
+          <a:chExt cx="0" cy="0"/>
+        </a:xfrm>
+      </p:grpSpPr>
+      <p:sp>
+        <p:nvSpPr>
+          <p:cNvPr id="3" name="Content Placeholder 2"/>
+          <p:cNvSpPr>
+            <a:spLocks noGrp="1"/>
+          </p:cNvSpPr>
+          <p:nvPr>
+            <p:ph idx="1"/>
+          </p:nvPr>
+        </p:nvSpPr>
+        <p:spPr>
+          <a:xfrm>
+            <a:off x="838200" y="1269948"/>
+            <a:ext cx="10515600" cy="5402851"/>
+          </a:xfrm>
+        </p:spPr>
+        <p:txBody>
+          <a:bodyPr/>
+          <a:lstStyle/>
+          <a:p>
+            <a:r>
+              <a:rPr lang="en-US" dirty="0"/>
+              <a:t>Simulator for Flights, in this case 3 flights (JFK-MUC, LAX-JFK, SFO-NRT) with 120 waypoints, one waypoint per second</a:t>
+            </a:r>
+          </a:p>
+          <a:p>
+            <a:pPr lvl="1"/>
+            <a:r>
+              <a:rPr lang="en-US" dirty="0"/>
+              <a:t>Review: How the Simulator works (too technical?)</a:t>
+            </a:r>
+          </a:p>
+          <a:p>
+            <a:r>
+              <a:rPr lang="en-US" dirty="0" err="1"/>
+              <a:t>AirframeStatus</a:t>
+            </a:r>
+            <a:r>
+              <a:rPr lang="en-US" dirty="0"/>
+              <a:t> and </a:t>
+            </a:r>
+            <a:r>
+              <a:rPr lang="en-US" dirty="0" err="1"/>
+              <a:t>EngineStatus</a:t>
+            </a:r>
+            <a:r>
+              <a:rPr lang="en-US" dirty="0"/>
+              <a:t> measures sent</a:t>
+            </a:r>
+          </a:p>
+          <a:p>
+            <a:r>
+              <a:rPr lang="en-US" dirty="0"/>
+              <a:t>Speed Layer checks if Oil Pressure exceeds 90 on any Engine and sends email</a:t>
+            </a:r>
+          </a:p>
+          <a:p>
+            <a:r>
+              <a:rPr lang="en-US" dirty="0"/>
+              <a:t>Batch Layer writes blocks of rows to database</a:t>
+            </a:r>
+          </a:p>
+          <a:p>
+            <a:r>
+              <a:rPr lang="en-US" dirty="0"/>
+              <a:t>Two Tableau dashboards</a:t>
+            </a:r>
+          </a:p>
+          <a:p>
+            <a:pPr lvl="1"/>
+            <a:r>
+              <a:rPr lang="en-US" dirty="0"/>
+              <a:t>2 sheets: Embedded Near </a:t>
+            </a:r>
+            <a:r>
+              <a:rPr lang="en-US" dirty="0" err="1"/>
+              <a:t>RealTime</a:t>
+            </a:r>
+            <a:r>
+              <a:rPr lang="en-US" dirty="0"/>
+              <a:t> display and filterable historical data </a:t>
+            </a:r>
+          </a:p>
+          <a:p>
+            <a:pPr lvl="1"/>
+            <a:r>
+              <a:rPr lang="en-US" dirty="0"/>
+              <a:t>1 sheet: World Map, filterable by Flight, mouse over displays flight status at any given waypoint</a:t>
+            </a:r>
+          </a:p>
+        </p:txBody>
+      </p:sp>
+      <p:sp>
+        <p:nvSpPr>
+          <p:cNvPr id="4" name="Title 1"/>
+          <p:cNvSpPr>
+            <a:spLocks noGrp="1"/>
+          </p:cNvSpPr>
+          <p:nvPr>
+            <p:ph type="title"/>
+          </p:nvPr>
+        </p:nvSpPr>
+        <p:spPr>
+          <a:xfrm>
+            <a:off x="838200" y="365125"/>
+            <a:ext cx="10515600" cy="695049"/>
+          </a:xfrm>
+        </p:spPr>
+        <p:txBody>
+          <a:bodyPr/>
+          <a:lstStyle/>
+          <a:p>
+            <a:r>
+              <a:rPr lang="en-US" dirty="0"/>
+              <a:t>Demo: Big Data Black Box</a:t>
+            </a:r>
+          </a:p>
+        </p:txBody>
+      </p:sp>
+    </p:spTree>
+    <p:extLst>
+      <p:ext uri="{BB962C8B-B14F-4D97-AF65-F5344CB8AC3E}">
+        <p14:creationId xmlns:p14="http://schemas.microsoft.com/office/powerpoint/2010/main" val="828266196"/>
+      </p:ext>
+    </p:extLst>
+  </p:cSld>
+  <p:clrMapOvr>
+    <a:masterClrMapping/>
+  </p:clrMapOvr>
+</p:sld>
+</file>
+
+<file path=ppt/slides/slide24.xml><?xml version="1.0" encoding="utf-8"?>
+<p:sld xmlns:a="http://schemas.openxmlformats.org/drawingml/2006/main" xmlns:r="http://schemas.openxmlformats.org/officeDocument/2006/relationships" xmlns:p="http://schemas.openxmlformats.org/presentationml/2006/main">
+  <p:cSld>
+    <p:spTree>
+      <p:nvGrpSpPr>
+        <p:cNvPr id="1" name=""/>
+        <p:cNvGrpSpPr/>
+        <p:nvPr/>
+      </p:nvGrpSpPr>
+      <p:grpSpPr>
+        <a:xfrm>
+          <a:off x="0" y="0"/>
+          <a:ext cx="0" cy="0"/>
+          <a:chOff x="0" y="0"/>
+          <a:chExt cx="0" cy="0"/>
+        </a:xfrm>
+      </p:grpSpPr>
+      <p:sp>
+        <p:nvSpPr>
+          <p:cNvPr id="3" name="Content Placeholder 2"/>
+          <p:cNvSpPr>
+            <a:spLocks noGrp="1"/>
+          </p:cNvSpPr>
+          <p:nvPr>
+            <p:ph idx="1"/>
+          </p:nvPr>
+        </p:nvSpPr>
+        <p:spPr>
+          <a:xfrm>
+            <a:off x="838200" y="1269948"/>
+            <a:ext cx="10515600" cy="5402851"/>
+          </a:xfrm>
+        </p:spPr>
+        <p:txBody>
+          <a:bodyPr/>
+          <a:lstStyle/>
+          <a:p>
+            <a:endParaRPr lang="en-US" dirty="0"/>
+          </a:p>
+        </p:txBody>
+      </p:sp>
+      <p:sp>
+        <p:nvSpPr>
+          <p:cNvPr id="4" name="Title 1"/>
+          <p:cNvSpPr>
+            <a:spLocks noGrp="1"/>
+          </p:cNvSpPr>
+          <p:nvPr>
+            <p:ph type="title"/>
+          </p:nvPr>
+        </p:nvSpPr>
+        <p:spPr>
+          <a:xfrm>
+            <a:off x="838200" y="365125"/>
+            <a:ext cx="10515600" cy="695049"/>
+          </a:xfrm>
+        </p:spPr>
+        <p:txBody>
+          <a:bodyPr/>
+          <a:lstStyle/>
+          <a:p>
+            <a:r>
+              <a:rPr lang="en-US" dirty="0"/>
+              <a:t>Title</a:t>
+            </a:r>
+          </a:p>
+        </p:txBody>
+      </p:sp>
+    </p:spTree>
+    <p:extLst>
+      <p:ext uri="{BB962C8B-B14F-4D97-AF65-F5344CB8AC3E}">
+        <p14:creationId xmlns:p14="http://schemas.microsoft.com/office/powerpoint/2010/main" val="4107597356"/>
+      </p:ext>
+    </p:extLst>
+  </p:cSld>
+  <p:clrMapOvr>
+    <a:masterClrMapping/>
+  </p:clrMapOvr>
+</p:sld>
+</file>
+
+<file path=ppt/slides/slide25.xml><?xml version="1.0" encoding="utf-8"?>
+<p:sld xmlns:a="http://schemas.openxmlformats.org/drawingml/2006/main" xmlns:r="http://schemas.openxmlformats.org/officeDocument/2006/relationships" xmlns:p="http://schemas.openxmlformats.org/presentationml/2006/main">
+  <p:cSld>
+    <p:spTree>
+      <p:nvGrpSpPr>
+        <p:cNvPr id="1" name=""/>
+        <p:cNvGrpSpPr/>
+        <p:nvPr/>
+      </p:nvGrpSpPr>
+      <p:grpSpPr>
+        <a:xfrm>
+          <a:off x="0" y="0"/>
+          <a:ext cx="0" cy="0"/>
+          <a:chOff x="0" y="0"/>
+          <a:chExt cx="0" cy="0"/>
+        </a:xfrm>
+      </p:grpSpPr>
+      <p:sp>
+        <p:nvSpPr>
+          <p:cNvPr id="3" name="Content Placeholder 2"/>
+          <p:cNvSpPr>
+            <a:spLocks noGrp="1"/>
+          </p:cNvSpPr>
+          <p:nvPr>
+            <p:ph idx="1"/>
+          </p:nvPr>
+        </p:nvSpPr>
+        <p:spPr>
+          <a:xfrm>
+            <a:off x="838200" y="1269948"/>
+            <a:ext cx="10515600" cy="5402851"/>
+          </a:xfrm>
+        </p:spPr>
+        <p:txBody>
+          <a:bodyPr/>
+          <a:lstStyle/>
+          <a:p>
+            <a:r>
+              <a:rPr lang="en-US" dirty="0" err="1"/>
+              <a:t>PostIt’s</a:t>
+            </a:r>
+            <a:r>
+              <a:rPr lang="en-US" dirty="0"/>
+              <a:t>  with iote2eRequet and Iote2eResult, </a:t>
+            </a:r>
+            <a:r>
+              <a:rPr lang="en-US"/>
+              <a:t>Ignite filter </a:t>
+            </a:r>
+            <a:r>
+              <a:rPr lang="en-US" dirty="0"/>
+              <a:t>for Temperature</a:t>
+            </a:r>
+          </a:p>
+          <a:p>
+            <a:r>
+              <a:rPr lang="en-US" dirty="0"/>
+              <a:t>Modify camera stand for 360 rotation</a:t>
+            </a:r>
+          </a:p>
+          <a:p>
+            <a:r>
+              <a:rPr lang="en-US" dirty="0"/>
+              <a:t>Verify </a:t>
+            </a:r>
+            <a:r>
+              <a:rPr lang="en-US" dirty="0" err="1"/>
+              <a:t>webex</a:t>
+            </a:r>
+            <a:r>
+              <a:rPr lang="en-US" dirty="0"/>
+              <a:t> will work ok</a:t>
+            </a:r>
+          </a:p>
+          <a:p>
+            <a:endParaRPr lang="en-US" dirty="0"/>
+          </a:p>
+        </p:txBody>
+      </p:sp>
+      <p:sp>
+        <p:nvSpPr>
+          <p:cNvPr id="4" name="Title 1"/>
+          <p:cNvSpPr>
+            <a:spLocks noGrp="1"/>
+          </p:cNvSpPr>
+          <p:nvPr>
+            <p:ph type="title"/>
+          </p:nvPr>
+        </p:nvSpPr>
+        <p:spPr>
+          <a:xfrm>
+            <a:off x="838200" y="365125"/>
+            <a:ext cx="10515600" cy="695049"/>
+          </a:xfrm>
+        </p:spPr>
+        <p:txBody>
+          <a:bodyPr/>
+          <a:lstStyle/>
+          <a:p>
+            <a:r>
+              <a:rPr lang="en-US" dirty="0" err="1"/>
+              <a:t>ToDo</a:t>
+            </a:r>
+            <a:endParaRPr lang="en-US" dirty="0"/>
+          </a:p>
+        </p:txBody>
+      </p:sp>
+    </p:spTree>
+    <p:extLst>
+      <p:ext uri="{BB962C8B-B14F-4D97-AF65-F5344CB8AC3E}">
+        <p14:creationId xmlns:p14="http://schemas.microsoft.com/office/powerpoint/2010/main" val="4107597356"/>
+      </p:ext>
+    </p:extLst>
+  </p:cSld>
+  <p:clrMapOvr>
+    <a:masterClrMapping/>
+  </p:clrMapOvr>
+</p:sld>
+</file>
+
+<file path=ppt/slides/slide3.xml><?xml version="1.0" encoding="utf-8"?>
+<p:sld xmlns:a="http://schemas.openxmlformats.org/drawingml/2006/main" xmlns:r="http://schemas.openxmlformats.org/officeDocument/2006/relationships" xmlns:p="http://schemas.openxmlformats.org/presentationml/2006/main">
+  <p:cSld>
+    <p:spTree>
+      <p:nvGrpSpPr>
+        <p:cNvPr id="1" name=""/>
+        <p:cNvGrpSpPr/>
+        <p:nvPr/>
+      </p:nvGrpSpPr>
+      <p:grpSpPr>
+        <a:xfrm>
+          <a:off x="0" y="0"/>
+          <a:ext cx="0" cy="0"/>
+          <a:chOff x="0" y="0"/>
+          <a:chExt cx="0" cy="0"/>
+        </a:xfrm>
+      </p:grpSpPr>
+      <p:sp>
+        <p:nvSpPr>
+          <p:cNvPr id="3" name="Content Placeholder 2"/>
+          <p:cNvSpPr>
+            <a:spLocks noGrp="1"/>
+          </p:cNvSpPr>
+          <p:nvPr>
+            <p:ph idx="1"/>
+          </p:nvPr>
+        </p:nvSpPr>
+        <p:spPr>
+          <a:xfrm>
+            <a:off x="838200" y="1269948"/>
+            <a:ext cx="10515600" cy="5402851"/>
+          </a:xfrm>
+        </p:spPr>
+        <p:txBody>
+          <a:bodyPr>
+            <a:normAutofit/>
+          </a:bodyPr>
+          <a:lstStyle/>
+          <a:p>
+            <a:r>
+              <a:rPr lang="en-US" dirty="0"/>
+              <a:t>Demonstrate Variety of Use Cases on Common Architecture</a:t>
+            </a:r>
+          </a:p>
+          <a:p>
+            <a:r>
+              <a:rPr lang="en-US" dirty="0"/>
+              <a:t>Understand the Basics of the Architecture</a:t>
+            </a:r>
+          </a:p>
+          <a:p>
+            <a:r>
+              <a:rPr lang="en-US" dirty="0"/>
+              <a:t>Realize Benefits and Complexities</a:t>
+            </a:r>
+          </a:p>
+          <a:p>
+            <a:r>
+              <a:rPr lang="en-US" dirty="0"/>
+              <a:t>Give me feedback!</a:t>
+            </a:r>
+          </a:p>
+          <a:p>
+            <a:endParaRPr lang="en-US" dirty="0"/>
+          </a:p>
+          <a:p>
+            <a:endParaRPr lang="en-US" dirty="0"/>
+          </a:p>
+        </p:txBody>
+      </p:sp>
+      <p:sp>
+        <p:nvSpPr>
+          <p:cNvPr id="4" name="Title 1"/>
+          <p:cNvSpPr>
+            <a:spLocks noGrp="1"/>
+          </p:cNvSpPr>
+          <p:nvPr>
+            <p:ph type="title"/>
+          </p:nvPr>
+        </p:nvSpPr>
+        <p:spPr>
+          <a:xfrm>
+            <a:off x="838200" y="365125"/>
+            <a:ext cx="10515600" cy="695049"/>
+          </a:xfrm>
+        </p:spPr>
+        <p:txBody>
+          <a:bodyPr/>
+          <a:lstStyle/>
+          <a:p>
+            <a:r>
+              <a:rPr lang="en-US" dirty="0"/>
+              <a:t>Objectives</a:t>
+            </a:r>
+          </a:p>
+        </p:txBody>
+      </p:sp>
+    </p:spTree>
+    <p:extLst>
+      <p:ext uri="{BB962C8B-B14F-4D97-AF65-F5344CB8AC3E}">
+        <p14:creationId xmlns:p14="http://schemas.microsoft.com/office/powerpoint/2010/main" val="4223875693"/>
+      </p:ext>
+    </p:extLst>
+  </p:cSld>
+  <p:clrMapOvr>
+    <a:masterClrMapping/>
+  </p:clrMapOvr>
+</p:sld>
+</file>
+
+<file path=ppt/slides/slide4.xml><?xml version="1.0" encoding="utf-8"?>
+<p:sld xmlns:a="http://schemas.openxmlformats.org/drawingml/2006/main" xmlns:r="http://schemas.openxmlformats.org/officeDocument/2006/relationships" xmlns:p="http://schemas.openxmlformats.org/presentationml/2006/main">
+  <p:cSld>
+    <p:spTree>
+      <p:nvGrpSpPr>
+        <p:cNvPr id="1" name=""/>
+        <p:cNvGrpSpPr/>
+        <p:nvPr/>
+      </p:nvGrpSpPr>
+      <p:grpSpPr>
+        <a:xfrm>
+          <a:off x="0" y="0"/>
+          <a:ext cx="0" cy="0"/>
+          <a:chOff x="0" y="0"/>
+          <a:chExt cx="0" cy="0"/>
+        </a:xfrm>
+      </p:grpSpPr>
+      <p:sp>
+        <p:nvSpPr>
+          <p:cNvPr id="3" name="Content Placeholder 2"/>
+          <p:cNvSpPr>
+            <a:spLocks noGrp="1"/>
+          </p:cNvSpPr>
+          <p:nvPr>
+            <p:ph idx="1"/>
+          </p:nvPr>
+        </p:nvSpPr>
+        <p:spPr>
+          <a:xfrm>
+            <a:off x="838200" y="1269948"/>
+            <a:ext cx="10515600" cy="5402851"/>
+          </a:xfrm>
+        </p:spPr>
+        <p:txBody>
+          <a:bodyPr>
+            <a:normAutofit lnSpcReduction="10000"/>
+          </a:bodyPr>
+          <a:lstStyle/>
+          <a:p>
+            <a:r>
+              <a:rPr lang="en-US" dirty="0" err="1"/>
+              <a:t>MyHomeGreenhouse.com</a:t>
+            </a:r>
+            <a:endParaRPr lang="en-US" dirty="0"/>
+          </a:p>
+          <a:p>
+            <a:pPr lvl="1"/>
+            <a:r>
+              <a:rPr lang="en-US" dirty="0"/>
+              <a:t>A greenhouse in your backyard that is remotely managed</a:t>
+            </a:r>
+          </a:p>
+          <a:p>
+            <a:pPr lvl="1"/>
+            <a:r>
+              <a:rPr lang="en-US" dirty="0"/>
+              <a:t>Sensor data is streamed from all greenhouses, actuators are instructed to perform tasks (i.e. turn on water, turn off fan)</a:t>
+            </a:r>
+          </a:p>
+          <a:p>
+            <a:r>
+              <a:rPr lang="en-US" dirty="0"/>
+              <a:t>Dynamic Clinical Trial</a:t>
+            </a:r>
+          </a:p>
+          <a:p>
+            <a:pPr lvl="1"/>
+            <a:r>
+              <a:rPr lang="en-US" dirty="0"/>
+              <a:t>A clinical trial for a blood pressure medication</a:t>
+            </a:r>
+          </a:p>
+          <a:p>
+            <a:pPr lvl="1"/>
+            <a:r>
+              <a:rPr lang="en-US" dirty="0"/>
+              <a:t>Number of Pills Dispensed Changes over course of Trial</a:t>
+            </a:r>
+          </a:p>
+          <a:p>
+            <a:r>
+              <a:rPr lang="en-US" dirty="0" err="1"/>
+              <a:t>YourPersonalizedMedicine.com</a:t>
+            </a:r>
+            <a:r>
+              <a:rPr lang="en-US" dirty="0"/>
+              <a:t> using Open </a:t>
+            </a:r>
+            <a:r>
+              <a:rPr lang="en-US" dirty="0" err="1"/>
+              <a:t>mHealth</a:t>
+            </a:r>
+            <a:r>
+              <a:rPr lang="en-US" dirty="0"/>
+              <a:t> and Apple HK</a:t>
+            </a:r>
+          </a:p>
+          <a:p>
+            <a:pPr lvl="1"/>
+            <a:r>
+              <a:rPr lang="en-US" dirty="0"/>
+              <a:t>Patient Device submits various measures (blood pressure, blood glucose, etc.) </a:t>
+            </a:r>
+          </a:p>
+          <a:p>
+            <a:pPr lvl="1"/>
+            <a:r>
+              <a:rPr lang="en-US" dirty="0"/>
+              <a:t>Dashboard for your doctor and you, can view history and real time values</a:t>
+            </a:r>
+          </a:p>
+          <a:p>
+            <a:r>
+              <a:rPr lang="en-US" dirty="0"/>
+              <a:t>Big Data Black Box</a:t>
+            </a:r>
+          </a:p>
+          <a:p>
+            <a:pPr lvl="1"/>
+            <a:r>
+              <a:rPr lang="en-US" dirty="0"/>
+              <a:t>Stream Flight Status data for Airframe and Engines</a:t>
+            </a:r>
+          </a:p>
+          <a:p>
+            <a:pPr lvl="1"/>
+            <a:r>
+              <a:rPr lang="en-US" dirty="0"/>
+              <a:t>Dashboard for airline chief mechanic, view your history and real time values</a:t>
+            </a:r>
+          </a:p>
+        </p:txBody>
+      </p:sp>
+      <p:sp>
+        <p:nvSpPr>
+          <p:cNvPr id="4" name="Title 1"/>
+          <p:cNvSpPr>
+            <a:spLocks noGrp="1"/>
+          </p:cNvSpPr>
+          <p:nvPr>
+            <p:ph type="title"/>
+          </p:nvPr>
+        </p:nvSpPr>
+        <p:spPr>
+          <a:xfrm>
+            <a:off x="838200" y="365125"/>
+            <a:ext cx="10515600" cy="695049"/>
+          </a:xfrm>
+        </p:spPr>
+        <p:txBody>
+          <a:bodyPr/>
+          <a:lstStyle/>
+          <a:p>
+            <a:r>
+              <a:rPr lang="en-US" dirty="0"/>
+              <a:t>Overview: Use Cases</a:t>
+            </a:r>
+          </a:p>
+        </p:txBody>
+      </p:sp>
+    </p:spTree>
+    <p:extLst>
+      <p:ext uri="{BB962C8B-B14F-4D97-AF65-F5344CB8AC3E}">
+        <p14:creationId xmlns:p14="http://schemas.microsoft.com/office/powerpoint/2010/main" val="1881036623"/>
+      </p:ext>
+    </p:extLst>
+  </p:cSld>
+  <p:clrMapOvr>
+    <a:masterClrMapping/>
+  </p:clrMapOvr>
+</p:sld>
+</file>
+
+<file path=ppt/slides/slide5.xml><?xml version="1.0" encoding="utf-8"?>
+<p:sld xmlns:a="http://schemas.openxmlformats.org/drawingml/2006/main" xmlns:r="http://schemas.openxmlformats.org/officeDocument/2006/relationships" xmlns:p="http://schemas.openxmlformats.org/presentationml/2006/main">
+  <p:cSld>
+    <p:spTree>
+      <p:nvGrpSpPr>
+        <p:cNvPr id="1" name=""/>
+        <p:cNvGrpSpPr/>
+        <p:nvPr/>
+      </p:nvGrpSpPr>
+      <p:grpSpPr>
+        <a:xfrm>
+          <a:off x="0" y="0"/>
+          <a:ext cx="0" cy="0"/>
+          <a:chOff x="0" y="0"/>
+          <a:chExt cx="0" cy="0"/>
+        </a:xfrm>
+      </p:grpSpPr>
+      <p:sp>
+        <p:nvSpPr>
+          <p:cNvPr id="3" name="Content Placeholder 2"/>
+          <p:cNvSpPr>
+            <a:spLocks noGrp="1"/>
+          </p:cNvSpPr>
+          <p:nvPr>
+            <p:ph idx="1"/>
+          </p:nvPr>
+        </p:nvSpPr>
+        <p:spPr>
+          <a:xfrm>
+            <a:off x="838200" y="1269948"/>
+            <a:ext cx="10515600" cy="5402851"/>
+          </a:xfrm>
+        </p:spPr>
+        <p:txBody>
+          <a:bodyPr/>
+          <a:lstStyle/>
+          <a:p>
+            <a:r>
+              <a:rPr lang="en-US" dirty="0"/>
+              <a:t>Review: Raspberry Pi Configuration</a:t>
+            </a:r>
+          </a:p>
+          <a:p>
+            <a:r>
+              <a:rPr lang="en-US" dirty="0"/>
+              <a:t>Demo: </a:t>
+            </a:r>
+            <a:r>
+              <a:rPr lang="en-US" dirty="0" err="1"/>
+              <a:t>MyHomeGreenhouse.com</a:t>
+            </a:r>
+            <a:endParaRPr lang="en-US" dirty="0"/>
+          </a:p>
+          <a:p>
+            <a:r>
+              <a:rPr lang="en-US" dirty="0"/>
+              <a:t>Review Architecture and Development/Demo Environment</a:t>
+            </a:r>
+          </a:p>
+          <a:p>
+            <a:r>
+              <a:rPr lang="en-US" dirty="0"/>
+              <a:t>Demo: Dynamic Clinical Trial</a:t>
+            </a:r>
+          </a:p>
+          <a:p>
+            <a:r>
+              <a:rPr lang="en-US" dirty="0"/>
+              <a:t>Demo: </a:t>
+            </a:r>
+            <a:r>
+              <a:rPr lang="en-US" dirty="0" err="1"/>
+              <a:t>YourPersonalizedMedicine.com</a:t>
+            </a:r>
+            <a:endParaRPr lang="en-US" dirty="0"/>
+          </a:p>
+          <a:p>
+            <a:r>
+              <a:rPr lang="en-US" dirty="0"/>
+              <a:t>Overview: Simulating Flight Status </a:t>
+            </a:r>
+          </a:p>
+          <a:p>
+            <a:r>
+              <a:rPr lang="en-US" dirty="0"/>
+              <a:t>Demo: Big Data Black Box</a:t>
+            </a:r>
+          </a:p>
+          <a:p>
+            <a:r>
+              <a:rPr lang="en-US" dirty="0"/>
+              <a:t>Q and A</a:t>
+            </a:r>
+          </a:p>
+        </p:txBody>
+      </p:sp>
+      <p:sp>
+        <p:nvSpPr>
+          <p:cNvPr id="4" name="Title 1"/>
+          <p:cNvSpPr>
+            <a:spLocks noGrp="1"/>
+          </p:cNvSpPr>
+          <p:nvPr>
+            <p:ph type="title"/>
+          </p:nvPr>
+        </p:nvSpPr>
+        <p:spPr>
+          <a:xfrm>
+            <a:off x="838200" y="365125"/>
+            <a:ext cx="10515600" cy="695049"/>
+          </a:xfrm>
+        </p:spPr>
+        <p:txBody>
+          <a:bodyPr/>
+          <a:lstStyle/>
+          <a:p>
+            <a:r>
+              <a:rPr lang="en-US" dirty="0"/>
+              <a:t>Sequence</a:t>
+            </a:r>
+          </a:p>
+        </p:txBody>
+      </p:sp>
+    </p:spTree>
+    <p:extLst>
+      <p:ext uri="{BB962C8B-B14F-4D97-AF65-F5344CB8AC3E}">
+        <p14:creationId xmlns:p14="http://schemas.microsoft.com/office/powerpoint/2010/main" val="1785328428"/>
+      </p:ext>
+    </p:extLst>
+  </p:cSld>
+  <p:clrMapOvr>
+    <a:masterClrMapping/>
+  </p:clrMapOvr>
+</p:sld>
+</file>
+
+<file path=ppt/slides/slide6.xml><?xml version="1.0" encoding="utf-8"?>
+<p:sld xmlns:a="http://schemas.openxmlformats.org/drawingml/2006/main" xmlns:r="http://schemas.openxmlformats.org/officeDocument/2006/relationships" xmlns:p="http://schemas.openxmlformats.org/presentationml/2006/main">
+  <p:cSld>
+    <p:spTree>
+      <p:nvGrpSpPr>
+        <p:cNvPr id="1" name=""/>
+        <p:cNvGrpSpPr/>
+        <p:nvPr/>
+      </p:nvGrpSpPr>
+      <p:grpSpPr>
+        <a:xfrm>
+          <a:off x="0" y="0"/>
+          <a:ext cx="0" cy="0"/>
+          <a:chOff x="0" y="0"/>
+          <a:chExt cx="0" cy="0"/>
+        </a:xfrm>
+      </p:grpSpPr>
+      <p:sp>
+        <p:nvSpPr>
+          <p:cNvPr id="4" name="Title 1"/>
+          <p:cNvSpPr>
+            <a:spLocks noGrp="1"/>
+          </p:cNvSpPr>
+          <p:nvPr>
+            <p:ph type="title"/>
+          </p:nvPr>
+        </p:nvSpPr>
+        <p:spPr>
+          <a:xfrm>
+            <a:off x="838200" y="365125"/>
+            <a:ext cx="10515600" cy="695049"/>
+          </a:xfrm>
+        </p:spPr>
+        <p:txBody>
+          <a:bodyPr/>
+          <a:lstStyle/>
+          <a:p>
+            <a:r>
+              <a:rPr lang="en-US" dirty="0"/>
+              <a:t>Review: Raspberry Pi Configuration</a:t>
+            </a:r>
+          </a:p>
+        </p:txBody>
+      </p:sp>
+      <p:pic>
+        <p:nvPicPr>
+          <p:cNvPr id="11" name="Content Placeholder 10">
+            <a:extLst>
+              <a:ext uri="{FF2B5EF4-FFF2-40B4-BE49-F238E27FC236}">
+                <a16:creationId xmlns:a16="http://schemas.microsoft.com/office/drawing/2014/main" id="{C486F701-28B8-4967-BD4F-0C264A27ABC1}"/>
+              </a:ext>
+            </a:extLst>
+          </p:cNvPr>
+          <p:cNvPicPr>
+            <a:picLocks noGrp="1" noChangeAspect="1"/>
+          </p:cNvPicPr>
+          <p:nvPr>
+            <p:ph idx="1"/>
+          </p:nvPr>
+        </p:nvPicPr>
+        <p:blipFill>
+          <a:blip r:embed="rId2">
+            <a:extLst>
+              <a:ext uri="{28A0092B-C50C-407E-A947-70E740481C1C}">
+                <a14:useLocalDpi xmlns:a14="http://schemas.microsoft.com/office/drawing/2010/main" val="0"/>
+              </a:ext>
+            </a:extLst>
+          </a:blip>
+          <a:stretch>
+            <a:fillRect/>
+          </a:stretch>
+        </p:blipFill>
+        <p:spPr>
+          <a:xfrm>
+            <a:off x="2071392" y="1142258"/>
+            <a:ext cx="7053943" cy="5290456"/>
+          </a:xfrm>
+        </p:spPr>
+      </p:pic>
+      <p:sp>
+        <p:nvSpPr>
+          <p:cNvPr id="12" name="Callout: Line 11">
+            <a:extLst>
+              <a:ext uri="{FF2B5EF4-FFF2-40B4-BE49-F238E27FC236}">
+                <a16:creationId xmlns:a16="http://schemas.microsoft.com/office/drawing/2014/main" id="{784A5991-67BF-4925-8720-CB4586436CFC}"/>
+              </a:ext>
+            </a:extLst>
+          </p:cNvPr>
+          <p:cNvSpPr/>
+          <p:nvPr/>
+        </p:nvSpPr>
+        <p:spPr>
+          <a:xfrm>
+            <a:off x="9255965" y="1535356"/>
+            <a:ext cx="2870718" cy="946587"/>
+          </a:xfrm>
+          <a:prstGeom prst="borderCallout1">
+            <a:avLst>
+              <a:gd name="adj1" fmla="val 48258"/>
+              <a:gd name="adj2" fmla="val 522"/>
+              <a:gd name="adj3" fmla="val 225352"/>
+              <a:gd name="adj4" fmla="val -72552"/>
+            </a:avLst>
+          </a:prstGeom>
+          <a:solidFill>
+            <a:schemeClr val="bg1">
+              <a:lumMod val="85000"/>
+            </a:schemeClr>
+          </a:solidFill>
+          <a:ln w="25400">
+            <a:solidFill>
+              <a:srgbClr val="FF0000"/>
+            </a:solidFill>
+            <a:headEnd type="none"/>
+            <a:tailEnd type="arrow"/>
+          </a:ln>
+        </p:spPr>
+        <p:style>
+          <a:lnRef idx="2">
+            <a:schemeClr val="accent1">
+              <a:shade val="50000"/>
+            </a:schemeClr>
+          </a:lnRef>
+          <a:fillRef idx="1">
+            <a:schemeClr val="accent1"/>
+          </a:fillRef>
+          <a:effectRef idx="0">
+            <a:schemeClr val="accent1"/>
+          </a:effectRef>
+          <a:fontRef idx="minor">
+            <a:schemeClr val="lt1"/>
+          </a:fontRef>
+        </p:style>
+        <p:txBody>
+          <a:bodyPr rtlCol="0" anchor="t" anchorCtr="0"/>
+          <a:lstStyle/>
+          <a:p>
+            <a:r>
+              <a:rPr lang="en-US" b="1" dirty="0">
+                <a:solidFill>
+                  <a:schemeClr val="tx1"/>
+                </a:solidFill>
+              </a:rPr>
+              <a:t>Raspberry Pi – ubuntu 16.06</a:t>
+            </a:r>
+          </a:p>
+          <a:p>
+            <a:r>
+              <a:rPr lang="en-US" b="1" dirty="0">
+                <a:solidFill>
+                  <a:schemeClr val="tx1"/>
+                </a:solidFill>
+              </a:rPr>
+              <a:t>Data Acquisition Board</a:t>
+            </a:r>
+          </a:p>
+          <a:p>
+            <a:r>
+              <a:rPr lang="en-US" b="1" dirty="0">
+                <a:solidFill>
+                  <a:schemeClr val="tx1"/>
+                </a:solidFill>
+              </a:rPr>
+              <a:t>Motor Control Board</a:t>
+            </a:r>
+          </a:p>
+        </p:txBody>
+      </p:sp>
+      <p:sp>
+        <p:nvSpPr>
+          <p:cNvPr id="14" name="Callout: Line 13">
+            <a:extLst>
+              <a:ext uri="{FF2B5EF4-FFF2-40B4-BE49-F238E27FC236}">
+                <a16:creationId xmlns:a16="http://schemas.microsoft.com/office/drawing/2014/main" id="{75F054F1-F429-4B2D-9099-3B8D85AA4123}"/>
+              </a:ext>
+            </a:extLst>
+          </p:cNvPr>
+          <p:cNvSpPr/>
+          <p:nvPr/>
+        </p:nvSpPr>
+        <p:spPr>
+          <a:xfrm>
+            <a:off x="9321282" y="3787486"/>
+            <a:ext cx="2752531" cy="653886"/>
+          </a:xfrm>
+          <a:prstGeom prst="borderCallout1">
+            <a:avLst>
+              <a:gd name="adj1" fmla="val 48258"/>
+              <a:gd name="adj2" fmla="val 522"/>
+              <a:gd name="adj3" fmla="val 147518"/>
+              <a:gd name="adj4" fmla="val -35643"/>
+            </a:avLst>
+          </a:prstGeom>
+          <a:solidFill>
+            <a:schemeClr val="bg1">
+              <a:lumMod val="85000"/>
+            </a:schemeClr>
+          </a:solidFill>
+          <a:ln w="25400">
+            <a:solidFill>
+              <a:srgbClr val="FF0000"/>
+            </a:solidFill>
+            <a:headEnd type="none"/>
+            <a:tailEnd type="arrow"/>
+          </a:ln>
+        </p:spPr>
+        <p:style>
+          <a:lnRef idx="2">
+            <a:schemeClr val="accent1">
+              <a:shade val="50000"/>
+            </a:schemeClr>
+          </a:lnRef>
+          <a:fillRef idx="1">
+            <a:schemeClr val="accent1"/>
+          </a:fillRef>
+          <a:effectRef idx="0">
+            <a:schemeClr val="accent1"/>
+          </a:effectRef>
+          <a:fontRef idx="minor">
+            <a:schemeClr val="lt1"/>
+          </a:fontRef>
+        </p:style>
+        <p:txBody>
+          <a:bodyPr rtlCol="0" anchor="t" anchorCtr="0"/>
+          <a:lstStyle/>
+          <a:p>
+            <a:r>
+              <a:rPr lang="en-US" b="1" dirty="0">
+                <a:solidFill>
+                  <a:schemeClr val="tx1"/>
+                </a:solidFill>
+              </a:rPr>
+              <a:t>Temperature Sensor</a:t>
+            </a:r>
+          </a:p>
+          <a:p>
+            <a:r>
+              <a:rPr lang="en-US" b="1" dirty="0">
+                <a:solidFill>
+                  <a:schemeClr val="tx1"/>
+                </a:solidFill>
+              </a:rPr>
+              <a:t>Fan</a:t>
+            </a:r>
+          </a:p>
+        </p:txBody>
+      </p:sp>
+      <p:sp>
+        <p:nvSpPr>
+          <p:cNvPr id="15" name="Callout: Line 14">
+            <a:extLst>
+              <a:ext uri="{FF2B5EF4-FFF2-40B4-BE49-F238E27FC236}">
+                <a16:creationId xmlns:a16="http://schemas.microsoft.com/office/drawing/2014/main" id="{E56DC984-2E8B-4F33-B2E7-D52538C81F17}"/>
+              </a:ext>
+            </a:extLst>
+          </p:cNvPr>
+          <p:cNvSpPr/>
+          <p:nvPr/>
+        </p:nvSpPr>
+        <p:spPr>
+          <a:xfrm>
+            <a:off x="307906" y="2008649"/>
+            <a:ext cx="1670177" cy="631914"/>
+          </a:xfrm>
+          <a:prstGeom prst="borderCallout1">
+            <a:avLst>
+              <a:gd name="adj1" fmla="val 45301"/>
+              <a:gd name="adj2" fmla="val 100183"/>
+              <a:gd name="adj3" fmla="val 236072"/>
+              <a:gd name="adj4" fmla="val 255425"/>
+            </a:avLst>
+          </a:prstGeom>
+          <a:solidFill>
+            <a:schemeClr val="bg1">
+              <a:lumMod val="85000"/>
+            </a:schemeClr>
+          </a:solidFill>
+          <a:ln w="25400">
+            <a:solidFill>
+              <a:srgbClr val="FF0000"/>
+            </a:solidFill>
+            <a:headEnd type="none"/>
+            <a:tailEnd type="arrow"/>
+          </a:ln>
+        </p:spPr>
+        <p:style>
+          <a:lnRef idx="2">
+            <a:schemeClr val="accent1">
+              <a:shade val="50000"/>
+            </a:schemeClr>
+          </a:lnRef>
+          <a:fillRef idx="1">
+            <a:schemeClr val="accent1"/>
+          </a:fillRef>
+          <a:effectRef idx="0">
+            <a:schemeClr val="accent1"/>
+          </a:effectRef>
+          <a:fontRef idx="minor">
+            <a:schemeClr val="lt1"/>
+          </a:fontRef>
+        </p:style>
+        <p:txBody>
+          <a:bodyPr rtlCol="0" anchor="t" anchorCtr="0"/>
+          <a:lstStyle/>
+          <a:p>
+            <a:r>
+              <a:rPr lang="en-US" b="1" dirty="0">
+                <a:solidFill>
+                  <a:schemeClr val="tx1"/>
+                </a:solidFill>
+              </a:rPr>
+              <a:t>Pill Dispenser</a:t>
+            </a:r>
+          </a:p>
+          <a:p>
+            <a:r>
+              <a:rPr lang="en-US" b="1" dirty="0">
+                <a:solidFill>
+                  <a:schemeClr val="tx1"/>
+                </a:solidFill>
+              </a:rPr>
+              <a:t>Stepper Motor</a:t>
+            </a:r>
+          </a:p>
+        </p:txBody>
+      </p:sp>
+      <p:sp>
+        <p:nvSpPr>
+          <p:cNvPr id="16" name="Callout: Line 15">
+            <a:extLst>
+              <a:ext uri="{FF2B5EF4-FFF2-40B4-BE49-F238E27FC236}">
+                <a16:creationId xmlns:a16="http://schemas.microsoft.com/office/drawing/2014/main" id="{7A3F1CA8-B734-4C2F-A57D-A0AF922818BB}"/>
+              </a:ext>
+            </a:extLst>
+          </p:cNvPr>
+          <p:cNvSpPr/>
+          <p:nvPr/>
+        </p:nvSpPr>
+        <p:spPr>
+          <a:xfrm>
+            <a:off x="452530" y="3589038"/>
+            <a:ext cx="1380927" cy="662545"/>
+          </a:xfrm>
+          <a:prstGeom prst="borderCallout1">
+            <a:avLst>
+              <a:gd name="adj1" fmla="val 45301"/>
+              <a:gd name="adj2" fmla="val 100183"/>
+              <a:gd name="adj3" fmla="val 190554"/>
+              <a:gd name="adj4" fmla="val 311166"/>
+            </a:avLst>
+          </a:prstGeom>
+          <a:solidFill>
+            <a:schemeClr val="bg1">
+              <a:lumMod val="85000"/>
+            </a:schemeClr>
+          </a:solidFill>
+          <a:ln w="25400">
+            <a:solidFill>
+              <a:srgbClr val="FF0000"/>
+            </a:solidFill>
+            <a:headEnd type="none"/>
+            <a:tailEnd type="arrow"/>
+          </a:ln>
+        </p:spPr>
+        <p:style>
+          <a:lnRef idx="2">
+            <a:schemeClr val="accent1">
+              <a:shade val="50000"/>
+            </a:schemeClr>
+          </a:lnRef>
+          <a:fillRef idx="1">
+            <a:schemeClr val="accent1"/>
+          </a:fillRef>
+          <a:effectRef idx="0">
+            <a:schemeClr val="accent1"/>
+          </a:effectRef>
+          <a:fontRef idx="minor">
+            <a:schemeClr val="lt1"/>
+          </a:fontRef>
+        </p:style>
+        <p:txBody>
+          <a:bodyPr rtlCol="0" anchor="t" anchorCtr="0"/>
+          <a:lstStyle/>
+          <a:p>
+            <a:r>
+              <a:rPr lang="en-US" b="1" dirty="0">
+                <a:solidFill>
+                  <a:schemeClr val="tx1"/>
+                </a:solidFill>
+              </a:rPr>
+              <a:t>Camera</a:t>
+            </a:r>
+          </a:p>
+          <a:p>
+            <a:r>
+              <a:rPr lang="en-US" b="1" dirty="0">
+                <a:solidFill>
+                  <a:schemeClr val="tx1"/>
+                </a:solidFill>
+              </a:rPr>
+              <a:t>LED</a:t>
+            </a:r>
+          </a:p>
+        </p:txBody>
+      </p:sp>
+      <p:sp>
+        <p:nvSpPr>
+          <p:cNvPr id="17" name="Callout: Line 16">
+            <a:extLst>
+              <a:ext uri="{FF2B5EF4-FFF2-40B4-BE49-F238E27FC236}">
+                <a16:creationId xmlns:a16="http://schemas.microsoft.com/office/drawing/2014/main" id="{BFBC4D67-EFD8-467C-84C9-DB06E3D6B772}"/>
+              </a:ext>
+            </a:extLst>
+          </p:cNvPr>
+          <p:cNvSpPr/>
+          <p:nvPr/>
+        </p:nvSpPr>
+        <p:spPr>
+          <a:xfrm>
+            <a:off x="214604" y="4711789"/>
+            <a:ext cx="1618853" cy="373362"/>
+          </a:xfrm>
+          <a:prstGeom prst="borderCallout1">
+            <a:avLst>
+              <a:gd name="adj1" fmla="val 45301"/>
+              <a:gd name="adj2" fmla="val 100183"/>
+              <a:gd name="adj3" fmla="val 70736"/>
+              <a:gd name="adj4" fmla="val 247685"/>
+            </a:avLst>
+          </a:prstGeom>
+          <a:solidFill>
+            <a:schemeClr val="bg1">
+              <a:lumMod val="85000"/>
+            </a:schemeClr>
+          </a:solidFill>
+          <a:ln w="25400">
+            <a:solidFill>
+              <a:srgbClr val="FF0000"/>
+            </a:solidFill>
+            <a:headEnd type="none"/>
+            <a:tailEnd type="arrow"/>
+          </a:ln>
+        </p:spPr>
+        <p:style>
+          <a:lnRef idx="2">
+            <a:schemeClr val="accent1">
+              <a:shade val="50000"/>
+            </a:schemeClr>
+          </a:lnRef>
+          <a:fillRef idx="1">
+            <a:schemeClr val="accent1"/>
+          </a:fillRef>
+          <a:effectRef idx="0">
+            <a:schemeClr val="accent1"/>
+          </a:effectRef>
+          <a:fontRef idx="minor">
+            <a:schemeClr val="lt1"/>
+          </a:fontRef>
+        </p:style>
+        <p:txBody>
+          <a:bodyPr rtlCol="0" anchor="t" anchorCtr="0"/>
+          <a:lstStyle/>
+          <a:p>
+            <a:r>
+              <a:rPr lang="en-US" b="1" dirty="0">
+                <a:solidFill>
+                  <a:schemeClr val="tx1"/>
+                </a:solidFill>
+              </a:rPr>
+              <a:t>Dispenser Cup</a:t>
+            </a:r>
+          </a:p>
+        </p:txBody>
+      </p:sp>
+      <p:sp>
+        <p:nvSpPr>
+          <p:cNvPr id="18" name="Callout: Line 17">
+            <a:extLst>
+              <a:ext uri="{FF2B5EF4-FFF2-40B4-BE49-F238E27FC236}">
+                <a16:creationId xmlns:a16="http://schemas.microsoft.com/office/drawing/2014/main" id="{8B956C6D-FFE5-43E1-AB8C-52E84E3BEF56}"/>
+              </a:ext>
+            </a:extLst>
+          </p:cNvPr>
+          <p:cNvSpPr/>
+          <p:nvPr/>
+        </p:nvSpPr>
+        <p:spPr>
+          <a:xfrm>
+            <a:off x="214604" y="5545357"/>
+            <a:ext cx="1618853" cy="373362"/>
+          </a:xfrm>
+          <a:prstGeom prst="borderCallout1">
+            <a:avLst>
+              <a:gd name="adj1" fmla="val 45301"/>
+              <a:gd name="adj2" fmla="val 100183"/>
+              <a:gd name="adj3" fmla="val 135713"/>
+              <a:gd name="adj4" fmla="val 350279"/>
+            </a:avLst>
+          </a:prstGeom>
+          <a:solidFill>
+            <a:schemeClr val="bg1">
+              <a:lumMod val="85000"/>
+            </a:schemeClr>
+          </a:solidFill>
+          <a:ln w="25400">
+            <a:solidFill>
+              <a:srgbClr val="FF0000"/>
+            </a:solidFill>
+            <a:headEnd type="none"/>
+            <a:tailEnd type="arrow"/>
+          </a:ln>
+        </p:spPr>
+        <p:style>
+          <a:lnRef idx="2">
+            <a:schemeClr val="accent1">
+              <a:shade val="50000"/>
+            </a:schemeClr>
+          </a:lnRef>
+          <a:fillRef idx="1">
+            <a:schemeClr val="accent1"/>
+          </a:fillRef>
+          <a:effectRef idx="0">
+            <a:schemeClr val="accent1"/>
+          </a:effectRef>
+          <a:fontRef idx="minor">
+            <a:schemeClr val="lt1"/>
+          </a:fontRef>
+        </p:style>
+        <p:txBody>
+          <a:bodyPr rtlCol="0" anchor="t" anchorCtr="0"/>
+          <a:lstStyle/>
+          <a:p>
+            <a:r>
+              <a:rPr lang="en-US" b="1" dirty="0">
+                <a:solidFill>
+                  <a:schemeClr val="tx1"/>
+                </a:solidFill>
+              </a:rPr>
+              <a:t>Alignment Cup</a:t>
+            </a:r>
+          </a:p>
+        </p:txBody>
+      </p:sp>
+    </p:spTree>
+    <p:extLst>
+      <p:ext uri="{BB962C8B-B14F-4D97-AF65-F5344CB8AC3E}">
+        <p14:creationId xmlns:p14="http://schemas.microsoft.com/office/powerpoint/2010/main" val="1785328428"/>
+      </p:ext>
+    </p:extLst>
+  </p:cSld>
+  <p:clrMapOvr>
+    <a:masterClrMapping/>
+  </p:clrMapOvr>
+</p:sld>
+</file>
+
+<file path=ppt/slides/slide7.xml><?xml version="1.0" encoding="utf-8"?>
+<p:sld xmlns:a="http://schemas.openxmlformats.org/drawingml/2006/main" xmlns:r="http://schemas.openxmlformats.org/officeDocument/2006/relationships" xmlns:p="http://schemas.openxmlformats.org/presentationml/2006/main">
+  <p:cSld>
+    <p:spTree>
+      <p:nvGrpSpPr>
+        <p:cNvPr id="1" name=""/>
+        <p:cNvGrpSpPr/>
+        <p:nvPr/>
+      </p:nvGrpSpPr>
+      <p:grpSpPr>
+        <a:xfrm>
+          <a:off x="0" y="0"/>
+          <a:ext cx="0" cy="0"/>
+          <a:chOff x="0" y="0"/>
+          <a:chExt cx="0" cy="0"/>
+        </a:xfrm>
+      </p:grpSpPr>
+      <p:sp>
+        <p:nvSpPr>
+          <p:cNvPr id="3" name="Content Placeholder 2"/>
+          <p:cNvSpPr>
+            <a:spLocks noGrp="1"/>
+          </p:cNvSpPr>
+          <p:nvPr>
+            <p:ph idx="1"/>
+          </p:nvPr>
+        </p:nvSpPr>
+        <p:spPr>
+          <a:xfrm>
+            <a:off x="838200" y="1269948"/>
+            <a:ext cx="10515600" cy="5402851"/>
+          </a:xfrm>
+        </p:spPr>
+        <p:txBody>
+          <a:bodyPr>
+            <a:normAutofit/>
+          </a:bodyPr>
+          <a:lstStyle/>
+          <a:p>
+            <a:pPr lvl="1"/>
+            <a:r>
+              <a:rPr lang="en-US" sz="2800" dirty="0"/>
+              <a:t>A greenhouse in your backyard that is remotely managed</a:t>
+            </a:r>
+          </a:p>
+          <a:p>
+            <a:pPr lvl="1"/>
+            <a:r>
+              <a:rPr lang="en-US" sz="2800" dirty="0"/>
+              <a:t>Sensor data is streamed from all greenhouses, actuators are instructed to perform tasks (i.e. turn on water, turn off fan)</a:t>
+            </a:r>
+          </a:p>
+        </p:txBody>
+      </p:sp>
+      <p:sp>
+        <p:nvSpPr>
+          <p:cNvPr id="4" name="Title 1"/>
+          <p:cNvSpPr>
+            <a:spLocks noGrp="1"/>
+          </p:cNvSpPr>
+          <p:nvPr>
+            <p:ph type="title"/>
+          </p:nvPr>
+        </p:nvSpPr>
+        <p:spPr>
+          <a:xfrm>
+            <a:off x="838200" y="365125"/>
+            <a:ext cx="10515600" cy="695049"/>
+          </a:xfrm>
+        </p:spPr>
+        <p:txBody>
+          <a:bodyPr/>
+          <a:lstStyle/>
+          <a:p>
+            <a:r>
+              <a:rPr lang="en-US" dirty="0"/>
+              <a:t>Background: </a:t>
+            </a:r>
+            <a:r>
+              <a:rPr lang="en-US" dirty="0" err="1"/>
+              <a:t>MyHomeGreenhouse.com</a:t>
+            </a:r>
+            <a:endParaRPr lang="en-US" dirty="0"/>
+          </a:p>
+        </p:txBody>
+      </p:sp>
+    </p:spTree>
+    <p:extLst>
+      <p:ext uri="{BB962C8B-B14F-4D97-AF65-F5344CB8AC3E}">
+        <p14:creationId xmlns:p14="http://schemas.microsoft.com/office/powerpoint/2010/main" val="3062993263"/>
+      </p:ext>
+    </p:extLst>
+  </p:cSld>
+  <p:clrMapOvr>
+    <a:masterClrMapping/>
+  </p:clrMapOvr>
+</p:sld>
+</file>
+
+<file path=ppt/slides/slide8.xml><?xml version="1.0" encoding="utf-8"?>
+<p:sld xmlns:a="http://schemas.openxmlformats.org/drawingml/2006/main" xmlns:r="http://schemas.openxmlformats.org/officeDocument/2006/relationships" xmlns:p="http://schemas.openxmlformats.org/presentationml/2006/main">
+  <p:cSld>
+    <p:spTree>
+      <p:nvGrpSpPr>
+        <p:cNvPr id="1" name=""/>
+        <p:cNvGrpSpPr/>
+        <p:nvPr/>
+      </p:nvGrpSpPr>
+      <p:grpSpPr>
+        <a:xfrm>
+          <a:off x="0" y="0"/>
+          <a:ext cx="0" cy="0"/>
+          <a:chOff x="0" y="0"/>
+          <a:chExt cx="0" cy="0"/>
+        </a:xfrm>
+      </p:grpSpPr>
+      <p:sp>
+        <p:nvSpPr>
+          <p:cNvPr id="3" name="Content Placeholder 2"/>
+          <p:cNvSpPr>
+            <a:spLocks noGrp="1"/>
+          </p:cNvSpPr>
+          <p:nvPr>
+            <p:ph idx="1"/>
+          </p:nvPr>
+        </p:nvSpPr>
+        <p:spPr>
+          <a:xfrm>
+            <a:off x="838200" y="1269948"/>
+            <a:ext cx="10515600" cy="5402851"/>
+          </a:xfrm>
+        </p:spPr>
+        <p:txBody>
+          <a:bodyPr/>
+          <a:lstStyle/>
+          <a:p>
+            <a:r>
+              <a:rPr lang="en-US" dirty="0"/>
+              <a:t>Temperature Sensor, blow dryer represents heat source</a:t>
+            </a:r>
+          </a:p>
+          <a:p>
+            <a:r>
+              <a:rPr lang="en-US" dirty="0"/>
+              <a:t>Laptop fan represents fan in a greenhouse</a:t>
+            </a:r>
+          </a:p>
+          <a:p>
+            <a:r>
+              <a:rPr lang="en-US" dirty="0"/>
+              <a:t>Review: Simple Rules</a:t>
+            </a:r>
+          </a:p>
+          <a:p>
+            <a:r>
+              <a:rPr lang="en-US" dirty="0"/>
+              <a:t>Iote2eRequest’s are sent every 2 seconds with the current temp</a:t>
+            </a:r>
+          </a:p>
+          <a:p>
+            <a:r>
+              <a:rPr lang="en-US" dirty="0"/>
+              <a:t>Speed Layer processes Rules</a:t>
+            </a:r>
+          </a:p>
+          <a:p>
+            <a:pPr lvl="1"/>
+            <a:r>
+              <a:rPr lang="en-US" dirty="0"/>
+              <a:t>If Temp &gt; 50C and Fan Off, then create Iote2eResult with fan=on</a:t>
+            </a:r>
+          </a:p>
+          <a:p>
+            <a:pPr lvl="1"/>
+            <a:r>
+              <a:rPr lang="en-US" dirty="0"/>
+              <a:t>If Temp &lt; 35C and Fan On, then create Iote2eResult with fan=off</a:t>
+            </a:r>
+          </a:p>
+          <a:p>
+            <a:r>
+              <a:rPr lang="en-US" dirty="0"/>
+              <a:t>Batch Layer writes blocks of rows to database</a:t>
+            </a:r>
+          </a:p>
+          <a:p>
+            <a:r>
+              <a:rPr lang="en-US" dirty="0"/>
+              <a:t>Display temperature graphs in Zeppelin</a:t>
+            </a:r>
+          </a:p>
+          <a:p>
+            <a:r>
+              <a:rPr lang="en-US" dirty="0"/>
+              <a:t>Display real time temperature in browser using Rickshaw, </a:t>
+            </a:r>
+            <a:r>
+              <a:rPr lang="en-US" dirty="0" err="1"/>
+              <a:t>WebSockets</a:t>
+            </a:r>
+            <a:r>
+              <a:rPr lang="en-US" dirty="0"/>
+              <a:t> and Ignite</a:t>
+            </a:r>
+          </a:p>
+        </p:txBody>
+      </p:sp>
+      <p:sp>
+        <p:nvSpPr>
+          <p:cNvPr id="4" name="Title 1"/>
+          <p:cNvSpPr>
+            <a:spLocks noGrp="1"/>
+          </p:cNvSpPr>
+          <p:nvPr>
+            <p:ph type="title"/>
+          </p:nvPr>
+        </p:nvSpPr>
+        <p:spPr>
+          <a:xfrm>
+            <a:off x="838200" y="365125"/>
+            <a:ext cx="10515600" cy="695049"/>
+          </a:xfrm>
+        </p:spPr>
+        <p:txBody>
+          <a:bodyPr/>
+          <a:lstStyle/>
+          <a:p>
+            <a:r>
+              <a:rPr lang="en-US" dirty="0"/>
+              <a:t>Demo: </a:t>
+            </a:r>
+            <a:r>
+              <a:rPr lang="en-US" dirty="0" err="1"/>
+              <a:t>MyHomeGreenhouse.com</a:t>
+            </a:r>
+            <a:endParaRPr lang="en-US" dirty="0"/>
+          </a:p>
+        </p:txBody>
+      </p:sp>
+    </p:spTree>
+    <p:extLst>
+      <p:ext uri="{BB962C8B-B14F-4D97-AF65-F5344CB8AC3E}">
+        <p14:creationId xmlns:p14="http://schemas.microsoft.com/office/powerpoint/2010/main" val="3384982911"/>
+      </p:ext>
+    </p:extLst>
+  </p:cSld>
+  <p:clrMapOvr>
+    <a:masterClrMapping/>
+  </p:clrMapOvr>
+</p:sld>
+</file>
+
+<file path=ppt/slides/slide9.xml><?xml version="1.0" encoding="utf-8"?>
+<p:sld xmlns:a="http://schemas.openxmlformats.org/drawingml/2006/main" xmlns:r="http://schemas.openxmlformats.org/officeDocument/2006/relationships" xmlns:p="http://schemas.openxmlformats.org/presentationml/2006/main">
+  <p:cSld>
+    <p:spTree>
+      <p:nvGrpSpPr>
+        <p:cNvPr id="1" name=""/>
+        <p:cNvGrpSpPr/>
+        <p:nvPr/>
+      </p:nvGrpSpPr>
+      <p:grpSpPr>
+        <a:xfrm>
+          <a:off x="0" y="0"/>
+          <a:ext cx="0" cy="0"/>
+          <a:chOff x="0" y="0"/>
+          <a:chExt cx="0" cy="0"/>
+        </a:xfrm>
+      </p:grpSpPr>
+      <p:pic>
+        <p:nvPicPr>
+          <p:cNvPr id="5" name="Picture 4">
+            <a:extLst>
+              <a:ext uri="{FF2B5EF4-FFF2-40B4-BE49-F238E27FC236}">
+                <a16:creationId xmlns:a16="http://schemas.microsoft.com/office/drawing/2014/main" id="{9F4111D1-931F-404B-A5FF-534BA0F89B4F}"/>
+              </a:ext>
+            </a:extLst>
+          </p:cNvPr>
+          <p:cNvPicPr>
+            <a:picLocks noChangeAspect="1"/>
+          </p:cNvPicPr>
+          <p:nvPr/>
+        </p:nvPicPr>
+        <p:blipFill>
+          <a:blip r:embed="rId2">
+            <a:extLst>
+              <a:ext uri="{28A0092B-C50C-407E-A947-70E740481C1C}">
+                <a14:useLocalDpi xmlns:a14="http://schemas.microsoft.com/office/drawing/2010/main" val="0"/>
+              </a:ext>
+            </a:extLst>
+          </a:blip>
+          <a:stretch>
+            <a:fillRect/>
+          </a:stretch>
+        </p:blipFill>
+        <p:spPr>
+          <a:xfrm rot="10800000">
+            <a:off x="2438399" y="1292575"/>
+            <a:ext cx="7360357" cy="5520269"/>
+          </a:xfrm>
+          <a:prstGeom prst="rect">
+            <a:avLst/>
+          </a:prstGeom>
+        </p:spPr>
+      </p:pic>
+      <p:sp>
+        <p:nvSpPr>
+          <p:cNvPr id="6" name="Title 1">
+            <a:extLst>
+              <a:ext uri="{FF2B5EF4-FFF2-40B4-BE49-F238E27FC236}">
+                <a16:creationId xmlns:a16="http://schemas.microsoft.com/office/drawing/2014/main" id="{110661F6-1D2B-4E30-A00B-60A4AF8003C8}"/>
               </a:ext>
             </a:extLst>
           </p:cNvPr>
@@ -3449,44 +10046,165 @@
             <p:ph type="title"/>
           </p:nvPr>
         </p:nvSpPr>
-        <p:spPr/>
+        <p:spPr>
+          <a:xfrm>
+            <a:off x="838200" y="365125"/>
+            <a:ext cx="10515600" cy="695049"/>
+          </a:xfrm>
+        </p:spPr>
         <p:txBody>
           <a:bodyPr/>
           <a:lstStyle/>
           <a:p>
-            <a:endParaRPr lang="en-US"/>
-          </a:p>
-        </p:txBody>
-      </p:sp>
-      <p:sp>
-        <p:nvSpPr>
-          <p:cNvPr id="3" name="Content Placeholder 2">
+            <a:r>
+              <a:rPr lang="en-US" dirty="0"/>
+              <a:t>Temperature Sensor and Fan</a:t>
+            </a:r>
+          </a:p>
+        </p:txBody>
+      </p:sp>
+      <p:sp>
+        <p:nvSpPr>
+          <p:cNvPr id="7" name="Callout: Line 6">
             <a:extLst>
               <a:ext uri="{FF2B5EF4-FFF2-40B4-BE49-F238E27FC236}">
-                <a16:creationId xmlns:a16="http://schemas.microsoft.com/office/drawing/2014/main" id="{8AB7A06B-2B57-460D-B91A-3A921105D0BB}"/>
+                <a16:creationId xmlns:a16="http://schemas.microsoft.com/office/drawing/2014/main" id="{811760C8-1A55-4B25-B2D4-C075B1CBCD18}"/>
               </a:ext>
             </a:extLst>
           </p:cNvPr>
-          <p:cNvSpPr>
-            <a:spLocks noGrp="1"/>
-          </p:cNvSpPr>
-          <p:nvPr>
-            <p:ph idx="1"/>
-          </p:nvPr>
-        </p:nvSpPr>
-        <p:spPr/>
-        <p:txBody>
-          <a:bodyPr/>
-          <a:lstStyle/>
-          <a:p>
-            <a:endParaRPr lang="en-US"/>
+          <p:cNvSpPr/>
+          <p:nvPr/>
+        </p:nvSpPr>
+        <p:spPr>
+          <a:xfrm>
+            <a:off x="7537638" y="3813348"/>
+            <a:ext cx="2148229" cy="434558"/>
+          </a:xfrm>
+          <a:prstGeom prst="borderCallout1">
+            <a:avLst>
+              <a:gd name="adj1" fmla="val 48258"/>
+              <a:gd name="adj2" fmla="val 522"/>
+              <a:gd name="adj3" fmla="val 134529"/>
+              <a:gd name="adj4" fmla="val -34066"/>
+            </a:avLst>
+          </a:prstGeom>
+          <a:solidFill>
+            <a:schemeClr val="bg1">
+              <a:lumMod val="85000"/>
+            </a:schemeClr>
+          </a:solidFill>
+          <a:ln w="25400">
+            <a:solidFill>
+              <a:srgbClr val="FF0000"/>
+            </a:solidFill>
+            <a:headEnd type="none"/>
+            <a:tailEnd type="arrow"/>
+          </a:ln>
+        </p:spPr>
+        <p:style>
+          <a:lnRef idx="2">
+            <a:schemeClr val="accent1">
+              <a:shade val="50000"/>
+            </a:schemeClr>
+          </a:lnRef>
+          <a:fillRef idx="1">
+            <a:schemeClr val="accent1"/>
+          </a:fillRef>
+          <a:effectRef idx="0">
+            <a:schemeClr val="accent1"/>
+          </a:effectRef>
+          <a:fontRef idx="minor">
+            <a:schemeClr val="lt1"/>
+          </a:fontRef>
+        </p:style>
+        <p:txBody>
+          <a:bodyPr rtlCol="0" anchor="t" anchorCtr="0"/>
+          <a:lstStyle/>
+          <a:p>
+            <a:r>
+              <a:rPr lang="en-US" b="1" dirty="0">
+                <a:solidFill>
+                  <a:schemeClr val="tx1"/>
+                </a:solidFill>
+              </a:rPr>
+              <a:t>Temperature Sensor</a:t>
+            </a:r>
+          </a:p>
+        </p:txBody>
+      </p:sp>
+      <p:sp>
+        <p:nvSpPr>
+          <p:cNvPr id="8" name="Callout: Line 7">
+            <a:extLst>
+              <a:ext uri="{FF2B5EF4-FFF2-40B4-BE49-F238E27FC236}">
+                <a16:creationId xmlns:a16="http://schemas.microsoft.com/office/drawing/2014/main" id="{FEF040E1-7E01-464A-A357-FC60C66835B6}"/>
+              </a:ext>
+            </a:extLst>
+          </p:cNvPr>
+          <p:cNvSpPr/>
+          <p:nvPr/>
+        </p:nvSpPr>
+        <p:spPr>
+          <a:xfrm>
+            <a:off x="2994928" y="2910797"/>
+            <a:ext cx="1618853" cy="373362"/>
+          </a:xfrm>
+          <a:prstGeom prst="borderCallout1">
+            <a:avLst>
+              <a:gd name="adj1" fmla="val 45301"/>
+              <a:gd name="adj2" fmla="val 100183"/>
+              <a:gd name="adj3" fmla="val 191679"/>
+              <a:gd name="adj4" fmla="val 159123"/>
+            </a:avLst>
+          </a:prstGeom>
+          <a:solidFill>
+            <a:schemeClr val="bg1">
+              <a:lumMod val="85000"/>
+            </a:schemeClr>
+          </a:solidFill>
+          <a:ln w="25400">
+            <a:solidFill>
+              <a:srgbClr val="FF0000"/>
+            </a:solidFill>
+            <a:headEnd type="none"/>
+            <a:tailEnd type="arrow"/>
+          </a:ln>
+        </p:spPr>
+        <p:style>
+          <a:lnRef idx="2">
+            <a:schemeClr val="accent1">
+              <a:shade val="50000"/>
+            </a:schemeClr>
+          </a:lnRef>
+          <a:fillRef idx="1">
+            <a:schemeClr val="accent1"/>
+          </a:fillRef>
+          <a:effectRef idx="0">
+            <a:schemeClr val="accent1"/>
+          </a:effectRef>
+          <a:fontRef idx="minor">
+            <a:schemeClr val="lt1"/>
+          </a:fontRef>
+        </p:style>
+        <p:txBody>
+          <a:bodyPr rtlCol="0" anchor="t" anchorCtr="0"/>
+          <a:lstStyle/>
+          <a:p>
+            <a:r>
+              <a:rPr lang="en-US" b="1" dirty="0">
+                <a:solidFill>
+                  <a:schemeClr val="tx1"/>
+                </a:solidFill>
+              </a:rPr>
+              <a:t>Laptop Fan</a:t>
+            </a:r>
           </a:p>
         </p:txBody>
       </p:sp>
     </p:spTree>
     <p:extLst>
       <p:ext uri="{BB962C8B-B14F-4D97-AF65-F5344CB8AC3E}">
-        <p14:creationId xmlns:p14="http://schemas.microsoft.com/office/powerpoint/2010/main" val="624303700"/>
+        <p14:creationId xmlns:p14="http://schemas.microsoft.com/office/powerpoint/2010/main" val="2507134920"/>
       </p:ext>
     </p:extLst>
   </p:cSld>
@@ -3539,7 +10257,7 @@
     </a:clrScheme>
     <a:fontScheme name="Office">
       <a:majorFont>
-        <a:latin typeface="Calibri Light" panose="020F0302020204030204"/>
+        <a:latin typeface="Calibri Light"/>
         <a:ea typeface=""/>
         <a:cs typeface=""/>
         <a:font script="Jpan" typeface="游ゴシック Light"/>
@@ -3591,7 +10309,7 @@
         <a:font script="Tfng" typeface="Ebrima"/>
       </a:majorFont>
       <a:minorFont>
-        <a:latin typeface="Calibri" panose="020F0502020204030204"/>
+        <a:latin typeface="Calibri"/>
         <a:ea typeface=""/>
         <a:cs typeface=""/>
         <a:font script="Jpan" typeface="游ゴシック"/>

--- a/iote2e-common/src/site/markdown/slides/iote2e-dryrun-20170904.pptx
+++ b/iote2e-common/src/site/markdown/slides/iote2e-dryrun-20170904.pptx
@@ -29,7 +29,6 @@
     <p:sldId id="266" r:id="rId23"/>
     <p:sldId id="277" r:id="rId24"/>
     <p:sldId id="267" r:id="rId25"/>
-    <p:sldId id="268" r:id="rId26"/>
   </p:sldIdLst>
   <p:sldSz cx="12192000" cy="6858000"/>
   <p:notesSz cx="6858000" cy="9144000"/>
@@ -298,7 +297,7 @@
           <a:p>
             <a:fld id="{4CCA9920-0E06-4E18-AD55-2E6B451EB982}" type="datetimeFigureOut">
               <a:rPr lang="en-US" smtClean="0"/>
-              <a:t>9/6/2017</a:t>
+              <a:t>9/7/2017</a:t>
             </a:fld>
             <a:endParaRPr lang="en-US"/>
           </a:p>
@@ -496,7 +495,7 @@
           <a:p>
             <a:fld id="{4CCA9920-0E06-4E18-AD55-2E6B451EB982}" type="datetimeFigureOut">
               <a:rPr lang="en-US" smtClean="0"/>
-              <a:t>9/6/2017</a:t>
+              <a:t>9/7/2017</a:t>
             </a:fld>
             <a:endParaRPr lang="en-US"/>
           </a:p>
@@ -704,7 +703,7 @@
           <a:p>
             <a:fld id="{4CCA9920-0E06-4E18-AD55-2E6B451EB982}" type="datetimeFigureOut">
               <a:rPr lang="en-US" smtClean="0"/>
-              <a:t>9/6/2017</a:t>
+              <a:t>9/7/2017</a:t>
             </a:fld>
             <a:endParaRPr lang="en-US"/>
           </a:p>
@@ -902,7 +901,7 @@
           <a:p>
             <a:fld id="{4CCA9920-0E06-4E18-AD55-2E6B451EB982}" type="datetimeFigureOut">
               <a:rPr lang="en-US" smtClean="0"/>
-              <a:t>9/6/2017</a:t>
+              <a:t>9/7/2017</a:t>
             </a:fld>
             <a:endParaRPr lang="en-US"/>
           </a:p>
@@ -1177,7 +1176,7 @@
           <a:p>
             <a:fld id="{4CCA9920-0E06-4E18-AD55-2E6B451EB982}" type="datetimeFigureOut">
               <a:rPr lang="en-US" smtClean="0"/>
-              <a:t>9/6/2017</a:t>
+              <a:t>9/7/2017</a:t>
             </a:fld>
             <a:endParaRPr lang="en-US"/>
           </a:p>
@@ -1442,7 +1441,7 @@
           <a:p>
             <a:fld id="{4CCA9920-0E06-4E18-AD55-2E6B451EB982}" type="datetimeFigureOut">
               <a:rPr lang="en-US" smtClean="0"/>
-              <a:t>9/6/2017</a:t>
+              <a:t>9/7/2017</a:t>
             </a:fld>
             <a:endParaRPr lang="en-US"/>
           </a:p>
@@ -1854,7 +1853,7 @@
           <a:p>
             <a:fld id="{4CCA9920-0E06-4E18-AD55-2E6B451EB982}" type="datetimeFigureOut">
               <a:rPr lang="en-US" smtClean="0"/>
-              <a:t>9/6/2017</a:t>
+              <a:t>9/7/2017</a:t>
             </a:fld>
             <a:endParaRPr lang="en-US"/>
           </a:p>
@@ -1995,7 +1994,7 @@
           <a:p>
             <a:fld id="{4CCA9920-0E06-4E18-AD55-2E6B451EB982}" type="datetimeFigureOut">
               <a:rPr lang="en-US" smtClean="0"/>
-              <a:t>9/6/2017</a:t>
+              <a:t>9/7/2017</a:t>
             </a:fld>
             <a:endParaRPr lang="en-US"/>
           </a:p>
@@ -2108,7 +2107,7 @@
           <a:p>
             <a:fld id="{4CCA9920-0E06-4E18-AD55-2E6B451EB982}" type="datetimeFigureOut">
               <a:rPr lang="en-US" smtClean="0"/>
-              <a:t>9/6/2017</a:t>
+              <a:t>9/7/2017</a:t>
             </a:fld>
             <a:endParaRPr lang="en-US"/>
           </a:p>
@@ -2419,7 +2418,7 @@
           <a:p>
             <a:fld id="{4CCA9920-0E06-4E18-AD55-2E6B451EB982}" type="datetimeFigureOut">
               <a:rPr lang="en-US" smtClean="0"/>
-              <a:t>9/6/2017</a:t>
+              <a:t>9/7/2017</a:t>
             </a:fld>
             <a:endParaRPr lang="en-US"/>
           </a:p>
@@ -2707,7 +2706,7 @@
           <a:p>
             <a:fld id="{4CCA9920-0E06-4E18-AD55-2E6B451EB982}" type="datetimeFigureOut">
               <a:rPr lang="en-US" smtClean="0"/>
-              <a:t>9/6/2017</a:t>
+              <a:t>9/7/2017</a:t>
             </a:fld>
             <a:endParaRPr lang="en-US"/>
           </a:p>
@@ -2948,7 +2947,7 @@
           <a:p>
             <a:fld id="{4CCA9920-0E06-4E18-AD55-2E6B451EB982}" type="datetimeFigureOut">
               <a:rPr lang="en-US" smtClean="0"/>
-              <a:t>9/6/2017</a:t>
+              <a:t>9/7/2017</a:t>
             </a:fld>
             <a:endParaRPr lang="en-US"/>
           </a:p>
@@ -6320,20 +6319,12 @@
           <a:p>
             <a:pPr algn="ctr"/>
             <a:r>
-              <a:rPr lang="en-US" dirty="0" err="1">
+              <a:rPr lang="en-US" dirty="0">
                 <a:solidFill>
                   <a:schemeClr val="tx1"/>
                 </a:solidFill>
               </a:rPr>
-              <a:t>ubuntu</a:t>
-            </a:r>
-            <a:r>
-              <a:rPr lang="en-US" dirty="0">
-                <a:solidFill>
-                  <a:schemeClr val="tx1"/>
-                </a:solidFill>
-              </a:rPr>
-              <a:t> 16.06</a:t>
+              <a:t>ubuntu 16.04</a:t>
             </a:r>
           </a:p>
         </p:txBody>
@@ -6443,111 +6434,7 @@
                   <a:schemeClr val="tx1"/>
                 </a:solidFill>
               </a:rPr>
-              <a:t>25</a:t>
-            </a:r>
-            <a:r>
-              <a:rPr lang="en-US" dirty="0">
-                <a:solidFill>
-                  <a:schemeClr val="tx1"/>
-                </a:solidFill>
-              </a:rPr>
-              <a:t> Virtual Servers</a:t>
-            </a:r>
-          </a:p>
-          <a:p>
-            <a:pPr marL="1200150" lvl="2" indent="-285750">
-              <a:buFont typeface="Arial"/>
-              <a:buChar char="•"/>
-            </a:pPr>
-            <a:r>
-              <a:rPr lang="en-US" dirty="0">
-                <a:solidFill>
-                  <a:schemeClr val="tx1"/>
-                </a:solidFill>
-              </a:rPr>
-              <a:t>3x Cassandra</a:t>
-            </a:r>
-          </a:p>
-          <a:p>
-            <a:pPr marL="1200150" lvl="2" indent="-285750">
-              <a:buFont typeface="Arial"/>
-              <a:buChar char="•"/>
-            </a:pPr>
-            <a:r>
-              <a:rPr lang="en-US" dirty="0">
-                <a:solidFill>
-                  <a:schemeClr val="tx1"/>
-                </a:solidFill>
-              </a:rPr>
-              <a:t>3x Ignite</a:t>
-            </a:r>
-          </a:p>
-          <a:p>
-            <a:pPr marL="1200150" lvl="2" indent="-285750">
-              <a:buFont typeface="Arial"/>
-              <a:buChar char="•"/>
-            </a:pPr>
-            <a:r>
-              <a:rPr lang="en-US" dirty="0">
-                <a:solidFill>
-                  <a:schemeClr val="tx1"/>
-                </a:solidFill>
-              </a:rPr>
-              <a:t>6x Kafka (3x </a:t>
-            </a:r>
-            <a:r>
-              <a:rPr lang="en-US" dirty="0" err="1">
-                <a:solidFill>
-                  <a:schemeClr val="tx1"/>
-                </a:solidFill>
-              </a:rPr>
-              <a:t>zk</a:t>
-            </a:r>
-            <a:r>
-              <a:rPr lang="en-US" dirty="0">
-                <a:solidFill>
-                  <a:schemeClr val="tx1"/>
-                </a:solidFill>
-              </a:rPr>
-              <a:t>, 3x </a:t>
-            </a:r>
-            <a:r>
-              <a:rPr lang="en-US" dirty="0" err="1">
-                <a:solidFill>
-                  <a:schemeClr val="tx1"/>
-                </a:solidFill>
-              </a:rPr>
-              <a:t>kafka</a:t>
-            </a:r>
-            <a:r>
-              <a:rPr lang="en-US" dirty="0">
-                <a:solidFill>
-                  <a:schemeClr val="tx1"/>
-                </a:solidFill>
-              </a:rPr>
-              <a:t>)</a:t>
-            </a:r>
-          </a:p>
-          <a:p>
-            <a:pPr marL="1200150" lvl="2" indent="-285750">
-              <a:buFont typeface="Arial"/>
-              <a:buChar char="•"/>
-            </a:pPr>
-            <a:r>
-              <a:rPr lang="en-US" dirty="0">
-                <a:solidFill>
-                  <a:schemeClr val="tx1"/>
-                </a:solidFill>
-              </a:rPr>
-              <a:t>1x </a:t>
-            </a:r>
-            <a:r>
-              <a:rPr lang="en-US" dirty="0" err="1">
-                <a:solidFill>
-                  <a:schemeClr val="tx1"/>
-                </a:solidFill>
-              </a:rPr>
-              <a:t>KafkaManager</a:t>
+              <a:t>24 ubuntu 14.04 Containers</a:t>
             </a:r>
             <a:endParaRPr lang="en-US" dirty="0">
               <a:solidFill>
@@ -6566,7 +6453,108 @@
                   <a:schemeClr val="tx1"/>
                 </a:solidFill>
               </a:rPr>
-              <a:t>7x </a:t>
+              <a:t>3x Cassandra</a:t>
+            </a:r>
+          </a:p>
+          <a:p>
+            <a:pPr marL="1200150" lvl="2" indent="-285750">
+              <a:buFont typeface="Arial"/>
+              <a:buChar char="•"/>
+            </a:pPr>
+            <a:r>
+              <a:rPr lang="en-US" dirty="0">
+                <a:solidFill>
+                  <a:schemeClr val="tx1"/>
+                </a:solidFill>
+              </a:rPr>
+              <a:t>3x Ignite</a:t>
+            </a:r>
+          </a:p>
+          <a:p>
+            <a:pPr marL="1200150" lvl="2" indent="-285750">
+              <a:buFont typeface="Arial"/>
+              <a:buChar char="•"/>
+            </a:pPr>
+            <a:r>
+              <a:rPr lang="en-US" dirty="0">
+                <a:solidFill>
+                  <a:schemeClr val="tx1"/>
+                </a:solidFill>
+              </a:rPr>
+              <a:t>6x Kafka (3x </a:t>
+            </a:r>
+            <a:r>
+              <a:rPr lang="en-US" dirty="0" err="1">
+                <a:solidFill>
+                  <a:schemeClr val="tx1"/>
+                </a:solidFill>
+              </a:rPr>
+              <a:t>zk</a:t>
+            </a:r>
+            <a:r>
+              <a:rPr lang="en-US" dirty="0">
+                <a:solidFill>
+                  <a:schemeClr val="tx1"/>
+                </a:solidFill>
+              </a:rPr>
+              <a:t>, 3x </a:t>
+            </a:r>
+            <a:r>
+              <a:rPr lang="en-US" dirty="0" err="1">
+                <a:solidFill>
+                  <a:schemeClr val="tx1"/>
+                </a:solidFill>
+              </a:rPr>
+              <a:t>kafka</a:t>
+            </a:r>
+            <a:r>
+              <a:rPr lang="en-US" dirty="0">
+                <a:solidFill>
+                  <a:schemeClr val="tx1"/>
+                </a:solidFill>
+              </a:rPr>
+              <a:t>)</a:t>
+            </a:r>
+          </a:p>
+          <a:p>
+            <a:pPr marL="1200150" lvl="2" indent="-285750">
+              <a:buFont typeface="Arial"/>
+              <a:buChar char="•"/>
+            </a:pPr>
+            <a:r>
+              <a:rPr lang="en-US" dirty="0">
+                <a:solidFill>
+                  <a:schemeClr val="tx1"/>
+                </a:solidFill>
+              </a:rPr>
+              <a:t>1x </a:t>
+            </a:r>
+            <a:r>
+              <a:rPr lang="en-US" dirty="0" err="1">
+                <a:solidFill>
+                  <a:schemeClr val="tx1"/>
+                </a:solidFill>
+              </a:rPr>
+              <a:t>KafkaManager</a:t>
+            </a:r>
+            <a:endParaRPr lang="en-US" dirty="0">
+              <a:solidFill>
+                <a:schemeClr val="tx1"/>
+              </a:solidFill>
+            </a:endParaRPr>
+          </a:p>
+          <a:p>
+            <a:pPr marL="1200150" lvl="2" indent="-285750">
+              <a:buFont typeface="Arial"/>
+              <a:buChar char="•"/>
+            </a:pPr>
+            <a:r>
+              <a:rPr lang="en-US" dirty="0">
+                <a:solidFill>
+                  <a:schemeClr val="tx1"/>
+                </a:solidFill>
+              </a:rPr>
+              <a:t>6x </a:t>
             </a:r>
             <a:r>
               <a:rPr lang="en-US" dirty="0" err="1">
@@ -8586,6 +8574,38 @@
           <a:bodyPr/>
           <a:lstStyle/>
           <a:p>
+            <a:r>
+              <a:rPr lang="en-US" dirty="0"/>
+              <a:t>Demo then Architecture Overview – good approach?</a:t>
+            </a:r>
+          </a:p>
+          <a:p>
+            <a:r>
+              <a:rPr lang="en-US" dirty="0"/>
+              <a:t>What should be emphasized for Business/Management?</a:t>
+            </a:r>
+          </a:p>
+          <a:p>
+            <a:r>
+              <a:rPr lang="en-US" dirty="0"/>
+              <a:t>What should be emphasized for Technical?</a:t>
+            </a:r>
+          </a:p>
+          <a:p>
+            <a:r>
+              <a:rPr lang="en-US" dirty="0"/>
+              <a:t>More historical data or does the point get across?</a:t>
+            </a:r>
+          </a:p>
+          <a:p>
+            <a:r>
+              <a:rPr lang="en-US" dirty="0"/>
+              <a:t>Would an Animation on the Process </a:t>
+            </a:r>
+            <a:r>
+              <a:rPr lang="en-US"/>
+              <a:t>Flow help?</a:t>
+            </a:r>
             <a:endParaRPr lang="en-US" dirty="0"/>
           </a:p>
         </p:txBody>
@@ -8612,128 +8632,8 @@
           <a:p>
             <a:r>
               <a:rPr lang="en-US" dirty="0"/>
-              <a:t>Title</a:t>
-            </a:r>
-          </a:p>
-        </p:txBody>
-      </p:sp>
-    </p:spTree>
-    <p:extLst>
-      <p:ext uri="{BB962C8B-B14F-4D97-AF65-F5344CB8AC3E}">
-        <p14:creationId xmlns:p14="http://schemas.microsoft.com/office/powerpoint/2010/main" val="4107597356"/>
-      </p:ext>
-    </p:extLst>
-  </p:cSld>
-  <p:clrMapOvr>
-    <a:masterClrMapping/>
-  </p:clrMapOvr>
-</p:sld>
-</file>
-
-<file path=ppt/slides/slide25.xml><?xml version="1.0" encoding="utf-8"?>
-<p:sld xmlns:a="http://schemas.openxmlformats.org/drawingml/2006/main" xmlns:r="http://schemas.openxmlformats.org/officeDocument/2006/relationships" xmlns:p="http://schemas.openxmlformats.org/presentationml/2006/main">
-  <p:cSld>
-    <p:spTree>
-      <p:nvGrpSpPr>
-        <p:cNvPr id="1" name=""/>
-        <p:cNvGrpSpPr/>
-        <p:nvPr/>
-      </p:nvGrpSpPr>
-      <p:grpSpPr>
-        <a:xfrm>
-          <a:off x="0" y="0"/>
-          <a:ext cx="0" cy="0"/>
-          <a:chOff x="0" y="0"/>
-          <a:chExt cx="0" cy="0"/>
-        </a:xfrm>
-      </p:grpSpPr>
-      <p:sp>
-        <p:nvSpPr>
-          <p:cNvPr id="3" name="Content Placeholder 2"/>
-          <p:cNvSpPr>
-            <a:spLocks noGrp="1"/>
-          </p:cNvSpPr>
-          <p:nvPr>
-            <p:ph idx="1"/>
-          </p:nvPr>
-        </p:nvSpPr>
-        <p:spPr>
-          <a:xfrm>
-            <a:off x="838200" y="1269948"/>
-            <a:ext cx="10515600" cy="5402851"/>
-          </a:xfrm>
-        </p:spPr>
-        <p:txBody>
-          <a:bodyPr/>
-          <a:lstStyle/>
-          <a:p>
-            <a:r>
-              <a:rPr lang="en-US" dirty="0" err="1"/>
-              <a:t>PostIt’s</a:t>
-            </a:r>
-            <a:r>
-              <a:rPr lang="en-US" dirty="0"/>
-              <a:t>  with iote2eRequet and Iote2eResult, </a:t>
-            </a:r>
-            <a:r>
-              <a:rPr lang="en-US"/>
-              <a:t>Ignite filter </a:t>
-            </a:r>
-            <a:r>
-              <a:rPr lang="en-US" dirty="0"/>
-              <a:t>for Temperature</a:t>
-            </a:r>
-          </a:p>
-          <a:p>
-            <a:r>
-              <a:rPr lang="en-US" dirty="0"/>
-              <a:t>Modify camera stand for 360 rotation</a:t>
-            </a:r>
-          </a:p>
-          <a:p>
-            <a:r>
-              <a:rPr lang="en-US" dirty="0"/>
-              <a:t>Verify </a:t>
-            </a:r>
-            <a:r>
-              <a:rPr lang="en-US" dirty="0" err="1"/>
-              <a:t>webex</a:t>
-            </a:r>
-            <a:r>
-              <a:rPr lang="en-US" dirty="0"/>
-              <a:t> will work ok</a:t>
-            </a:r>
-          </a:p>
-          <a:p>
-            <a:endParaRPr lang="en-US" dirty="0"/>
-          </a:p>
-        </p:txBody>
-      </p:sp>
-      <p:sp>
-        <p:nvSpPr>
-          <p:cNvPr id="4" name="Title 1"/>
-          <p:cNvSpPr>
-            <a:spLocks noGrp="1"/>
-          </p:cNvSpPr>
-          <p:nvPr>
-            <p:ph type="title"/>
-          </p:nvPr>
-        </p:nvSpPr>
-        <p:spPr>
-          <a:xfrm>
-            <a:off x="838200" y="365125"/>
-            <a:ext cx="10515600" cy="695049"/>
-          </a:xfrm>
-        </p:spPr>
-        <p:txBody>
-          <a:bodyPr/>
-          <a:lstStyle/>
-          <a:p>
-            <a:r>
-              <a:rPr lang="en-US" dirty="0" err="1"/>
-              <a:t>ToDo</a:t>
-            </a:r>
-            <a:endParaRPr lang="en-US" dirty="0"/>
+              <a:t>Feedback</a:t>
+            </a:r>
           </a:p>
         </p:txBody>
       </p:sp>
@@ -8968,7 +8868,7 @@
             <a:pPr lvl="1"/>
             <a:r>
               <a:rPr lang="en-US" dirty="0"/>
-              <a:t>Dashboard for your doctor and you, can view history and real time values</a:t>
+              <a:t>Dashboard for your doctor and you, view history and real time values</a:t>
             </a:r>
           </a:p>
           <a:p>
@@ -8988,7 +8888,7 @@
             <a:pPr lvl="1"/>
             <a:r>
               <a:rPr lang="en-US" dirty="0"/>
-              <a:t>Dashboard for airline chief mechanic, view your history and real time values</a:t>
+              <a:t>Dashboard for airline chief mechanic, view history and real time values</a:t>
             </a:r>
           </a:p>
         </p:txBody>
@@ -9894,14 +9794,14 @@
             <a:pPr lvl="1"/>
             <a:r>
               <a:rPr lang="en-US" dirty="0"/>
-              <a:t>If Temp &gt; 50C and Fan Off, then create Iote2eResult with fan=on</a:t>
+              <a:t>If Temp &gt;= 50C and Fan Off, then create Iote2eResult with fan=on</a:t>
             </a:r>
           </a:p>
           <a:p>
             <a:pPr lvl="1"/>
             <a:r>
               <a:rPr lang="en-US" dirty="0"/>
-              <a:t>If Temp &lt; 35C and Fan On, then create Iote2eResult with fan=off</a:t>
+              <a:t>If Temp &lt;= 35C and Fan On, then create Iote2eResult with fan=off</a:t>
             </a:r>
           </a:p>
           <a:p>

--- a/iote2e-common/src/site/markdown/slides/iote2e-dryrun-20170904.pptx
+++ b/iote2e-common/src/site/markdown/slides/iote2e-dryrun-20170904.pptx
@@ -31,7 +31,7 @@
     <p:sldId id="267" r:id="rId25"/>
   </p:sldIdLst>
   <p:sldSz cx="12192000" cy="6858000"/>
-  <p:notesSz cx="6858000" cy="9144000"/>
+  <p:notesSz cx="7010400" cy="9296400"/>
   <p:defaultTextStyle>
     <a:defPPr>
       <a:defRPr lang="en-US"/>
@@ -8600,13 +8600,35 @@
           <a:p>
             <a:r>
               <a:rPr lang="en-US" dirty="0"/>
-              <a:t>Would an Animation on the Process </a:t>
-            </a:r>
-            <a:r>
-              <a:rPr lang="en-US"/>
-              <a:t>Flow help?</a:t>
-            </a:r>
-            <a:endParaRPr lang="en-US" dirty="0"/>
+              <a:t>Would an Animation on the Process Flow help?</a:t>
+            </a:r>
+          </a:p>
+          <a:p>
+            <a:r>
+              <a:rPr lang="en-US" dirty="0"/>
+              <a:t>Next Steps</a:t>
+            </a:r>
+          </a:p>
+          <a:p>
+            <a:pPr lvl="1"/>
+            <a:r>
+              <a:rPr lang="en-US" dirty="0"/>
+              <a:t>Documentation</a:t>
+            </a:r>
+          </a:p>
+          <a:p>
+            <a:pPr lvl="1"/>
+            <a:r>
+              <a:rPr lang="en-US" dirty="0"/>
+              <a:t>Basic install guide</a:t>
+            </a:r>
+          </a:p>
+          <a:p>
+            <a:pPr lvl="1"/>
+            <a:r>
+              <a:rPr lang="en-US" dirty="0"/>
+              <a:t>Install on some developer workstations, get temperature simulation running</a:t>
+            </a:r>
           </a:p>
         </p:txBody>
       </p:sp>
@@ -9212,7 +9234,7 @@
                   <a:schemeClr val="tx1"/>
                 </a:solidFill>
               </a:rPr>
-              <a:t>Raspberry Pi – ubuntu 16.06</a:t>
+              <a:t>Raspberry Pi – ubuntu 16.04</a:t>
             </a:r>
           </a:p>
           <a:p>
